--- a/MSIC.pptx
+++ b/MSIC.pptx
@@ -7,9 +7,24 @@
   <p:sldIdLst>
     <p:sldId id="256" r:id="rId2"/>
     <p:sldId id="257" r:id="rId3"/>
-    <p:sldId id="259" r:id="rId4"/>
-    <p:sldId id="260" r:id="rId5"/>
-    <p:sldId id="258" r:id="rId6"/>
+    <p:sldId id="267" r:id="rId4"/>
+    <p:sldId id="263" r:id="rId5"/>
+    <p:sldId id="268" r:id="rId6"/>
+    <p:sldId id="269" r:id="rId7"/>
+    <p:sldId id="270" r:id="rId8"/>
+    <p:sldId id="271" r:id="rId9"/>
+    <p:sldId id="260" r:id="rId10"/>
+    <p:sldId id="259" r:id="rId11"/>
+    <p:sldId id="272" r:id="rId12"/>
+    <p:sldId id="273" r:id="rId13"/>
+    <p:sldId id="274" r:id="rId14"/>
+    <p:sldId id="275" r:id="rId15"/>
+    <p:sldId id="265" r:id="rId16"/>
+    <p:sldId id="266" r:id="rId17"/>
+    <p:sldId id="258" r:id="rId18"/>
+    <p:sldId id="264" r:id="rId19"/>
+    <p:sldId id="261" r:id="rId20"/>
+    <p:sldId id="276" r:id="rId21"/>
   </p:sldIdLst>
   <p:sldSz cx="12192000" cy="6858000"/>
   <p:notesSz cx="6858000" cy="9144000"/>
@@ -108,6 +123,11 @@
       </a:defRPr>
     </a:lvl9pPr>
   </p:defaultTextStyle>
+  <p:extLst>
+    <p:ext uri="{EFAFB233-063F-42B5-8137-9DF3F51BA10A}">
+      <p15:sldGuideLst xmlns:p15="http://schemas.microsoft.com/office/powerpoint/2012/main"/>
+    </p:ext>
+  </p:extLst>
 </p:presentation>
 </file>
 
@@ -258,7 +278,7 @@
           <a:p>
             <a:fld id="{B1214E4E-9C06-3548-95CB-24D098365B31}" type="datetimeFigureOut">
               <a:rPr lang="en-US" smtClean="0"/>
-              <a:t>7/7/18</a:t>
+              <a:t>7/9/18</a:t>
             </a:fld>
             <a:endParaRPr lang="en-US"/>
           </a:p>
@@ -456,7 +476,7 @@
           <a:p>
             <a:fld id="{B1214E4E-9C06-3548-95CB-24D098365B31}" type="datetimeFigureOut">
               <a:rPr lang="en-US" smtClean="0"/>
-              <a:t>7/7/18</a:t>
+              <a:t>7/9/18</a:t>
             </a:fld>
             <a:endParaRPr lang="en-US"/>
           </a:p>
@@ -664,7 +684,7 @@
           <a:p>
             <a:fld id="{B1214E4E-9C06-3548-95CB-24D098365B31}" type="datetimeFigureOut">
               <a:rPr lang="en-US" smtClean="0"/>
-              <a:t>7/7/18</a:t>
+              <a:t>7/9/18</a:t>
             </a:fld>
             <a:endParaRPr lang="en-US"/>
           </a:p>
@@ -862,7 +882,7 @@
           <a:p>
             <a:fld id="{B1214E4E-9C06-3548-95CB-24D098365B31}" type="datetimeFigureOut">
               <a:rPr lang="en-US" smtClean="0"/>
-              <a:t>7/7/18</a:t>
+              <a:t>7/9/18</a:t>
             </a:fld>
             <a:endParaRPr lang="en-US"/>
           </a:p>
@@ -1137,7 +1157,7 @@
           <a:p>
             <a:fld id="{B1214E4E-9C06-3548-95CB-24D098365B31}" type="datetimeFigureOut">
               <a:rPr lang="en-US" smtClean="0"/>
-              <a:t>7/7/18</a:t>
+              <a:t>7/9/18</a:t>
             </a:fld>
             <a:endParaRPr lang="en-US"/>
           </a:p>
@@ -1402,7 +1422,7 @@
           <a:p>
             <a:fld id="{B1214E4E-9C06-3548-95CB-24D098365B31}" type="datetimeFigureOut">
               <a:rPr lang="en-US" smtClean="0"/>
-              <a:t>7/7/18</a:t>
+              <a:t>7/9/18</a:t>
             </a:fld>
             <a:endParaRPr lang="en-US"/>
           </a:p>
@@ -1814,7 +1834,7 @@
           <a:p>
             <a:fld id="{B1214E4E-9C06-3548-95CB-24D098365B31}" type="datetimeFigureOut">
               <a:rPr lang="en-US" smtClean="0"/>
-              <a:t>7/7/18</a:t>
+              <a:t>7/9/18</a:t>
             </a:fld>
             <a:endParaRPr lang="en-US"/>
           </a:p>
@@ -1955,7 +1975,7 @@
           <a:p>
             <a:fld id="{B1214E4E-9C06-3548-95CB-24D098365B31}" type="datetimeFigureOut">
               <a:rPr lang="en-US" smtClean="0"/>
-              <a:t>7/7/18</a:t>
+              <a:t>7/9/18</a:t>
             </a:fld>
             <a:endParaRPr lang="en-US"/>
           </a:p>
@@ -2068,7 +2088,7 @@
           <a:p>
             <a:fld id="{B1214E4E-9C06-3548-95CB-24D098365B31}" type="datetimeFigureOut">
               <a:rPr lang="en-US" smtClean="0"/>
-              <a:t>7/7/18</a:t>
+              <a:t>7/9/18</a:t>
             </a:fld>
             <a:endParaRPr lang="en-US"/>
           </a:p>
@@ -2379,7 +2399,7 @@
           <a:p>
             <a:fld id="{B1214E4E-9C06-3548-95CB-24D098365B31}" type="datetimeFigureOut">
               <a:rPr lang="en-US" smtClean="0"/>
-              <a:t>7/7/18</a:t>
+              <a:t>7/9/18</a:t>
             </a:fld>
             <a:endParaRPr lang="en-US"/>
           </a:p>
@@ -2667,7 +2687,7 @@
           <a:p>
             <a:fld id="{B1214E4E-9C06-3548-95CB-24D098365B31}" type="datetimeFigureOut">
               <a:rPr lang="en-US" smtClean="0"/>
-              <a:t>7/7/18</a:t>
+              <a:t>7/9/18</a:t>
             </a:fld>
             <a:endParaRPr lang="en-US"/>
           </a:p>
@@ -2908,7 +2928,7 @@
           <a:p>
             <a:fld id="{B1214E4E-9C06-3548-95CB-24D098365B31}" type="datetimeFigureOut">
               <a:rPr lang="en-US" smtClean="0"/>
-              <a:t>7/7/18</a:t>
+              <a:t>7/9/18</a:t>
             </a:fld>
             <a:endParaRPr lang="en-US"/>
           </a:p>
@@ -3354,6 +3374,10 @@
           <a:lstStyle/>
           <a:p>
             <a:r>
+              <a:rPr lang="en-US" altLang="zh-CN" b="1" dirty="0"/>
+              <a:t>(MSIC) </a:t>
+            </a:r>
+            <a:r>
               <a:rPr lang="en-HK" b="1" dirty="0">
                 <a:solidFill>
                   <a:srgbClr val="FF0000"/>
@@ -3417,13 +3441,6 @@
               <a:rPr lang="en-HK" b="1" dirty="0"/>
               <a:t> data</a:t>
             </a:r>
-            <a:br>
-              <a:rPr lang="en-HK" b="1" dirty="0"/>
-            </a:br>
-            <a:r>
-              <a:rPr lang="en-US" altLang="zh-CN" b="1" dirty="0"/>
-              <a:t>(MSIC)</a:t>
-            </a:r>
             <a:endParaRPr lang="en-US" dirty="0"/>
           </a:p>
         </p:txBody>
@@ -3496,6 +3513,1109 @@
     <p:extLst>
       <p:ext uri="{BB962C8B-B14F-4D97-AF65-F5344CB8AC3E}">
         <p14:creationId xmlns:p14="http://schemas.microsoft.com/office/powerpoint/2010/main" val="1406864861"/>
+      </p:ext>
+    </p:extLst>
+  </p:cSld>
+  <p:clrMapOvr>
+    <a:masterClrMapping/>
+  </p:clrMapOvr>
+</p:sld>
+</file>
+
+<file path=ppt/slides/slide10.xml><?xml version="1.0" encoding="utf-8"?>
+<p:sld xmlns:a="http://schemas.openxmlformats.org/drawingml/2006/main" xmlns:r="http://schemas.openxmlformats.org/officeDocument/2006/relationships" xmlns:p="http://schemas.openxmlformats.org/presentationml/2006/main">
+  <p:cSld>
+    <p:spTree>
+      <p:nvGrpSpPr>
+        <p:cNvPr id="1" name=""/>
+        <p:cNvGrpSpPr/>
+        <p:nvPr/>
+      </p:nvGrpSpPr>
+      <p:grpSpPr>
+        <a:xfrm>
+          <a:off x="0" y="0"/>
+          <a:ext cx="0" cy="0"/>
+          <a:chOff x="0" y="0"/>
+          <a:chExt cx="0" cy="0"/>
+        </a:xfrm>
+      </p:grpSpPr>
+      <p:sp>
+        <p:nvSpPr>
+          <p:cNvPr id="2" name="Title 1">
+            <a:extLst>
+              <a:ext uri="{FF2B5EF4-FFF2-40B4-BE49-F238E27FC236}">
+                <a16:creationId xmlns:a16="http://schemas.microsoft.com/office/drawing/2014/main" id="{06602FBB-8FAA-2543-957A-77D3ED6EDAF9}"/>
+              </a:ext>
+            </a:extLst>
+          </p:cNvPr>
+          <p:cNvSpPr>
+            <a:spLocks noGrp="1"/>
+          </p:cNvSpPr>
+          <p:nvPr>
+            <p:ph type="title"/>
+          </p:nvPr>
+        </p:nvSpPr>
+        <p:spPr/>
+        <p:txBody>
+          <a:bodyPr/>
+          <a:lstStyle/>
+          <a:p>
+            <a:r>
+              <a:rPr lang="en-US" dirty="0"/>
+              <a:t>Outlier</a:t>
+            </a:r>
+            <a:r>
+              <a:rPr lang="zh-CN" altLang="en-US" dirty="0"/>
+              <a:t> </a:t>
+            </a:r>
+            <a:r>
+              <a:rPr lang="en-US" altLang="zh-CN" dirty="0"/>
+              <a:t>detection</a:t>
+            </a:r>
+            <a:endParaRPr lang="en-US" dirty="0"/>
+          </a:p>
+        </p:txBody>
+      </p:sp>
+      <p:sp>
+        <p:nvSpPr>
+          <p:cNvPr id="3" name="Content Placeholder 2">
+            <a:extLst>
+              <a:ext uri="{FF2B5EF4-FFF2-40B4-BE49-F238E27FC236}">
+                <a16:creationId xmlns:a16="http://schemas.microsoft.com/office/drawing/2014/main" id="{2E659659-E18C-4047-ABE3-5FA1F9A49DF5}"/>
+              </a:ext>
+            </a:extLst>
+          </p:cNvPr>
+          <p:cNvSpPr>
+            <a:spLocks noGrp="1"/>
+          </p:cNvSpPr>
+          <p:nvPr>
+            <p:ph idx="1"/>
+          </p:nvPr>
+        </p:nvSpPr>
+        <p:spPr/>
+        <p:txBody>
+          <a:bodyPr>
+            <a:normAutofit lnSpcReduction="10000"/>
+          </a:bodyPr>
+          <a:lstStyle/>
+          <a:p>
+            <a:r>
+              <a:rPr lang="en-HK" dirty="0"/>
+              <a:t>why removing outlier is necessary? using simulated data to explain this point</a:t>
+            </a:r>
+          </a:p>
+          <a:p>
+            <a:r>
+              <a:rPr lang="en-HK" dirty="0"/>
+              <a:t>why current outlier detection method is not suitable? use ground truth to demonstrate this point, compare different tools (removing the rare populations)</a:t>
+            </a:r>
+          </a:p>
+          <a:p>
+            <a:r>
+              <a:rPr lang="en-HK" dirty="0"/>
+              <a:t>why using dimension reduction (cite paper)? top 100 or 95% explained variance PCs</a:t>
+            </a:r>
+          </a:p>
+          <a:p>
+            <a:r>
+              <a:rPr lang="en-HK" dirty="0"/>
+              <a:t>try different dimension reduction method (PCA and DM), compare the results</a:t>
+            </a:r>
+          </a:p>
+          <a:p>
+            <a:r>
+              <a:rPr lang="en-HK" dirty="0"/>
+              <a:t>outlier detection algorithm, </a:t>
+            </a:r>
+            <a:r>
+              <a:rPr lang="en-HK" dirty="0" err="1"/>
+              <a:t>minNum</a:t>
+            </a:r>
+            <a:endParaRPr lang="en-HK" dirty="0"/>
+          </a:p>
+        </p:txBody>
+      </p:sp>
+    </p:spTree>
+    <p:extLst>
+      <p:ext uri="{BB962C8B-B14F-4D97-AF65-F5344CB8AC3E}">
+        <p14:creationId xmlns:p14="http://schemas.microsoft.com/office/powerpoint/2010/main" val="710054548"/>
+      </p:ext>
+    </p:extLst>
+  </p:cSld>
+  <p:clrMapOvr>
+    <a:masterClrMapping/>
+  </p:clrMapOvr>
+</p:sld>
+</file>
+
+<file path=ppt/slides/slide11.xml><?xml version="1.0" encoding="utf-8"?>
+<p:sld xmlns:a="http://schemas.openxmlformats.org/drawingml/2006/main" xmlns:r="http://schemas.openxmlformats.org/officeDocument/2006/relationships" xmlns:p="http://schemas.openxmlformats.org/presentationml/2006/main">
+  <p:cSld>
+    <p:spTree>
+      <p:nvGrpSpPr>
+        <p:cNvPr id="1" name=""/>
+        <p:cNvGrpSpPr/>
+        <p:nvPr/>
+      </p:nvGrpSpPr>
+      <p:grpSpPr>
+        <a:xfrm>
+          <a:off x="0" y="0"/>
+          <a:ext cx="0" cy="0"/>
+          <a:chOff x="0" y="0"/>
+          <a:chExt cx="0" cy="0"/>
+        </a:xfrm>
+      </p:grpSpPr>
+      <p:sp>
+        <p:nvSpPr>
+          <p:cNvPr id="2" name="Title 1">
+            <a:extLst>
+              <a:ext uri="{FF2B5EF4-FFF2-40B4-BE49-F238E27FC236}">
+                <a16:creationId xmlns:a16="http://schemas.microsoft.com/office/drawing/2014/main" id="{B58DD72E-2EF9-8044-ABF8-91243A33E987}"/>
+              </a:ext>
+            </a:extLst>
+          </p:cNvPr>
+          <p:cNvSpPr>
+            <a:spLocks noGrp="1"/>
+          </p:cNvSpPr>
+          <p:nvPr>
+            <p:ph type="title"/>
+          </p:nvPr>
+        </p:nvSpPr>
+        <p:spPr/>
+        <p:txBody>
+          <a:bodyPr/>
+          <a:lstStyle/>
+          <a:p>
+            <a:r>
+              <a:rPr lang="en-US" dirty="0"/>
+              <a:t>Outlier</a:t>
+            </a:r>
+            <a:r>
+              <a:rPr lang="zh-CN" altLang="en-US" dirty="0"/>
+              <a:t> </a:t>
+            </a:r>
+            <a:r>
+              <a:rPr lang="en-US" altLang="zh-CN" dirty="0"/>
+              <a:t>detection</a:t>
+            </a:r>
+            <a:r>
+              <a:rPr lang="zh-CN" altLang="en-US" dirty="0"/>
+              <a:t> </a:t>
+            </a:r>
+            <a:r>
+              <a:rPr lang="en-US" altLang="zh-CN" dirty="0"/>
+              <a:t>algorithm</a:t>
+            </a:r>
+            <a:r>
+              <a:rPr lang="zh-CN" altLang="en-US" dirty="0"/>
+              <a:t> </a:t>
+            </a:r>
+            <a:r>
+              <a:rPr lang="en-US" altLang="zh-CN" dirty="0"/>
+              <a:t>(PCA)</a:t>
+            </a:r>
+            <a:endParaRPr lang="en-US" dirty="0"/>
+          </a:p>
+        </p:txBody>
+      </p:sp>
+      <p:sp>
+        <p:nvSpPr>
+          <p:cNvPr id="3" name="Content Placeholder 2">
+            <a:extLst>
+              <a:ext uri="{FF2B5EF4-FFF2-40B4-BE49-F238E27FC236}">
+                <a16:creationId xmlns:a16="http://schemas.microsoft.com/office/drawing/2014/main" id="{EC4CC89C-531F-A944-B9A4-0FF2FBF282E2}"/>
+              </a:ext>
+            </a:extLst>
+          </p:cNvPr>
+          <p:cNvSpPr>
+            <a:spLocks noGrp="1"/>
+          </p:cNvSpPr>
+          <p:nvPr>
+            <p:ph idx="1"/>
+          </p:nvPr>
+        </p:nvSpPr>
+        <p:spPr/>
+        <p:txBody>
+          <a:bodyPr/>
+          <a:lstStyle/>
+          <a:p>
+            <a:endParaRPr lang="en-US" dirty="0"/>
+          </a:p>
+        </p:txBody>
+      </p:sp>
+    </p:spTree>
+    <p:extLst>
+      <p:ext uri="{BB962C8B-B14F-4D97-AF65-F5344CB8AC3E}">
+        <p14:creationId xmlns:p14="http://schemas.microsoft.com/office/powerpoint/2010/main" val="2088199816"/>
+      </p:ext>
+    </p:extLst>
+  </p:cSld>
+  <p:clrMapOvr>
+    <a:masterClrMapping/>
+  </p:clrMapOvr>
+</p:sld>
+</file>
+
+<file path=ppt/slides/slide12.xml><?xml version="1.0" encoding="utf-8"?>
+<p:sld xmlns:a="http://schemas.openxmlformats.org/drawingml/2006/main" xmlns:r="http://schemas.openxmlformats.org/officeDocument/2006/relationships" xmlns:p="http://schemas.openxmlformats.org/presentationml/2006/main">
+  <p:cSld>
+    <p:spTree>
+      <p:nvGrpSpPr>
+        <p:cNvPr id="1" name=""/>
+        <p:cNvGrpSpPr/>
+        <p:nvPr/>
+      </p:nvGrpSpPr>
+      <p:grpSpPr>
+        <a:xfrm>
+          <a:off x="0" y="0"/>
+          <a:ext cx="0" cy="0"/>
+          <a:chOff x="0" y="0"/>
+          <a:chExt cx="0" cy="0"/>
+        </a:xfrm>
+      </p:grpSpPr>
+      <p:sp>
+        <p:nvSpPr>
+          <p:cNvPr id="2" name="Title 1">
+            <a:extLst>
+              <a:ext uri="{FF2B5EF4-FFF2-40B4-BE49-F238E27FC236}">
+                <a16:creationId xmlns:a16="http://schemas.microsoft.com/office/drawing/2014/main" id="{731A09BF-60BC-6742-AE03-54E391737555}"/>
+              </a:ext>
+            </a:extLst>
+          </p:cNvPr>
+          <p:cNvSpPr>
+            <a:spLocks noGrp="1"/>
+          </p:cNvSpPr>
+          <p:nvPr>
+            <p:ph type="title"/>
+          </p:nvPr>
+        </p:nvSpPr>
+        <p:spPr/>
+        <p:txBody>
+          <a:bodyPr/>
+          <a:lstStyle/>
+          <a:p>
+            <a:r>
+              <a:rPr lang="en-US" altLang="zh-CN" dirty="0"/>
+              <a:t>Why</a:t>
+            </a:r>
+            <a:r>
+              <a:rPr lang="zh-CN" altLang="en-US" dirty="0"/>
+              <a:t> </a:t>
+            </a:r>
+            <a:r>
+              <a:rPr lang="en-US" altLang="zh-CN" dirty="0"/>
+              <a:t>using</a:t>
+            </a:r>
+            <a:r>
+              <a:rPr lang="zh-CN" altLang="en-US" dirty="0"/>
+              <a:t> </a:t>
+            </a:r>
+            <a:r>
+              <a:rPr lang="en-US" altLang="zh-CN" dirty="0"/>
+              <a:t>correlation?</a:t>
+            </a:r>
+            <a:endParaRPr lang="en-US" dirty="0"/>
+          </a:p>
+        </p:txBody>
+      </p:sp>
+      <p:sp>
+        <p:nvSpPr>
+          <p:cNvPr id="3" name="Content Placeholder 2">
+            <a:extLst>
+              <a:ext uri="{FF2B5EF4-FFF2-40B4-BE49-F238E27FC236}">
+                <a16:creationId xmlns:a16="http://schemas.microsoft.com/office/drawing/2014/main" id="{C8C56F51-0D43-1746-B278-7514930C24BC}"/>
+              </a:ext>
+            </a:extLst>
+          </p:cNvPr>
+          <p:cNvSpPr>
+            <a:spLocks noGrp="1"/>
+          </p:cNvSpPr>
+          <p:nvPr>
+            <p:ph idx="1"/>
+          </p:nvPr>
+        </p:nvSpPr>
+        <p:spPr/>
+        <p:txBody>
+          <a:bodyPr/>
+          <a:lstStyle/>
+          <a:p>
+            <a:endParaRPr lang="en-US" dirty="0"/>
+          </a:p>
+        </p:txBody>
+      </p:sp>
+    </p:spTree>
+    <p:extLst>
+      <p:ext uri="{BB962C8B-B14F-4D97-AF65-F5344CB8AC3E}">
+        <p14:creationId xmlns:p14="http://schemas.microsoft.com/office/powerpoint/2010/main" val="4015143427"/>
+      </p:ext>
+    </p:extLst>
+  </p:cSld>
+  <p:clrMapOvr>
+    <a:masterClrMapping/>
+  </p:clrMapOvr>
+</p:sld>
+</file>
+
+<file path=ppt/slides/slide13.xml><?xml version="1.0" encoding="utf-8"?>
+<p:sld xmlns:a="http://schemas.openxmlformats.org/drawingml/2006/main" xmlns:r="http://schemas.openxmlformats.org/officeDocument/2006/relationships" xmlns:p="http://schemas.openxmlformats.org/presentationml/2006/main">
+  <p:cSld>
+    <p:spTree>
+      <p:nvGrpSpPr>
+        <p:cNvPr id="1" name=""/>
+        <p:cNvGrpSpPr/>
+        <p:nvPr/>
+      </p:nvGrpSpPr>
+      <p:grpSpPr>
+        <a:xfrm>
+          <a:off x="0" y="0"/>
+          <a:ext cx="0" cy="0"/>
+          <a:chOff x="0" y="0"/>
+          <a:chExt cx="0" cy="0"/>
+        </a:xfrm>
+      </p:grpSpPr>
+      <p:sp>
+        <p:nvSpPr>
+          <p:cNvPr id="2" name="Title 1">
+            <a:extLst>
+              <a:ext uri="{FF2B5EF4-FFF2-40B4-BE49-F238E27FC236}">
+                <a16:creationId xmlns:a16="http://schemas.microsoft.com/office/drawing/2014/main" id="{88357D04-9899-D446-A6AB-FD9CE7470476}"/>
+              </a:ext>
+            </a:extLst>
+          </p:cNvPr>
+          <p:cNvSpPr>
+            <a:spLocks noGrp="1"/>
+          </p:cNvSpPr>
+          <p:nvPr>
+            <p:ph type="title"/>
+          </p:nvPr>
+        </p:nvSpPr>
+        <p:spPr/>
+        <p:txBody>
+          <a:bodyPr/>
+          <a:lstStyle/>
+          <a:p>
+            <a:r>
+              <a:rPr lang="en-US" altLang="zh-CN" dirty="0"/>
+              <a:t>Local</a:t>
+            </a:r>
+            <a:r>
+              <a:rPr lang="zh-CN" altLang="en-US" dirty="0"/>
+              <a:t> </a:t>
+            </a:r>
+            <a:r>
+              <a:rPr lang="en-US" altLang="zh-CN" dirty="0"/>
+              <a:t>center</a:t>
+            </a:r>
+            <a:r>
+              <a:rPr lang="zh-CN" altLang="en-US" dirty="0"/>
+              <a:t> </a:t>
+            </a:r>
+            <a:r>
+              <a:rPr lang="en-US" altLang="zh-CN" dirty="0"/>
+              <a:t>identification</a:t>
+            </a:r>
+            <a:r>
+              <a:rPr lang="zh-CN" altLang="en-US" dirty="0"/>
+              <a:t> </a:t>
+            </a:r>
+            <a:r>
+              <a:rPr lang="en-US" altLang="zh-CN" dirty="0"/>
+              <a:t>algorithm</a:t>
+            </a:r>
+            <a:endParaRPr lang="en-US" dirty="0"/>
+          </a:p>
+        </p:txBody>
+      </p:sp>
+      <p:sp>
+        <p:nvSpPr>
+          <p:cNvPr id="3" name="Content Placeholder 2">
+            <a:extLst>
+              <a:ext uri="{FF2B5EF4-FFF2-40B4-BE49-F238E27FC236}">
+                <a16:creationId xmlns:a16="http://schemas.microsoft.com/office/drawing/2014/main" id="{7C5293B4-8C11-B742-AFA2-2F20524B490C}"/>
+              </a:ext>
+            </a:extLst>
+          </p:cNvPr>
+          <p:cNvSpPr>
+            <a:spLocks noGrp="1"/>
+          </p:cNvSpPr>
+          <p:nvPr>
+            <p:ph idx="1"/>
+          </p:nvPr>
+        </p:nvSpPr>
+        <p:spPr/>
+        <p:txBody>
+          <a:bodyPr/>
+          <a:lstStyle/>
+          <a:p>
+            <a:r>
+              <a:rPr lang="en-US" dirty="0"/>
+              <a:t>nearest neighbors searching</a:t>
+            </a:r>
+          </a:p>
+        </p:txBody>
+      </p:sp>
+    </p:spTree>
+    <p:extLst>
+      <p:ext uri="{BB962C8B-B14F-4D97-AF65-F5344CB8AC3E}">
+        <p14:creationId xmlns:p14="http://schemas.microsoft.com/office/powerpoint/2010/main" val="737323670"/>
+      </p:ext>
+    </p:extLst>
+  </p:cSld>
+  <p:clrMapOvr>
+    <a:masterClrMapping/>
+  </p:clrMapOvr>
+</p:sld>
+</file>
+
+<file path=ppt/slides/slide14.xml><?xml version="1.0" encoding="utf-8"?>
+<p:sld xmlns:a="http://schemas.openxmlformats.org/drawingml/2006/main" xmlns:r="http://schemas.openxmlformats.org/officeDocument/2006/relationships" xmlns:p="http://schemas.openxmlformats.org/presentationml/2006/main">
+  <p:cSld>
+    <p:spTree>
+      <p:nvGrpSpPr>
+        <p:cNvPr id="1" name=""/>
+        <p:cNvGrpSpPr/>
+        <p:nvPr/>
+      </p:nvGrpSpPr>
+      <p:grpSpPr>
+        <a:xfrm>
+          <a:off x="0" y="0"/>
+          <a:ext cx="0" cy="0"/>
+          <a:chOff x="0" y="0"/>
+          <a:chExt cx="0" cy="0"/>
+        </a:xfrm>
+      </p:grpSpPr>
+      <p:sp>
+        <p:nvSpPr>
+          <p:cNvPr id="2" name="Title 1">
+            <a:extLst>
+              <a:ext uri="{FF2B5EF4-FFF2-40B4-BE49-F238E27FC236}">
+                <a16:creationId xmlns:a16="http://schemas.microsoft.com/office/drawing/2014/main" id="{8A9BDD59-5D77-D244-A3D6-6D88500A405F}"/>
+              </a:ext>
+            </a:extLst>
+          </p:cNvPr>
+          <p:cNvSpPr>
+            <a:spLocks noGrp="1"/>
+          </p:cNvSpPr>
+          <p:nvPr>
+            <p:ph type="title"/>
+          </p:nvPr>
+        </p:nvSpPr>
+        <p:spPr/>
+        <p:txBody>
+          <a:bodyPr/>
+          <a:lstStyle/>
+          <a:p>
+            <a:r>
+              <a:rPr lang="en-US" altLang="zh-CN" dirty="0"/>
+              <a:t>Subtypes</a:t>
+            </a:r>
+            <a:r>
+              <a:rPr lang="zh-CN" altLang="en-US" dirty="0"/>
+              <a:t> </a:t>
+            </a:r>
+            <a:r>
+              <a:rPr lang="en-US" altLang="zh-CN" dirty="0"/>
+              <a:t>inference</a:t>
+            </a:r>
+            <a:endParaRPr lang="en-US" dirty="0"/>
+          </a:p>
+        </p:txBody>
+      </p:sp>
+      <p:sp>
+        <p:nvSpPr>
+          <p:cNvPr id="3" name="Content Placeholder 2">
+            <a:extLst>
+              <a:ext uri="{FF2B5EF4-FFF2-40B4-BE49-F238E27FC236}">
+                <a16:creationId xmlns:a16="http://schemas.microsoft.com/office/drawing/2014/main" id="{B5FE97F3-2A36-CB47-AEEB-9A8F62FC80C7}"/>
+              </a:ext>
+            </a:extLst>
+          </p:cNvPr>
+          <p:cNvSpPr>
+            <a:spLocks noGrp="1"/>
+          </p:cNvSpPr>
+          <p:nvPr>
+            <p:ph idx="1"/>
+          </p:nvPr>
+        </p:nvSpPr>
+        <p:spPr/>
+        <p:txBody>
+          <a:bodyPr/>
+          <a:lstStyle/>
+          <a:p>
+            <a:endParaRPr lang="en-US"/>
+          </a:p>
+        </p:txBody>
+      </p:sp>
+    </p:spTree>
+    <p:extLst>
+      <p:ext uri="{BB962C8B-B14F-4D97-AF65-F5344CB8AC3E}">
+        <p14:creationId xmlns:p14="http://schemas.microsoft.com/office/powerpoint/2010/main" val="1667231745"/>
+      </p:ext>
+    </p:extLst>
+  </p:cSld>
+  <p:clrMapOvr>
+    <a:masterClrMapping/>
+  </p:clrMapOvr>
+</p:sld>
+</file>
+
+<file path=ppt/slides/slide15.xml><?xml version="1.0" encoding="utf-8"?>
+<p:sld xmlns:a="http://schemas.openxmlformats.org/drawingml/2006/main" xmlns:r="http://schemas.openxmlformats.org/officeDocument/2006/relationships" xmlns:p="http://schemas.openxmlformats.org/presentationml/2006/main">
+  <p:cSld>
+    <p:spTree>
+      <p:nvGrpSpPr>
+        <p:cNvPr id="1" name=""/>
+        <p:cNvGrpSpPr/>
+        <p:nvPr/>
+      </p:nvGrpSpPr>
+      <p:grpSpPr>
+        <a:xfrm>
+          <a:off x="0" y="0"/>
+          <a:ext cx="0" cy="0"/>
+          <a:chOff x="0" y="0"/>
+          <a:chExt cx="0" cy="0"/>
+        </a:xfrm>
+      </p:grpSpPr>
+      <p:sp>
+        <p:nvSpPr>
+          <p:cNvPr id="2" name="Title 1">
+            <a:extLst>
+              <a:ext uri="{FF2B5EF4-FFF2-40B4-BE49-F238E27FC236}">
+                <a16:creationId xmlns:a16="http://schemas.microsoft.com/office/drawing/2014/main" id="{39D810DA-DC5D-CE42-B689-6A5CB596F4BC}"/>
+              </a:ext>
+            </a:extLst>
+          </p:cNvPr>
+          <p:cNvSpPr>
+            <a:spLocks noGrp="1"/>
+          </p:cNvSpPr>
+          <p:nvPr>
+            <p:ph type="title"/>
+          </p:nvPr>
+        </p:nvSpPr>
+        <p:spPr/>
+        <p:txBody>
+          <a:bodyPr>
+            <a:normAutofit/>
+          </a:bodyPr>
+          <a:lstStyle/>
+          <a:p>
+            <a:r>
+              <a:rPr lang="en-US" altLang="zh-CN" dirty="0"/>
+              <a:t>Performance</a:t>
+            </a:r>
+            <a:r>
+              <a:rPr lang="zh-CN" altLang="en-US" dirty="0"/>
+              <a:t> </a:t>
+            </a:r>
+            <a:r>
+              <a:rPr lang="en-US" altLang="zh-CN" dirty="0"/>
+              <a:t>on</a:t>
+            </a:r>
+            <a:r>
+              <a:rPr lang="zh-CN" altLang="en-US" dirty="0"/>
+              <a:t> </a:t>
+            </a:r>
+            <a:r>
+              <a:rPr lang="en-US" altLang="zh-CN" dirty="0"/>
+              <a:t>simulated</a:t>
+            </a:r>
+            <a:r>
+              <a:rPr lang="zh-CN" altLang="en-US" dirty="0"/>
+              <a:t> </a:t>
+            </a:r>
+            <a:r>
+              <a:rPr lang="en-US" altLang="zh-CN" dirty="0"/>
+              <a:t>dataset</a:t>
+            </a:r>
+            <a:endParaRPr lang="en-US" dirty="0"/>
+          </a:p>
+        </p:txBody>
+      </p:sp>
+      <p:sp>
+        <p:nvSpPr>
+          <p:cNvPr id="3" name="Content Placeholder 2">
+            <a:extLst>
+              <a:ext uri="{FF2B5EF4-FFF2-40B4-BE49-F238E27FC236}">
+                <a16:creationId xmlns:a16="http://schemas.microsoft.com/office/drawing/2014/main" id="{DEEFECD2-0AEA-6043-8E5A-38FB8743BF18}"/>
+              </a:ext>
+            </a:extLst>
+          </p:cNvPr>
+          <p:cNvSpPr>
+            <a:spLocks noGrp="1"/>
+          </p:cNvSpPr>
+          <p:nvPr>
+            <p:ph idx="1"/>
+          </p:nvPr>
+        </p:nvSpPr>
+        <p:spPr/>
+        <p:txBody>
+          <a:bodyPr/>
+          <a:lstStyle/>
+          <a:p>
+            <a:r>
+              <a:rPr lang="en-US" altLang="zh-CN" dirty="0"/>
+              <a:t>How</a:t>
+            </a:r>
+            <a:r>
+              <a:rPr lang="zh-CN" altLang="en-US" dirty="0"/>
+              <a:t> </a:t>
+            </a:r>
+            <a:r>
+              <a:rPr lang="en-US" altLang="zh-CN" dirty="0"/>
+              <a:t>to</a:t>
+            </a:r>
+            <a:r>
+              <a:rPr lang="zh-CN" altLang="en-US" dirty="0"/>
+              <a:t> </a:t>
+            </a:r>
+            <a:r>
+              <a:rPr lang="en-US" altLang="zh-CN" dirty="0"/>
+              <a:t>simulate</a:t>
+            </a:r>
+            <a:r>
+              <a:rPr lang="zh-CN" altLang="en-US" dirty="0"/>
+              <a:t> </a:t>
+            </a:r>
+            <a:r>
+              <a:rPr lang="en-US" altLang="zh-CN" dirty="0" err="1"/>
+              <a:t>scRNA-seq</a:t>
+            </a:r>
+            <a:r>
+              <a:rPr lang="zh-CN" altLang="en-US" dirty="0"/>
+              <a:t> </a:t>
+            </a:r>
+            <a:r>
+              <a:rPr lang="en-US" altLang="zh-CN" dirty="0"/>
+              <a:t>dataset?</a:t>
+            </a:r>
+            <a:endParaRPr lang="en-US" dirty="0"/>
+          </a:p>
+        </p:txBody>
+      </p:sp>
+    </p:spTree>
+    <p:extLst>
+      <p:ext uri="{BB962C8B-B14F-4D97-AF65-F5344CB8AC3E}">
+        <p14:creationId xmlns:p14="http://schemas.microsoft.com/office/powerpoint/2010/main" val="2737071918"/>
+      </p:ext>
+    </p:extLst>
+  </p:cSld>
+  <p:clrMapOvr>
+    <a:masterClrMapping/>
+  </p:clrMapOvr>
+</p:sld>
+</file>
+
+<file path=ppt/slides/slide16.xml><?xml version="1.0" encoding="utf-8"?>
+<p:sld xmlns:a="http://schemas.openxmlformats.org/drawingml/2006/main" xmlns:r="http://schemas.openxmlformats.org/officeDocument/2006/relationships" xmlns:p="http://schemas.openxmlformats.org/presentationml/2006/main">
+  <p:cSld>
+    <p:spTree>
+      <p:nvGrpSpPr>
+        <p:cNvPr id="1" name=""/>
+        <p:cNvGrpSpPr/>
+        <p:nvPr/>
+      </p:nvGrpSpPr>
+      <p:grpSpPr>
+        <a:xfrm>
+          <a:off x="0" y="0"/>
+          <a:ext cx="0" cy="0"/>
+          <a:chOff x="0" y="0"/>
+          <a:chExt cx="0" cy="0"/>
+        </a:xfrm>
+      </p:grpSpPr>
+      <p:sp>
+        <p:nvSpPr>
+          <p:cNvPr id="2" name="Title 1">
+            <a:extLst>
+              <a:ext uri="{FF2B5EF4-FFF2-40B4-BE49-F238E27FC236}">
+                <a16:creationId xmlns:a16="http://schemas.microsoft.com/office/drawing/2014/main" id="{6C18EEA5-D29D-D246-AD1F-1B65E13E7C22}"/>
+              </a:ext>
+            </a:extLst>
+          </p:cNvPr>
+          <p:cNvSpPr>
+            <a:spLocks noGrp="1"/>
+          </p:cNvSpPr>
+          <p:nvPr>
+            <p:ph type="title"/>
+          </p:nvPr>
+        </p:nvSpPr>
+        <p:spPr/>
+        <p:txBody>
+          <a:bodyPr/>
+          <a:lstStyle/>
+          <a:p>
+            <a:r>
+              <a:rPr lang="en-US" altLang="zh-CN" dirty="0"/>
+              <a:t>Performance</a:t>
+            </a:r>
+            <a:r>
+              <a:rPr lang="zh-CN" altLang="en-US" dirty="0"/>
+              <a:t> </a:t>
+            </a:r>
+            <a:r>
+              <a:rPr lang="en-US" altLang="zh-CN" dirty="0"/>
+              <a:t>on</a:t>
+            </a:r>
+            <a:r>
+              <a:rPr lang="zh-CN" altLang="en-US" dirty="0"/>
+              <a:t> </a:t>
+            </a:r>
+            <a:r>
+              <a:rPr lang="en-US" altLang="zh-CN" dirty="0"/>
+              <a:t>real</a:t>
+            </a:r>
+            <a:r>
+              <a:rPr lang="zh-CN" altLang="en-US" dirty="0"/>
+              <a:t> </a:t>
+            </a:r>
+            <a:r>
+              <a:rPr lang="en-US" altLang="zh-CN" dirty="0"/>
+              <a:t>dataset</a:t>
+            </a:r>
+            <a:endParaRPr lang="en-US" dirty="0"/>
+          </a:p>
+        </p:txBody>
+      </p:sp>
+      <p:sp>
+        <p:nvSpPr>
+          <p:cNvPr id="3" name="Content Placeholder 2">
+            <a:extLst>
+              <a:ext uri="{FF2B5EF4-FFF2-40B4-BE49-F238E27FC236}">
+                <a16:creationId xmlns:a16="http://schemas.microsoft.com/office/drawing/2014/main" id="{DE7D45EF-4283-464E-A8FE-967BA8183312}"/>
+              </a:ext>
+            </a:extLst>
+          </p:cNvPr>
+          <p:cNvSpPr>
+            <a:spLocks noGrp="1"/>
+          </p:cNvSpPr>
+          <p:nvPr>
+            <p:ph idx="1"/>
+          </p:nvPr>
+        </p:nvSpPr>
+        <p:spPr/>
+        <p:txBody>
+          <a:bodyPr/>
+          <a:lstStyle/>
+          <a:p>
+            <a:r>
+              <a:rPr lang="en-US" altLang="zh-CN" dirty="0"/>
+              <a:t>Smart-</a:t>
+            </a:r>
+            <a:r>
+              <a:rPr lang="en-US" altLang="zh-CN" dirty="0" err="1"/>
+              <a:t>seq</a:t>
+            </a:r>
+            <a:endParaRPr lang="en-US" altLang="zh-CN" dirty="0"/>
+          </a:p>
+          <a:p>
+            <a:r>
+              <a:rPr lang="en-US" altLang="zh-CN" dirty="0"/>
+              <a:t>10x</a:t>
+            </a:r>
+            <a:r>
+              <a:rPr lang="zh-CN" altLang="en-US" dirty="0"/>
+              <a:t> </a:t>
+            </a:r>
+            <a:r>
+              <a:rPr lang="en-US" altLang="zh-CN" dirty="0"/>
+              <a:t>genomics</a:t>
+            </a:r>
+            <a:endParaRPr lang="en-US" dirty="0"/>
+          </a:p>
+        </p:txBody>
+      </p:sp>
+    </p:spTree>
+    <p:extLst>
+      <p:ext uri="{BB962C8B-B14F-4D97-AF65-F5344CB8AC3E}">
+        <p14:creationId xmlns:p14="http://schemas.microsoft.com/office/powerpoint/2010/main" val="3615182107"/>
+      </p:ext>
+    </p:extLst>
+  </p:cSld>
+  <p:clrMapOvr>
+    <a:masterClrMapping/>
+  </p:clrMapOvr>
+</p:sld>
+</file>
+
+<file path=ppt/slides/slide17.xml><?xml version="1.0" encoding="utf-8"?>
+<p:sld xmlns:a="http://schemas.openxmlformats.org/drawingml/2006/main" xmlns:r="http://schemas.openxmlformats.org/officeDocument/2006/relationships" xmlns:p="http://schemas.openxmlformats.org/presentationml/2006/main">
+  <p:cSld>
+    <p:spTree>
+      <p:nvGrpSpPr>
+        <p:cNvPr id="1" name=""/>
+        <p:cNvGrpSpPr/>
+        <p:nvPr/>
+      </p:nvGrpSpPr>
+      <p:grpSpPr>
+        <a:xfrm>
+          <a:off x="0" y="0"/>
+          <a:ext cx="0" cy="0"/>
+          <a:chOff x="0" y="0"/>
+          <a:chExt cx="0" cy="0"/>
+        </a:xfrm>
+      </p:grpSpPr>
+      <p:sp>
+        <p:nvSpPr>
+          <p:cNvPr id="2" name="Title 1">
+            <a:extLst>
+              <a:ext uri="{FF2B5EF4-FFF2-40B4-BE49-F238E27FC236}">
+                <a16:creationId xmlns:a16="http://schemas.microsoft.com/office/drawing/2014/main" id="{601CC656-EC8F-E241-964C-DAD2D8C16577}"/>
+              </a:ext>
+            </a:extLst>
+          </p:cNvPr>
+          <p:cNvSpPr>
+            <a:spLocks noGrp="1"/>
+          </p:cNvSpPr>
+          <p:nvPr>
+            <p:ph type="title"/>
+          </p:nvPr>
+        </p:nvSpPr>
+        <p:spPr/>
+        <p:txBody>
+          <a:bodyPr/>
+          <a:lstStyle/>
+          <a:p>
+            <a:r>
+              <a:rPr lang="en-US" altLang="zh-CN" dirty="0"/>
+              <a:t>Co-</a:t>
+            </a:r>
+            <a:r>
+              <a:rPr lang="en-US" altLang="zh-CN" dirty="0" err="1"/>
+              <a:t>expresssion</a:t>
+            </a:r>
+            <a:r>
+              <a:rPr lang="zh-CN" altLang="en-US" dirty="0"/>
+              <a:t> </a:t>
+            </a:r>
+            <a:r>
+              <a:rPr lang="en-US" altLang="zh-CN" dirty="0"/>
+              <a:t>network</a:t>
+            </a:r>
+            <a:r>
+              <a:rPr lang="zh-CN" altLang="en-US" dirty="0"/>
+              <a:t> </a:t>
+            </a:r>
+            <a:r>
+              <a:rPr lang="en-US" altLang="zh-CN" dirty="0"/>
+              <a:t>analysis</a:t>
+            </a:r>
+            <a:endParaRPr lang="en-US" dirty="0"/>
+          </a:p>
+        </p:txBody>
+      </p:sp>
+      <p:sp>
+        <p:nvSpPr>
+          <p:cNvPr id="3" name="Content Placeholder 2">
+            <a:extLst>
+              <a:ext uri="{FF2B5EF4-FFF2-40B4-BE49-F238E27FC236}">
+                <a16:creationId xmlns:a16="http://schemas.microsoft.com/office/drawing/2014/main" id="{45F57073-8922-004F-A9A3-52B26123D218}"/>
+              </a:ext>
+            </a:extLst>
+          </p:cNvPr>
+          <p:cNvSpPr>
+            <a:spLocks noGrp="1"/>
+          </p:cNvSpPr>
+          <p:nvPr>
+            <p:ph idx="1"/>
+          </p:nvPr>
+        </p:nvSpPr>
+        <p:spPr/>
+        <p:txBody>
+          <a:bodyPr/>
+          <a:lstStyle/>
+          <a:p>
+            <a:r>
+              <a:rPr lang="en-US" dirty="0"/>
+              <a:t>Improvements</a:t>
+            </a:r>
+            <a:r>
+              <a:rPr lang="zh-CN" altLang="en-US" dirty="0"/>
+              <a:t> </a:t>
+            </a:r>
+            <a:endParaRPr lang="en-US" dirty="0"/>
+          </a:p>
+        </p:txBody>
+      </p:sp>
+    </p:spTree>
+    <p:extLst>
+      <p:ext uri="{BB962C8B-B14F-4D97-AF65-F5344CB8AC3E}">
+        <p14:creationId xmlns:p14="http://schemas.microsoft.com/office/powerpoint/2010/main" val="531441440"/>
+      </p:ext>
+    </p:extLst>
+  </p:cSld>
+  <p:clrMapOvr>
+    <a:masterClrMapping/>
+  </p:clrMapOvr>
+</p:sld>
+</file>
+
+<file path=ppt/slides/slide18.xml><?xml version="1.0" encoding="utf-8"?>
+<p:sld xmlns:a="http://schemas.openxmlformats.org/drawingml/2006/main" xmlns:r="http://schemas.openxmlformats.org/officeDocument/2006/relationships" xmlns:p="http://schemas.openxmlformats.org/presentationml/2006/main">
+  <p:cSld>
+    <p:spTree>
+      <p:nvGrpSpPr>
+        <p:cNvPr id="1" name=""/>
+        <p:cNvGrpSpPr/>
+        <p:nvPr/>
+      </p:nvGrpSpPr>
+      <p:grpSpPr>
+        <a:xfrm>
+          <a:off x="0" y="0"/>
+          <a:ext cx="0" cy="0"/>
+          <a:chOff x="0" y="0"/>
+          <a:chExt cx="0" cy="0"/>
+        </a:xfrm>
+      </p:grpSpPr>
+      <p:sp>
+        <p:nvSpPr>
+          <p:cNvPr id="2" name="Title 1">
+            <a:extLst>
+              <a:ext uri="{FF2B5EF4-FFF2-40B4-BE49-F238E27FC236}">
+                <a16:creationId xmlns:a16="http://schemas.microsoft.com/office/drawing/2014/main" id="{4AA91CB4-253B-8948-9824-F6D9442F03A2}"/>
+              </a:ext>
+            </a:extLst>
+          </p:cNvPr>
+          <p:cNvSpPr>
+            <a:spLocks noGrp="1"/>
+          </p:cNvSpPr>
+          <p:nvPr>
+            <p:ph type="title"/>
+          </p:nvPr>
+        </p:nvSpPr>
+        <p:spPr/>
+        <p:txBody>
+          <a:bodyPr>
+            <a:normAutofit/>
+          </a:bodyPr>
+          <a:lstStyle/>
+          <a:p>
+            <a:r>
+              <a:rPr lang="en-US" dirty="0"/>
+              <a:t>Key</a:t>
+            </a:r>
+            <a:r>
+              <a:rPr lang="zh-CN" altLang="en-US" dirty="0"/>
+              <a:t> </a:t>
+            </a:r>
+            <a:r>
+              <a:rPr lang="en-HK" altLang="zh-CN" dirty="0"/>
+              <a:t>advantages</a:t>
+            </a:r>
+            <a:endParaRPr lang="en-US" dirty="0"/>
+          </a:p>
+        </p:txBody>
+      </p:sp>
+      <p:sp>
+        <p:nvSpPr>
+          <p:cNvPr id="3" name="Content Placeholder 2">
+            <a:extLst>
+              <a:ext uri="{FF2B5EF4-FFF2-40B4-BE49-F238E27FC236}">
+                <a16:creationId xmlns:a16="http://schemas.microsoft.com/office/drawing/2014/main" id="{F9BE9C7F-03B4-4B4F-ACE8-B7BF8073EE12}"/>
+              </a:ext>
+            </a:extLst>
+          </p:cNvPr>
+          <p:cNvSpPr>
+            <a:spLocks noGrp="1"/>
+          </p:cNvSpPr>
+          <p:nvPr>
+            <p:ph idx="1"/>
+          </p:nvPr>
+        </p:nvSpPr>
+        <p:spPr/>
+        <p:txBody>
+          <a:bodyPr/>
+          <a:lstStyle/>
+          <a:p>
+            <a:endParaRPr lang="en-US"/>
+          </a:p>
+        </p:txBody>
+      </p:sp>
+    </p:spTree>
+    <p:extLst>
+      <p:ext uri="{BB962C8B-B14F-4D97-AF65-F5344CB8AC3E}">
+        <p14:creationId xmlns:p14="http://schemas.microsoft.com/office/powerpoint/2010/main" val="956914010"/>
+      </p:ext>
+    </p:extLst>
+  </p:cSld>
+  <p:clrMapOvr>
+    <a:masterClrMapping/>
+  </p:clrMapOvr>
+</p:sld>
+</file>
+
+<file path=ppt/slides/slide19.xml><?xml version="1.0" encoding="utf-8"?>
+<p:sld xmlns:a="http://schemas.openxmlformats.org/drawingml/2006/main" xmlns:r="http://schemas.openxmlformats.org/officeDocument/2006/relationships" xmlns:p="http://schemas.openxmlformats.org/presentationml/2006/main">
+  <p:cSld>
+    <p:spTree>
+      <p:nvGrpSpPr>
+        <p:cNvPr id="1" name=""/>
+        <p:cNvGrpSpPr/>
+        <p:nvPr/>
+      </p:nvGrpSpPr>
+      <p:grpSpPr>
+        <a:xfrm>
+          <a:off x="0" y="0"/>
+          <a:ext cx="0" cy="0"/>
+          <a:chOff x="0" y="0"/>
+          <a:chExt cx="0" cy="0"/>
+        </a:xfrm>
+      </p:grpSpPr>
+      <p:sp>
+        <p:nvSpPr>
+          <p:cNvPr id="2" name="Title 1">
+            <a:extLst>
+              <a:ext uri="{FF2B5EF4-FFF2-40B4-BE49-F238E27FC236}">
+                <a16:creationId xmlns:a16="http://schemas.microsoft.com/office/drawing/2014/main" id="{7ED7DB0F-2920-6A44-844C-CD7DA43AC2AB}"/>
+              </a:ext>
+            </a:extLst>
+          </p:cNvPr>
+          <p:cNvSpPr>
+            <a:spLocks noGrp="1"/>
+          </p:cNvSpPr>
+          <p:nvPr>
+            <p:ph type="title"/>
+          </p:nvPr>
+        </p:nvSpPr>
+        <p:spPr/>
+        <p:txBody>
+          <a:bodyPr/>
+          <a:lstStyle/>
+          <a:p>
+            <a:r>
+              <a:rPr lang="en-US" dirty="0"/>
+              <a:t>Time consumption</a:t>
+            </a:r>
+          </a:p>
+        </p:txBody>
+      </p:sp>
+      <p:sp>
+        <p:nvSpPr>
+          <p:cNvPr id="3" name="Content Placeholder 2">
+            <a:extLst>
+              <a:ext uri="{FF2B5EF4-FFF2-40B4-BE49-F238E27FC236}">
+                <a16:creationId xmlns:a16="http://schemas.microsoft.com/office/drawing/2014/main" id="{6963A2A0-E952-8240-A887-75171FF59427}"/>
+              </a:ext>
+            </a:extLst>
+          </p:cNvPr>
+          <p:cNvSpPr>
+            <a:spLocks noGrp="1"/>
+          </p:cNvSpPr>
+          <p:nvPr>
+            <p:ph idx="1"/>
+          </p:nvPr>
+        </p:nvSpPr>
+        <p:spPr/>
+        <p:txBody>
+          <a:bodyPr/>
+          <a:lstStyle/>
+          <a:p>
+            <a:endParaRPr lang="en-US"/>
+          </a:p>
+        </p:txBody>
+      </p:sp>
+    </p:spTree>
+    <p:extLst>
+      <p:ext uri="{BB962C8B-B14F-4D97-AF65-F5344CB8AC3E}">
+        <p14:creationId xmlns:p14="http://schemas.microsoft.com/office/powerpoint/2010/main" val="915476979"/>
       </p:ext>
     </p:extLst>
   </p:cSld>
@@ -3748,6 +4868,172 @@
 </p:sld>
 </file>
 
+<file path=ppt/slides/slide20.xml><?xml version="1.0" encoding="utf-8"?>
+<p:sld xmlns:a="http://schemas.openxmlformats.org/drawingml/2006/main" xmlns:r="http://schemas.openxmlformats.org/officeDocument/2006/relationships" xmlns:p="http://schemas.openxmlformats.org/presentationml/2006/main">
+  <p:cSld>
+    <p:spTree>
+      <p:nvGrpSpPr>
+        <p:cNvPr id="1" name=""/>
+        <p:cNvGrpSpPr/>
+        <p:nvPr/>
+      </p:nvGrpSpPr>
+      <p:grpSpPr>
+        <a:xfrm>
+          <a:off x="0" y="0"/>
+          <a:ext cx="0" cy="0"/>
+          <a:chOff x="0" y="0"/>
+          <a:chExt cx="0" cy="0"/>
+        </a:xfrm>
+      </p:grpSpPr>
+      <p:sp>
+        <p:nvSpPr>
+          <p:cNvPr id="2" name="Title 1">
+            <a:extLst>
+              <a:ext uri="{FF2B5EF4-FFF2-40B4-BE49-F238E27FC236}">
+                <a16:creationId xmlns:a16="http://schemas.microsoft.com/office/drawing/2014/main" id="{453FDFED-FAD8-6F42-B4C6-6DEE3DEB1A22}"/>
+              </a:ext>
+            </a:extLst>
+          </p:cNvPr>
+          <p:cNvSpPr>
+            <a:spLocks noGrp="1"/>
+          </p:cNvSpPr>
+          <p:nvPr>
+            <p:ph type="title"/>
+          </p:nvPr>
+        </p:nvSpPr>
+        <p:spPr/>
+        <p:txBody>
+          <a:bodyPr/>
+          <a:lstStyle/>
+          <a:p>
+            <a:r>
+              <a:rPr lang="en-US" dirty="0"/>
+              <a:t>To</a:t>
+            </a:r>
+            <a:r>
+              <a:rPr lang="zh-CN" altLang="en-US" dirty="0"/>
+              <a:t> </a:t>
+            </a:r>
+            <a:r>
+              <a:rPr lang="en-US" altLang="zh-CN" dirty="0"/>
+              <a:t>do</a:t>
+            </a:r>
+            <a:endParaRPr lang="en-US" dirty="0"/>
+          </a:p>
+        </p:txBody>
+      </p:sp>
+      <p:sp>
+        <p:nvSpPr>
+          <p:cNvPr id="3" name="Content Placeholder 2">
+            <a:extLst>
+              <a:ext uri="{FF2B5EF4-FFF2-40B4-BE49-F238E27FC236}">
+                <a16:creationId xmlns:a16="http://schemas.microsoft.com/office/drawing/2014/main" id="{012248BD-BD48-554E-9E52-3F402B0B1BC0}"/>
+              </a:ext>
+            </a:extLst>
+          </p:cNvPr>
+          <p:cNvSpPr>
+            <a:spLocks noGrp="1"/>
+          </p:cNvSpPr>
+          <p:nvPr>
+            <p:ph idx="1"/>
+          </p:nvPr>
+        </p:nvSpPr>
+        <p:spPr/>
+        <p:txBody>
+          <a:bodyPr/>
+          <a:lstStyle/>
+          <a:p>
+            <a:r>
+              <a:rPr lang="en-US" altLang="zh-CN" dirty="0"/>
+              <a:t>Write</a:t>
+            </a:r>
+            <a:r>
+              <a:rPr lang="zh-CN" altLang="en-US" dirty="0"/>
+              <a:t> </a:t>
+            </a:r>
+            <a:r>
+              <a:rPr lang="en-US" altLang="zh-CN" dirty="0"/>
+              <a:t>a</a:t>
+            </a:r>
+            <a:r>
+              <a:rPr lang="zh-CN" altLang="en-US" dirty="0"/>
+              <a:t> </a:t>
+            </a:r>
+            <a:r>
+              <a:rPr lang="en-US" altLang="zh-CN" dirty="0"/>
+              <a:t>paper</a:t>
+            </a:r>
+          </a:p>
+          <a:p>
+            <a:r>
+              <a:rPr lang="en-US" altLang="zh-CN" dirty="0"/>
+              <a:t>Write</a:t>
+            </a:r>
+            <a:r>
+              <a:rPr lang="zh-CN" altLang="en-US" dirty="0"/>
+              <a:t> </a:t>
+            </a:r>
+            <a:r>
+              <a:rPr lang="en-US" altLang="zh-CN" dirty="0"/>
+              <a:t>a</a:t>
+            </a:r>
+            <a:r>
+              <a:rPr lang="zh-CN" altLang="en-US" dirty="0"/>
+              <a:t> </a:t>
+            </a:r>
+            <a:r>
+              <a:rPr lang="en-US" altLang="zh-CN" dirty="0"/>
+              <a:t>R</a:t>
+            </a:r>
+            <a:r>
+              <a:rPr lang="zh-CN" altLang="en-US" dirty="0"/>
+              <a:t> </a:t>
+            </a:r>
+            <a:r>
+              <a:rPr lang="en-US" altLang="zh-CN" dirty="0"/>
+              <a:t>package</a:t>
+            </a:r>
+            <a:r>
+              <a:rPr lang="zh-CN" altLang="en-US" dirty="0"/>
+              <a:t> </a:t>
+            </a:r>
+            <a:r>
+              <a:rPr lang="en-US" altLang="zh-CN" dirty="0"/>
+              <a:t>(submit</a:t>
+            </a:r>
+            <a:r>
+              <a:rPr lang="zh-CN" altLang="en-US" dirty="0"/>
+              <a:t> </a:t>
+            </a:r>
+            <a:r>
+              <a:rPr lang="en-US" altLang="zh-CN" dirty="0"/>
+              <a:t>to</a:t>
+            </a:r>
+            <a:r>
+              <a:rPr lang="zh-CN" altLang="en-US" dirty="0"/>
+              <a:t> </a:t>
+            </a:r>
+            <a:r>
+              <a:rPr lang="en-US" altLang="zh-CN" dirty="0"/>
+              <a:t>Bioconductor)</a:t>
+            </a:r>
+            <a:endParaRPr lang="en-US" dirty="0"/>
+          </a:p>
+        </p:txBody>
+      </p:sp>
+    </p:spTree>
+    <p:extLst>
+      <p:ext uri="{BB962C8B-B14F-4D97-AF65-F5344CB8AC3E}">
+        <p14:creationId xmlns:p14="http://schemas.microsoft.com/office/powerpoint/2010/main" val="4223823142"/>
+      </p:ext>
+    </p:extLst>
+  </p:cSld>
+  <p:clrMapOvr>
+    <a:masterClrMapping/>
+  </p:clrMapOvr>
+</p:sld>
+</file>
+
 <file path=ppt/slides/slide3.xml><?xml version="1.0" encoding="utf-8"?>
 <p:sld xmlns:a="http://schemas.openxmlformats.org/drawingml/2006/main" xmlns:r="http://schemas.openxmlformats.org/officeDocument/2006/relationships" xmlns:p="http://schemas.openxmlformats.org/presentationml/2006/main">
   <p:cSld>
@@ -3770,7 +5056,7 @@
           <p:cNvPr id="2" name="Title 1">
             <a:extLst>
               <a:ext uri="{FF2B5EF4-FFF2-40B4-BE49-F238E27FC236}">
-                <a16:creationId xmlns:a16="http://schemas.microsoft.com/office/drawing/2014/main" id="{06602FBB-8FAA-2543-957A-77D3ED6EDAF9}"/>
+                <a16:creationId xmlns:a16="http://schemas.microsoft.com/office/drawing/2014/main" id="{998E555C-A951-9348-AA72-08EA31E8F756}"/>
               </a:ext>
             </a:extLst>
           </p:cNvPr>
@@ -3787,50 +5073,152 @@
           <a:lstStyle/>
           <a:p>
             <a:r>
+              <a:rPr lang="en-US" altLang="zh-CN" dirty="0"/>
+              <a:t>Clustering</a:t>
+            </a:r>
+            <a:r>
+              <a:rPr lang="zh-CN" altLang="en-US" dirty="0"/>
+              <a:t> </a:t>
+            </a:r>
+            <a:r>
+              <a:rPr lang="en-US" altLang="zh-CN" dirty="0"/>
+              <a:t>on</a:t>
+            </a:r>
+            <a:r>
+              <a:rPr lang="zh-CN" altLang="en-US" dirty="0"/>
+              <a:t> </a:t>
+            </a:r>
+            <a:r>
+              <a:rPr lang="en-US" altLang="zh-CN" dirty="0" err="1"/>
+              <a:t>scRNA-seq</a:t>
+            </a:r>
+            <a:endParaRPr lang="en-US" dirty="0"/>
+          </a:p>
+        </p:txBody>
+      </p:sp>
+      <p:sp>
+        <p:nvSpPr>
+          <p:cNvPr id="3" name="Content Placeholder 2">
+            <a:extLst>
+              <a:ext uri="{FF2B5EF4-FFF2-40B4-BE49-F238E27FC236}">
+                <a16:creationId xmlns:a16="http://schemas.microsoft.com/office/drawing/2014/main" id="{8B84842F-92E0-5F4C-BEEC-EE877B75DE48}"/>
+              </a:ext>
+            </a:extLst>
+          </p:cNvPr>
+          <p:cNvSpPr>
+            <a:spLocks noGrp="1"/>
+          </p:cNvSpPr>
+          <p:nvPr>
+            <p:ph idx="1"/>
+          </p:nvPr>
+        </p:nvSpPr>
+        <p:spPr/>
+        <p:txBody>
+          <a:bodyPr/>
+          <a:lstStyle/>
+          <a:p>
+            <a:r>
               <a:rPr lang="en-US" dirty="0"/>
-              <a:t>Outlier</a:t>
-            </a:r>
-            <a:r>
-              <a:rPr lang="zh-CN" altLang="en-US" dirty="0"/>
-              <a:t> </a:t>
-            </a:r>
-            <a:r>
-              <a:rPr lang="en-US" altLang="zh-CN" dirty="0"/>
-              <a:t>detection</a:t>
-            </a:r>
+              <a:t>Recent studies demonstrate that de novo cell type discovery of functionally distinct cell subpopulations is possible via the unbiased analysis of </a:t>
+            </a:r>
+            <a:r>
+              <a:rPr lang="en-US" dirty="0" err="1"/>
+              <a:t>scRNA-seq</a:t>
+            </a:r>
+            <a:r>
+              <a:rPr lang="en-US" dirty="0"/>
+              <a:t> data2–4.</a:t>
+            </a:r>
+          </a:p>
+          <a:p>
+            <a:r>
+              <a:rPr lang="en-US" dirty="0"/>
+              <a:t>A key advantage of single-cell RNA sequencing (</a:t>
+            </a:r>
+            <a:r>
+              <a:rPr lang="en-US" dirty="0" err="1"/>
+              <a:t>scRNA-seq</a:t>
+            </a:r>
+            <a:r>
+              <a:rPr lang="en-US" dirty="0"/>
+              <a:t>) is that it can be used to determine cell types in an unbiased way by submitting transcriptomes to unsupervised clustering1–3.</a:t>
+            </a:r>
+          </a:p>
+          <a:p>
+            <a:r>
+              <a:rPr lang="en-US" altLang="zh-CN" dirty="0"/>
+              <a:t>Why</a:t>
+            </a:r>
+            <a:r>
+              <a:rPr lang="zh-CN" altLang="en-US" dirty="0"/>
+              <a:t> </a:t>
+            </a:r>
+            <a:r>
+              <a:rPr lang="en-US" altLang="zh-CN" dirty="0"/>
+              <a:t>clustering</a:t>
+            </a:r>
+            <a:r>
+              <a:rPr lang="zh-CN" altLang="en-US" dirty="0"/>
+              <a:t> </a:t>
+            </a:r>
+            <a:r>
+              <a:rPr lang="en-US" altLang="zh-CN" dirty="0"/>
+              <a:t>is</a:t>
+            </a:r>
+            <a:r>
+              <a:rPr lang="zh-CN" altLang="en-US" dirty="0"/>
+              <a:t> </a:t>
+            </a:r>
+            <a:r>
+              <a:rPr lang="en-US" altLang="zh-CN" dirty="0"/>
+              <a:t>so</a:t>
+            </a:r>
+            <a:r>
+              <a:rPr lang="zh-CN" altLang="en-US" dirty="0"/>
+              <a:t> </a:t>
+            </a:r>
+            <a:r>
+              <a:rPr lang="en-US" altLang="zh-CN" dirty="0"/>
+              <a:t>important</a:t>
+            </a:r>
+            <a:r>
+              <a:rPr lang="zh-CN" altLang="en-US" dirty="0"/>
+              <a:t> </a:t>
+            </a:r>
+            <a:r>
+              <a:rPr lang="en-US" altLang="zh-CN" dirty="0"/>
+              <a:t>for</a:t>
+            </a:r>
+            <a:r>
+              <a:rPr lang="zh-CN" altLang="en-US" dirty="0"/>
+              <a:t> </a:t>
+            </a:r>
+            <a:r>
+              <a:rPr lang="en-US" altLang="zh-CN" dirty="0" err="1"/>
+              <a:t>scRNA-seq</a:t>
+            </a:r>
+            <a:r>
+              <a:rPr lang="en-US" altLang="zh-CN" dirty="0"/>
+              <a:t>?</a:t>
+            </a:r>
+            <a:r>
+              <a:rPr lang="zh-CN" altLang="en-US" dirty="0"/>
+              <a:t> </a:t>
+            </a:r>
+            <a:r>
+              <a:rPr lang="en-US" altLang="zh-CN" dirty="0"/>
+              <a:t>heterogeneity</a:t>
+            </a:r>
+          </a:p>
+          <a:p>
             <a:endParaRPr lang="en-US" dirty="0"/>
-          </a:p>
-        </p:txBody>
-      </p:sp>
-      <p:sp>
-        <p:nvSpPr>
-          <p:cNvPr id="3" name="Content Placeholder 2">
-            <a:extLst>
-              <a:ext uri="{FF2B5EF4-FFF2-40B4-BE49-F238E27FC236}">
-                <a16:creationId xmlns:a16="http://schemas.microsoft.com/office/drawing/2014/main" id="{2E659659-E18C-4047-ABE3-5FA1F9A49DF5}"/>
-              </a:ext>
-            </a:extLst>
-          </p:cNvPr>
-          <p:cNvSpPr>
-            <a:spLocks noGrp="1"/>
-          </p:cNvSpPr>
-          <p:nvPr>
-            <p:ph idx="1"/>
-          </p:nvPr>
-        </p:nvSpPr>
-        <p:spPr/>
-        <p:txBody>
-          <a:bodyPr/>
-          <a:lstStyle/>
-          <a:p>
-            <a:endParaRPr lang="en-US"/>
           </a:p>
         </p:txBody>
       </p:sp>
     </p:spTree>
     <p:extLst>
       <p:ext uri="{BB962C8B-B14F-4D97-AF65-F5344CB8AC3E}">
-        <p14:creationId xmlns:p14="http://schemas.microsoft.com/office/powerpoint/2010/main" val="710054548"/>
+        <p14:creationId xmlns:p14="http://schemas.microsoft.com/office/powerpoint/2010/main" val="3268197836"/>
       </p:ext>
     </p:extLst>
   </p:cSld>
@@ -3862,7 +5250,7 @@
           <p:cNvPr id="2" name="Title 1">
             <a:extLst>
               <a:ext uri="{FF2B5EF4-FFF2-40B4-BE49-F238E27FC236}">
-                <a16:creationId xmlns:a16="http://schemas.microsoft.com/office/drawing/2014/main" id="{3FD00148-AE56-2840-9571-3B23178FA527}"/>
+                <a16:creationId xmlns:a16="http://schemas.microsoft.com/office/drawing/2014/main" id="{B1880A5D-B962-1A45-A72E-D5124370CA7A}"/>
               </a:ext>
             </a:extLst>
           </p:cNvPr>
@@ -3875,38 +5263,56 @@
         </p:nvSpPr>
         <p:spPr/>
         <p:txBody>
-          <a:bodyPr/>
-          <a:lstStyle/>
-          <a:p>
-            <a:r>
-              <a:rPr lang="en-US" altLang="zh-CN" dirty="0"/>
-              <a:t>Cartoon</a:t>
-            </a:r>
-            <a:r>
-              <a:rPr lang="zh-CN" altLang="en-US" dirty="0"/>
-              <a:t> </a:t>
-            </a:r>
-            <a:r>
-              <a:rPr lang="en-US" altLang="zh-CN" dirty="0"/>
-              <a:t>of</a:t>
-            </a:r>
-            <a:r>
-              <a:rPr lang="zh-CN" altLang="en-US" dirty="0"/>
-              <a:t> </a:t>
-            </a:r>
-            <a:r>
-              <a:rPr lang="en-US" altLang="zh-CN" dirty="0"/>
-              <a:t>the</a:t>
-            </a:r>
-            <a:r>
-              <a:rPr lang="zh-CN" altLang="en-US" dirty="0"/>
-              <a:t> </a:t>
-            </a:r>
-            <a:r>
-              <a:rPr lang="en-US" altLang="zh-CN" dirty="0"/>
-              <a:t>algorithm</a:t>
-            </a:r>
-            <a:endParaRPr lang="en-US" dirty="0"/>
+          <a:bodyPr>
+            <a:normAutofit/>
+          </a:bodyPr>
+          <a:lstStyle/>
+          <a:p>
+            <a:r>
+              <a:rPr lang="en-US" altLang="zh-CN" sz="4000" dirty="0"/>
+              <a:t>Current</a:t>
+            </a:r>
+            <a:r>
+              <a:rPr lang="zh-CN" altLang="en-US" sz="4000" dirty="0"/>
+              <a:t> </a:t>
+            </a:r>
+            <a:r>
+              <a:rPr lang="en-US" altLang="zh-CN" sz="4000" dirty="0"/>
+              <a:t>clustering</a:t>
+            </a:r>
+            <a:r>
+              <a:rPr lang="zh-CN" altLang="en-US" sz="4000" dirty="0"/>
+              <a:t> </a:t>
+            </a:r>
+            <a:r>
+              <a:rPr lang="en-US" altLang="zh-CN" sz="4000" dirty="0"/>
+              <a:t>method</a:t>
+            </a:r>
+            <a:r>
+              <a:rPr lang="zh-CN" altLang="en-US" sz="4000" dirty="0"/>
+              <a:t> </a:t>
+            </a:r>
+            <a:r>
+              <a:rPr lang="en-US" altLang="zh-CN" sz="4000" dirty="0"/>
+              <a:t>and</a:t>
+            </a:r>
+            <a:r>
+              <a:rPr lang="zh-CN" altLang="en-US" sz="4000" dirty="0"/>
+              <a:t> </a:t>
+            </a:r>
+            <a:r>
+              <a:rPr lang="en-US" altLang="zh-CN" sz="4000" dirty="0"/>
+              <a:t>their</a:t>
+            </a:r>
+            <a:r>
+              <a:rPr lang="zh-CN" altLang="en-US" sz="4000" dirty="0"/>
+              <a:t> </a:t>
+            </a:r>
+            <a:r>
+              <a:rPr lang="en-US" altLang="zh-CN" sz="4000" dirty="0"/>
+              <a:t>limitations</a:t>
+            </a:r>
+            <a:endParaRPr lang="en-US" sz="4000" dirty="0"/>
           </a:p>
         </p:txBody>
       </p:sp>
@@ -3915,7 +5321,7 @@
           <p:cNvPr id="3" name="Content Placeholder 2">
             <a:extLst>
               <a:ext uri="{FF2B5EF4-FFF2-40B4-BE49-F238E27FC236}">
-                <a16:creationId xmlns:a16="http://schemas.microsoft.com/office/drawing/2014/main" id="{7F14F8AF-B487-D548-AE8A-30ECA3C5B946}"/>
+                <a16:creationId xmlns:a16="http://schemas.microsoft.com/office/drawing/2014/main" id="{F9BDCAB1-7415-9741-9203-DE97AD9EC375}"/>
               </a:ext>
             </a:extLst>
           </p:cNvPr>
@@ -3928,17 +5334,41 @@
         </p:nvSpPr>
         <p:spPr/>
         <p:txBody>
-          <a:bodyPr/>
-          <a:lstStyle/>
-          <a:p>
-            <a:endParaRPr lang="en-US"/>
+          <a:bodyPr>
+            <a:normAutofit/>
+          </a:bodyPr>
+          <a:lstStyle/>
+          <a:p>
+            <a:r>
+              <a:rPr lang="en-US" altLang="zh-CN" sz="4400" dirty="0">
+                <a:latin typeface="+mj-lt"/>
+                <a:ea typeface="+mj-ea"/>
+                <a:cs typeface="+mj-cs"/>
+              </a:rPr>
+              <a:t>SC3</a:t>
+            </a:r>
+          </a:p>
+          <a:p>
+            <a:r>
+              <a:rPr lang="en-US" altLang="zh-CN" sz="4400" dirty="0">
+                <a:latin typeface="+mj-lt"/>
+                <a:ea typeface="+mj-ea"/>
+                <a:cs typeface="+mj-cs"/>
+              </a:rPr>
+              <a:t>SIMLR</a:t>
+            </a:r>
+            <a:endParaRPr lang="en-US" sz="4400" dirty="0">
+              <a:latin typeface="+mj-lt"/>
+              <a:ea typeface="+mj-ea"/>
+              <a:cs typeface="+mj-cs"/>
+            </a:endParaRPr>
           </a:p>
         </p:txBody>
       </p:sp>
     </p:spTree>
     <p:extLst>
       <p:ext uri="{BB962C8B-B14F-4D97-AF65-F5344CB8AC3E}">
-        <p14:creationId xmlns:p14="http://schemas.microsoft.com/office/powerpoint/2010/main" val="4274132065"/>
+        <p14:creationId xmlns:p14="http://schemas.microsoft.com/office/powerpoint/2010/main" val="2479601580"/>
       </p:ext>
     </p:extLst>
   </p:cSld>
@@ -3970,7 +5400,7 @@
           <p:cNvPr id="2" name="Title 1">
             <a:extLst>
               <a:ext uri="{FF2B5EF4-FFF2-40B4-BE49-F238E27FC236}">
-                <a16:creationId xmlns:a16="http://schemas.microsoft.com/office/drawing/2014/main" id="{601CC656-EC8F-E241-964C-DAD2D8C16577}"/>
+                <a16:creationId xmlns:a16="http://schemas.microsoft.com/office/drawing/2014/main" id="{7F759112-D8EB-EB4D-AF31-6EF73FE47CC3}"/>
               </a:ext>
             </a:extLst>
           </p:cNvPr>
@@ -3988,19 +5418,31 @@
           <a:p>
             <a:r>
               <a:rPr lang="en-US" altLang="zh-CN" dirty="0"/>
-              <a:t>Co-</a:t>
-            </a:r>
-            <a:r>
-              <a:rPr lang="en-US" altLang="zh-CN" dirty="0" err="1"/>
-              <a:t>expresssion</a:t>
-            </a:r>
-            <a:r>
-              <a:rPr lang="zh-CN" altLang="en-US" dirty="0"/>
-              <a:t> </a:t>
-            </a:r>
-            <a:r>
-              <a:rPr lang="en-US" altLang="zh-CN" dirty="0"/>
-              <a:t>network</a:t>
+              <a:t>Hypothesis:</a:t>
+            </a:r>
+            <a:r>
+              <a:rPr lang="zh-CN" altLang="en-US" dirty="0"/>
+              <a:t> </a:t>
+            </a:r>
+            <a:r>
+              <a:rPr lang="en-US" altLang="zh-CN" dirty="0"/>
+              <a:t>Marker</a:t>
+            </a:r>
+            <a:r>
+              <a:rPr lang="zh-CN" altLang="en-US" dirty="0"/>
+              <a:t> </a:t>
+            </a:r>
+            <a:r>
+              <a:rPr lang="en-US" altLang="zh-CN" dirty="0"/>
+              <a:t>types</a:t>
+            </a:r>
+            <a:r>
+              <a:rPr lang="zh-CN" altLang="en-US" dirty="0"/>
+              <a:t> </a:t>
+            </a:r>
+            <a:r>
+              <a:rPr lang="en-US" altLang="zh-CN" dirty="0"/>
+              <a:t>(MTs)</a:t>
             </a:r>
             <a:endParaRPr lang="en-US" dirty="0"/>
           </a:p>
@@ -4011,7 +5453,7 @@
           <p:cNvPr id="3" name="Content Placeholder 2">
             <a:extLst>
               <a:ext uri="{FF2B5EF4-FFF2-40B4-BE49-F238E27FC236}">
-                <a16:creationId xmlns:a16="http://schemas.microsoft.com/office/drawing/2014/main" id="{45F57073-8922-004F-A9A3-52B26123D218}"/>
+                <a16:creationId xmlns:a16="http://schemas.microsoft.com/office/drawing/2014/main" id="{8CC4D339-CD0C-DA48-B9B5-8CD65C31A88A}"/>
               </a:ext>
             </a:extLst>
           </p:cNvPr>
@@ -4027,14 +5469,2299 @@
           <a:bodyPr/>
           <a:lstStyle/>
           <a:p>
-            <a:endParaRPr lang="en-US"/>
+            <a:r>
+              <a:rPr lang="en-US" altLang="zh-CN" dirty="0"/>
+              <a:t>MT1</a:t>
+            </a:r>
+            <a:r>
+              <a:rPr lang="zh-CN" altLang="en-US" dirty="0"/>
+              <a:t> </a:t>
+            </a:r>
+            <a:r>
+              <a:rPr lang="en-US" altLang="zh-CN" dirty="0"/>
+              <a:t>–</a:t>
+            </a:r>
+            <a:r>
+              <a:rPr lang="zh-CN" altLang="en-US" dirty="0"/>
+              <a:t> </a:t>
+            </a:r>
+            <a:r>
+              <a:rPr lang="en-US" altLang="zh-CN" dirty="0"/>
+              <a:t>uniquely</a:t>
+            </a:r>
+            <a:r>
+              <a:rPr lang="zh-CN" altLang="en-US" dirty="0"/>
+              <a:t> </a:t>
+            </a:r>
+            <a:r>
+              <a:rPr lang="en-US" altLang="zh-CN" dirty="0"/>
+              <a:t>expressed</a:t>
+            </a:r>
+            <a:r>
+              <a:rPr lang="zh-CN" altLang="en-US" dirty="0"/>
+              <a:t> </a:t>
+            </a:r>
+            <a:r>
+              <a:rPr lang="en-US" altLang="zh-CN" dirty="0"/>
+              <a:t>genes</a:t>
+            </a:r>
+            <a:r>
+              <a:rPr lang="zh-CN" altLang="en-US" dirty="0"/>
+              <a:t> </a:t>
+            </a:r>
+            <a:r>
+              <a:rPr lang="en-US" altLang="zh-CN" dirty="0"/>
+              <a:t>with</a:t>
+            </a:r>
+            <a:r>
+              <a:rPr lang="zh-CN" altLang="en-US" dirty="0"/>
+              <a:t> </a:t>
+            </a:r>
+            <a:r>
+              <a:rPr lang="en-US" altLang="zh-CN" dirty="0"/>
+              <a:t>the</a:t>
+            </a:r>
+            <a:r>
+              <a:rPr lang="zh-CN" altLang="en-US" dirty="0"/>
+              <a:t> </a:t>
+            </a:r>
+            <a:r>
+              <a:rPr lang="en-US" altLang="zh-CN" dirty="0"/>
+              <a:t>same</a:t>
+            </a:r>
+            <a:r>
+              <a:rPr lang="zh-CN" altLang="en-US" dirty="0"/>
+              <a:t> </a:t>
+            </a:r>
+            <a:r>
+              <a:rPr lang="en-US" altLang="zh-CN" dirty="0"/>
+              <a:t>expression</a:t>
+            </a:r>
+            <a:r>
+              <a:rPr lang="zh-CN" altLang="en-US" dirty="0"/>
+              <a:t> </a:t>
+            </a:r>
+            <a:r>
+              <a:rPr lang="en-US" altLang="zh-CN" dirty="0"/>
+              <a:t>level</a:t>
+            </a:r>
+          </a:p>
+          <a:p>
+            <a:r>
+              <a:rPr lang="en-US" altLang="zh-CN" dirty="0"/>
+              <a:t>MT1’</a:t>
+            </a:r>
+            <a:r>
+              <a:rPr lang="zh-CN" altLang="en-US" dirty="0"/>
+              <a:t> </a:t>
+            </a:r>
+            <a:r>
+              <a:rPr lang="en-US" altLang="zh-CN" dirty="0"/>
+              <a:t>–</a:t>
+            </a:r>
+            <a:r>
+              <a:rPr lang="zh-CN" altLang="en-US" dirty="0"/>
+              <a:t> </a:t>
+            </a:r>
+            <a:r>
+              <a:rPr lang="en-US" altLang="zh-CN" dirty="0"/>
+              <a:t>negative</a:t>
+            </a:r>
+            <a:r>
+              <a:rPr lang="zh-CN" altLang="en-US" dirty="0"/>
+              <a:t> </a:t>
+            </a:r>
+            <a:r>
+              <a:rPr lang="en-US" altLang="zh-CN" dirty="0"/>
+              <a:t>markers</a:t>
+            </a:r>
+            <a:r>
+              <a:rPr lang="zh-CN" altLang="en-US" dirty="0"/>
+              <a:t> </a:t>
+            </a:r>
+            <a:r>
+              <a:rPr lang="en-US" altLang="zh-CN" dirty="0"/>
+              <a:t>of</a:t>
+            </a:r>
+            <a:r>
+              <a:rPr lang="zh-CN" altLang="en-US" dirty="0"/>
+              <a:t> </a:t>
+            </a:r>
+            <a:r>
+              <a:rPr lang="en-US" altLang="zh-CN" dirty="0"/>
+              <a:t>MT1</a:t>
+            </a:r>
+            <a:endParaRPr lang="en-HK" altLang="zh-CN" dirty="0"/>
+          </a:p>
+          <a:p>
+            <a:r>
+              <a:rPr lang="en-US" altLang="zh-CN" dirty="0"/>
+              <a:t>MT1’’ –</a:t>
+            </a:r>
+            <a:r>
+              <a:rPr lang="zh-CN" altLang="en-US" dirty="0"/>
+              <a:t> </a:t>
+            </a:r>
+            <a:r>
+              <a:rPr lang="en-US" altLang="zh-CN" dirty="0"/>
+              <a:t>uniquely</a:t>
+            </a:r>
+            <a:r>
+              <a:rPr lang="zh-CN" altLang="en-US" dirty="0"/>
+              <a:t> </a:t>
+            </a:r>
+            <a:r>
+              <a:rPr lang="en-US" altLang="zh-CN" dirty="0"/>
+              <a:t>expressed</a:t>
+            </a:r>
+            <a:r>
+              <a:rPr lang="zh-CN" altLang="en-US" dirty="0"/>
+              <a:t> </a:t>
+            </a:r>
+            <a:r>
+              <a:rPr lang="en-US" altLang="zh-CN" dirty="0"/>
+              <a:t>genes</a:t>
+            </a:r>
+            <a:r>
+              <a:rPr lang="zh-CN" altLang="en-US" dirty="0"/>
+              <a:t> </a:t>
+            </a:r>
+            <a:r>
+              <a:rPr lang="en-US" altLang="zh-CN" dirty="0"/>
+              <a:t>with</a:t>
+            </a:r>
+            <a:r>
+              <a:rPr lang="zh-CN" altLang="en-US" dirty="0"/>
+              <a:t> </a:t>
+            </a:r>
+            <a:r>
+              <a:rPr lang="en-US" altLang="zh-CN" dirty="0"/>
+              <a:t>different</a:t>
+            </a:r>
+            <a:r>
+              <a:rPr lang="zh-CN" altLang="en-US" dirty="0"/>
+              <a:t> </a:t>
+            </a:r>
+            <a:r>
+              <a:rPr lang="en-US" altLang="zh-CN" dirty="0"/>
+              <a:t>expression</a:t>
+            </a:r>
+            <a:r>
+              <a:rPr lang="zh-CN" altLang="en-US" dirty="0"/>
+              <a:t> </a:t>
+            </a:r>
+            <a:r>
+              <a:rPr lang="en-US" altLang="zh-CN" dirty="0"/>
+              <a:t>levels</a:t>
+            </a:r>
+          </a:p>
+          <a:p>
+            <a:r>
+              <a:rPr lang="en-US" altLang="zh-CN" dirty="0"/>
+              <a:t>MT1’’’</a:t>
+            </a:r>
+            <a:r>
+              <a:rPr lang="zh-CN" altLang="en-US" dirty="0"/>
+              <a:t> </a:t>
+            </a:r>
+            <a:r>
+              <a:rPr lang="en-US" altLang="zh-CN" dirty="0"/>
+              <a:t>–</a:t>
+            </a:r>
+            <a:r>
+              <a:rPr lang="zh-CN" altLang="en-US" dirty="0"/>
+              <a:t> </a:t>
+            </a:r>
+            <a:r>
+              <a:rPr lang="en-US" altLang="zh-CN" dirty="0"/>
+              <a:t>uniquely</a:t>
+            </a:r>
+            <a:r>
+              <a:rPr lang="zh-CN" altLang="en-US" dirty="0"/>
+              <a:t> </a:t>
+            </a:r>
+            <a:r>
+              <a:rPr lang="en-US" altLang="zh-CN" dirty="0"/>
+              <a:t>expressed</a:t>
+            </a:r>
+            <a:r>
+              <a:rPr lang="zh-CN" altLang="en-US" dirty="0"/>
+              <a:t> </a:t>
+            </a:r>
+            <a:r>
+              <a:rPr lang="en-US" altLang="zh-CN" dirty="0"/>
+              <a:t>genes</a:t>
+            </a:r>
+            <a:r>
+              <a:rPr lang="zh-CN" altLang="en-US" dirty="0"/>
+              <a:t> </a:t>
+            </a:r>
+            <a:r>
+              <a:rPr lang="en-HK" altLang="zh-CN" dirty="0"/>
+              <a:t>synergistic change</a:t>
+            </a:r>
+            <a:r>
+              <a:rPr lang="zh-CN" altLang="en-US" dirty="0"/>
+              <a:t> </a:t>
+            </a:r>
+            <a:r>
+              <a:rPr lang="en-US" altLang="zh-CN" dirty="0"/>
+              <a:t>across</a:t>
+            </a:r>
+            <a:r>
+              <a:rPr lang="zh-CN" altLang="en-US" dirty="0"/>
+              <a:t> </a:t>
+            </a:r>
+            <a:r>
+              <a:rPr lang="en-US" altLang="zh-CN" dirty="0"/>
+              <a:t>cells</a:t>
+            </a:r>
+          </a:p>
+          <a:p>
+            <a:r>
+              <a:rPr lang="en-US" altLang="zh-CN" dirty="0"/>
+              <a:t>MT2</a:t>
+            </a:r>
+            <a:r>
+              <a:rPr lang="zh-CN" altLang="en-US" dirty="0"/>
+              <a:t> </a:t>
+            </a:r>
+            <a:r>
+              <a:rPr lang="en-US" altLang="zh-CN" dirty="0"/>
+              <a:t>–</a:t>
+            </a:r>
+            <a:r>
+              <a:rPr lang="zh-CN" altLang="en-US" dirty="0"/>
+              <a:t> </a:t>
+            </a:r>
+            <a:r>
+              <a:rPr lang="en-US" altLang="zh-CN" dirty="0"/>
+              <a:t>intermediate</a:t>
+            </a:r>
+            <a:r>
+              <a:rPr lang="zh-CN" altLang="en-US" dirty="0"/>
+              <a:t> </a:t>
+            </a:r>
+            <a:r>
+              <a:rPr lang="en-US" altLang="zh-CN" dirty="0"/>
+              <a:t>genes</a:t>
+            </a:r>
+            <a:r>
+              <a:rPr lang="zh-CN" altLang="en-US" dirty="0"/>
+              <a:t> </a:t>
+            </a:r>
+            <a:r>
+              <a:rPr lang="en-US" altLang="zh-CN" dirty="0"/>
+              <a:t>between</a:t>
+            </a:r>
+            <a:r>
+              <a:rPr lang="zh-CN" altLang="en-US" dirty="0"/>
+              <a:t> </a:t>
+            </a:r>
+            <a:r>
+              <a:rPr lang="en-US" altLang="zh-CN" dirty="0"/>
+              <a:t>two</a:t>
+            </a:r>
+            <a:r>
+              <a:rPr lang="zh-CN" altLang="en-US" dirty="0"/>
+              <a:t> </a:t>
+            </a:r>
+            <a:r>
+              <a:rPr lang="en-US" altLang="zh-CN" dirty="0"/>
+              <a:t>subtypes</a:t>
+            </a:r>
+          </a:p>
+          <a:p>
+            <a:r>
+              <a:rPr lang="en-US" altLang="zh-CN" dirty="0"/>
+              <a:t>MT3</a:t>
+            </a:r>
+            <a:r>
+              <a:rPr lang="zh-CN" altLang="en-US" dirty="0"/>
+              <a:t> </a:t>
+            </a:r>
+            <a:r>
+              <a:rPr lang="en-US" altLang="zh-CN" dirty="0"/>
+              <a:t>–</a:t>
+            </a:r>
+            <a:r>
+              <a:rPr lang="zh-CN" altLang="en-US" dirty="0"/>
+              <a:t> </a:t>
+            </a:r>
+            <a:r>
+              <a:rPr lang="en-US" altLang="zh-CN" dirty="0"/>
+              <a:t>highly</a:t>
+            </a:r>
+            <a:r>
+              <a:rPr lang="zh-CN" altLang="en-US" dirty="0"/>
+              <a:t> </a:t>
+            </a:r>
+            <a:r>
+              <a:rPr lang="en-US" altLang="zh-CN" dirty="0"/>
+              <a:t>expressed</a:t>
+            </a:r>
+            <a:r>
+              <a:rPr lang="zh-CN" altLang="en-US" dirty="0"/>
+              <a:t> </a:t>
+            </a:r>
+            <a:r>
+              <a:rPr lang="en-US" altLang="zh-CN" dirty="0"/>
+              <a:t>genes</a:t>
+            </a:r>
+            <a:r>
+              <a:rPr lang="zh-CN" altLang="en-US" dirty="0"/>
+              <a:t> </a:t>
+            </a:r>
+            <a:r>
+              <a:rPr lang="en-US" altLang="zh-CN" dirty="0"/>
+              <a:t>in</a:t>
+            </a:r>
+            <a:r>
+              <a:rPr lang="zh-CN" altLang="en-US" dirty="0"/>
+              <a:t> </a:t>
+            </a:r>
+            <a:r>
+              <a:rPr lang="en-US" altLang="zh-CN" dirty="0"/>
+              <a:t>certain</a:t>
+            </a:r>
+            <a:r>
+              <a:rPr lang="zh-CN" altLang="en-US" dirty="0"/>
+              <a:t> </a:t>
+            </a:r>
+            <a:r>
+              <a:rPr lang="en-US" altLang="zh-CN" dirty="0"/>
+              <a:t>subtypes</a:t>
+            </a:r>
+          </a:p>
+          <a:p>
+            <a:r>
+              <a:rPr lang="en-US" altLang="zh-CN" dirty="0"/>
+              <a:t>MT4</a:t>
+            </a:r>
+            <a:r>
+              <a:rPr lang="zh-CN" altLang="en-US" dirty="0"/>
+              <a:t> </a:t>
+            </a:r>
+            <a:r>
+              <a:rPr lang="en-US" altLang="zh-CN" dirty="0"/>
+              <a:t>–</a:t>
+            </a:r>
+            <a:r>
+              <a:rPr lang="zh-CN" altLang="en-US" dirty="0"/>
+              <a:t> </a:t>
+            </a:r>
+            <a:r>
+              <a:rPr lang="en-US" altLang="zh-CN" dirty="0"/>
+              <a:t>genes</a:t>
+            </a:r>
+            <a:r>
+              <a:rPr lang="zh-CN" altLang="en-US" dirty="0"/>
+              <a:t> </a:t>
+            </a:r>
+            <a:r>
+              <a:rPr lang="en-US" altLang="zh-CN" dirty="0"/>
+              <a:t>with</a:t>
+            </a:r>
+            <a:r>
+              <a:rPr lang="zh-CN" altLang="en-US" dirty="0"/>
+              <a:t> </a:t>
+            </a:r>
+            <a:r>
+              <a:rPr lang="en-HK" altLang="zh-CN" dirty="0"/>
+              <a:t>gradually rising</a:t>
+            </a:r>
+            <a:r>
+              <a:rPr lang="en-US" altLang="zh-CN" dirty="0"/>
+              <a:t>/falling</a:t>
+            </a:r>
+            <a:r>
+              <a:rPr lang="en-HK" altLang="zh-CN" dirty="0"/>
+              <a:t> expression</a:t>
+            </a:r>
+            <a:endParaRPr lang="en-US" dirty="0"/>
           </a:p>
         </p:txBody>
       </p:sp>
     </p:spTree>
     <p:extLst>
       <p:ext uri="{BB962C8B-B14F-4D97-AF65-F5344CB8AC3E}">
-        <p14:creationId xmlns:p14="http://schemas.microsoft.com/office/powerpoint/2010/main" val="531441440"/>
+        <p14:creationId xmlns:p14="http://schemas.microsoft.com/office/powerpoint/2010/main" val="3654223239"/>
+      </p:ext>
+    </p:extLst>
+  </p:cSld>
+  <p:clrMapOvr>
+    <a:masterClrMapping/>
+  </p:clrMapOvr>
+</p:sld>
+</file>
+
+<file path=ppt/slides/slide6.xml><?xml version="1.0" encoding="utf-8"?>
+<p:sld xmlns:a="http://schemas.openxmlformats.org/drawingml/2006/main" xmlns:r="http://schemas.openxmlformats.org/officeDocument/2006/relationships" xmlns:p="http://schemas.openxmlformats.org/presentationml/2006/main">
+  <p:cSld>
+    <p:spTree>
+      <p:nvGrpSpPr>
+        <p:cNvPr id="1" name=""/>
+        <p:cNvGrpSpPr/>
+        <p:nvPr/>
+      </p:nvGrpSpPr>
+      <p:grpSpPr>
+        <a:xfrm>
+          <a:off x="0" y="0"/>
+          <a:ext cx="0" cy="0"/>
+          <a:chOff x="0" y="0"/>
+          <a:chExt cx="0" cy="0"/>
+        </a:xfrm>
+      </p:grpSpPr>
+      <p:pic>
+        <p:nvPicPr>
+          <p:cNvPr id="4" name="Picture 3">
+            <a:extLst>
+              <a:ext uri="{FF2B5EF4-FFF2-40B4-BE49-F238E27FC236}">
+                <a16:creationId xmlns:a16="http://schemas.microsoft.com/office/drawing/2014/main" id="{282BC356-8068-BC43-B178-3D88D812ABB0}"/>
+              </a:ext>
+            </a:extLst>
+          </p:cNvPr>
+          <p:cNvPicPr>
+            <a:picLocks noChangeAspect="1"/>
+          </p:cNvPicPr>
+          <p:nvPr/>
+        </p:nvPicPr>
+        <p:blipFill>
+          <a:blip r:embed="rId2"/>
+          <a:stretch>
+            <a:fillRect/>
+          </a:stretch>
+        </p:blipFill>
+        <p:spPr>
+          <a:xfrm>
+            <a:off x="338447" y="150473"/>
+            <a:ext cx="7620000" cy="6438900"/>
+          </a:xfrm>
+          <a:prstGeom prst="rect">
+            <a:avLst/>
+          </a:prstGeom>
+        </p:spPr>
+      </p:pic>
+      <p:sp>
+        <p:nvSpPr>
+          <p:cNvPr id="5" name="Content Placeholder 2">
+            <a:extLst>
+              <a:ext uri="{FF2B5EF4-FFF2-40B4-BE49-F238E27FC236}">
+                <a16:creationId xmlns:a16="http://schemas.microsoft.com/office/drawing/2014/main" id="{BA7371E0-427D-B84C-90C7-54064BDFD642}"/>
+              </a:ext>
+            </a:extLst>
+          </p:cNvPr>
+          <p:cNvSpPr txBox="1">
+            <a:spLocks/>
+          </p:cNvSpPr>
+          <p:nvPr/>
+        </p:nvSpPr>
+        <p:spPr>
+          <a:xfrm>
+            <a:off x="7958447" y="1194254"/>
+            <a:ext cx="3916878" cy="5316732"/>
+          </a:xfrm>
+          <a:prstGeom prst="rect">
+            <a:avLst/>
+          </a:prstGeom>
+        </p:spPr>
+        <p:txBody>
+          <a:bodyPr vert="horz" lIns="91440" tIns="45720" rIns="91440" bIns="45720" rtlCol="0">
+            <a:normAutofit lnSpcReduction="10000"/>
+          </a:bodyPr>
+          <a:lstStyle>
+            <a:lvl1pPr marL="228600" indent="-228600" algn="l" defTabSz="914400" rtl="0" eaLnBrk="1" latinLnBrk="0" hangingPunct="1">
+              <a:lnSpc>
+                <a:spcPct val="90000"/>
+              </a:lnSpc>
+              <a:spcBef>
+                <a:spcPts val="1000"/>
+              </a:spcBef>
+              <a:buFont typeface="Arial" panose="020B0604020202020204" pitchFamily="34" charset="0"/>
+              <a:buChar char="•"/>
+              <a:defRPr sz="2800" kern="1200">
+                <a:solidFill>
+                  <a:schemeClr val="tx1"/>
+                </a:solidFill>
+                <a:latin typeface="+mn-lt"/>
+                <a:ea typeface="+mn-ea"/>
+                <a:cs typeface="+mn-cs"/>
+              </a:defRPr>
+            </a:lvl1pPr>
+            <a:lvl2pPr marL="685800" indent="-228600" algn="l" defTabSz="914400" rtl="0" eaLnBrk="1" latinLnBrk="0" hangingPunct="1">
+              <a:lnSpc>
+                <a:spcPct val="90000"/>
+              </a:lnSpc>
+              <a:spcBef>
+                <a:spcPts val="500"/>
+              </a:spcBef>
+              <a:buFont typeface="Arial" panose="020B0604020202020204" pitchFamily="34" charset="0"/>
+              <a:buChar char="•"/>
+              <a:defRPr sz="2400" kern="1200">
+                <a:solidFill>
+                  <a:schemeClr val="tx1"/>
+                </a:solidFill>
+                <a:latin typeface="+mn-lt"/>
+                <a:ea typeface="+mn-ea"/>
+                <a:cs typeface="+mn-cs"/>
+              </a:defRPr>
+            </a:lvl2pPr>
+            <a:lvl3pPr marL="1143000" indent="-228600" algn="l" defTabSz="914400" rtl="0" eaLnBrk="1" latinLnBrk="0" hangingPunct="1">
+              <a:lnSpc>
+                <a:spcPct val="90000"/>
+              </a:lnSpc>
+              <a:spcBef>
+                <a:spcPts val="500"/>
+              </a:spcBef>
+              <a:buFont typeface="Arial" panose="020B0604020202020204" pitchFamily="34" charset="0"/>
+              <a:buChar char="•"/>
+              <a:defRPr sz="2000" kern="1200">
+                <a:solidFill>
+                  <a:schemeClr val="tx1"/>
+                </a:solidFill>
+                <a:latin typeface="+mn-lt"/>
+                <a:ea typeface="+mn-ea"/>
+                <a:cs typeface="+mn-cs"/>
+              </a:defRPr>
+            </a:lvl3pPr>
+            <a:lvl4pPr marL="1600200" indent="-228600" algn="l" defTabSz="914400" rtl="0" eaLnBrk="1" latinLnBrk="0" hangingPunct="1">
+              <a:lnSpc>
+                <a:spcPct val="90000"/>
+              </a:lnSpc>
+              <a:spcBef>
+                <a:spcPts val="500"/>
+              </a:spcBef>
+              <a:buFont typeface="Arial" panose="020B0604020202020204" pitchFamily="34" charset="0"/>
+              <a:buChar char="•"/>
+              <a:defRPr sz="1800" kern="1200">
+                <a:solidFill>
+                  <a:schemeClr val="tx1"/>
+                </a:solidFill>
+                <a:latin typeface="+mn-lt"/>
+                <a:ea typeface="+mn-ea"/>
+                <a:cs typeface="+mn-cs"/>
+              </a:defRPr>
+            </a:lvl4pPr>
+            <a:lvl5pPr marL="2057400" indent="-228600" algn="l" defTabSz="914400" rtl="0" eaLnBrk="1" latinLnBrk="0" hangingPunct="1">
+              <a:lnSpc>
+                <a:spcPct val="90000"/>
+              </a:lnSpc>
+              <a:spcBef>
+                <a:spcPts val="500"/>
+              </a:spcBef>
+              <a:buFont typeface="Arial" panose="020B0604020202020204" pitchFamily="34" charset="0"/>
+              <a:buChar char="•"/>
+              <a:defRPr sz="1800" kern="1200">
+                <a:solidFill>
+                  <a:schemeClr val="tx1"/>
+                </a:solidFill>
+                <a:latin typeface="+mn-lt"/>
+                <a:ea typeface="+mn-ea"/>
+                <a:cs typeface="+mn-cs"/>
+              </a:defRPr>
+            </a:lvl5pPr>
+            <a:lvl6pPr marL="2514600" indent="-228600" algn="l" defTabSz="914400" rtl="0" eaLnBrk="1" latinLnBrk="0" hangingPunct="1">
+              <a:lnSpc>
+                <a:spcPct val="90000"/>
+              </a:lnSpc>
+              <a:spcBef>
+                <a:spcPts val="500"/>
+              </a:spcBef>
+              <a:buFont typeface="Arial" panose="020B0604020202020204" pitchFamily="34" charset="0"/>
+              <a:buChar char="•"/>
+              <a:defRPr sz="1800" kern="1200">
+                <a:solidFill>
+                  <a:schemeClr val="tx1"/>
+                </a:solidFill>
+                <a:latin typeface="+mn-lt"/>
+                <a:ea typeface="+mn-ea"/>
+                <a:cs typeface="+mn-cs"/>
+              </a:defRPr>
+            </a:lvl6pPr>
+            <a:lvl7pPr marL="2971800" indent="-228600" algn="l" defTabSz="914400" rtl="0" eaLnBrk="1" latinLnBrk="0" hangingPunct="1">
+              <a:lnSpc>
+                <a:spcPct val="90000"/>
+              </a:lnSpc>
+              <a:spcBef>
+                <a:spcPts val="500"/>
+              </a:spcBef>
+              <a:buFont typeface="Arial" panose="020B0604020202020204" pitchFamily="34" charset="0"/>
+              <a:buChar char="•"/>
+              <a:defRPr sz="1800" kern="1200">
+                <a:solidFill>
+                  <a:schemeClr val="tx1"/>
+                </a:solidFill>
+                <a:latin typeface="+mn-lt"/>
+                <a:ea typeface="+mn-ea"/>
+                <a:cs typeface="+mn-cs"/>
+              </a:defRPr>
+            </a:lvl7pPr>
+            <a:lvl8pPr marL="3429000" indent="-228600" algn="l" defTabSz="914400" rtl="0" eaLnBrk="1" latinLnBrk="0" hangingPunct="1">
+              <a:lnSpc>
+                <a:spcPct val="90000"/>
+              </a:lnSpc>
+              <a:spcBef>
+                <a:spcPts val="500"/>
+              </a:spcBef>
+              <a:buFont typeface="Arial" panose="020B0604020202020204" pitchFamily="34" charset="0"/>
+              <a:buChar char="•"/>
+              <a:defRPr sz="1800" kern="1200">
+                <a:solidFill>
+                  <a:schemeClr val="tx1"/>
+                </a:solidFill>
+                <a:latin typeface="+mn-lt"/>
+                <a:ea typeface="+mn-ea"/>
+                <a:cs typeface="+mn-cs"/>
+              </a:defRPr>
+            </a:lvl8pPr>
+            <a:lvl9pPr marL="3886200" indent="-228600" algn="l" defTabSz="914400" rtl="0" eaLnBrk="1" latinLnBrk="0" hangingPunct="1">
+              <a:lnSpc>
+                <a:spcPct val="90000"/>
+              </a:lnSpc>
+              <a:spcBef>
+                <a:spcPts val="500"/>
+              </a:spcBef>
+              <a:buFont typeface="Arial" panose="020B0604020202020204" pitchFamily="34" charset="0"/>
+              <a:buChar char="•"/>
+              <a:defRPr sz="1800" kern="1200">
+                <a:solidFill>
+                  <a:schemeClr val="tx1"/>
+                </a:solidFill>
+                <a:latin typeface="+mn-lt"/>
+                <a:ea typeface="+mn-ea"/>
+                <a:cs typeface="+mn-cs"/>
+              </a:defRPr>
+            </a:lvl9pPr>
+          </a:lstStyle>
+          <a:p>
+            <a:r>
+              <a:rPr lang="en-US" altLang="zh-CN" sz="2000" dirty="0"/>
+              <a:t>MT1</a:t>
+            </a:r>
+            <a:r>
+              <a:rPr lang="zh-CN" altLang="en-US" sz="2000" dirty="0"/>
+              <a:t> </a:t>
+            </a:r>
+            <a:r>
+              <a:rPr lang="en-US" altLang="zh-CN" sz="2000" dirty="0"/>
+              <a:t>–</a:t>
+            </a:r>
+            <a:r>
+              <a:rPr lang="zh-CN" altLang="en-US" sz="2000" dirty="0"/>
+              <a:t> </a:t>
+            </a:r>
+            <a:r>
+              <a:rPr lang="en-US" altLang="zh-CN" sz="2000" dirty="0"/>
+              <a:t>uniquely</a:t>
+            </a:r>
+            <a:r>
+              <a:rPr lang="zh-CN" altLang="en-US" sz="2000" dirty="0"/>
+              <a:t> </a:t>
+            </a:r>
+            <a:r>
+              <a:rPr lang="en-US" altLang="zh-CN" sz="2000" dirty="0"/>
+              <a:t>expressed</a:t>
+            </a:r>
+            <a:r>
+              <a:rPr lang="zh-CN" altLang="en-US" sz="2000" dirty="0"/>
+              <a:t> </a:t>
+            </a:r>
+            <a:r>
+              <a:rPr lang="en-US" altLang="zh-CN" sz="2000" dirty="0"/>
+              <a:t>genes</a:t>
+            </a:r>
+            <a:r>
+              <a:rPr lang="zh-CN" altLang="en-US" sz="2000" dirty="0"/>
+              <a:t> </a:t>
+            </a:r>
+            <a:r>
+              <a:rPr lang="en-US" altLang="zh-CN" sz="2000" dirty="0"/>
+              <a:t>with</a:t>
+            </a:r>
+            <a:r>
+              <a:rPr lang="zh-CN" altLang="en-US" sz="2000" dirty="0"/>
+              <a:t> </a:t>
+            </a:r>
+            <a:r>
+              <a:rPr lang="en-US" altLang="zh-CN" sz="2000" dirty="0"/>
+              <a:t>the</a:t>
+            </a:r>
+            <a:r>
+              <a:rPr lang="zh-CN" altLang="en-US" sz="2000" dirty="0"/>
+              <a:t> </a:t>
+            </a:r>
+            <a:r>
+              <a:rPr lang="en-US" altLang="zh-CN" sz="2000" dirty="0"/>
+              <a:t>same</a:t>
+            </a:r>
+            <a:r>
+              <a:rPr lang="zh-CN" altLang="en-US" sz="2000" dirty="0"/>
+              <a:t> </a:t>
+            </a:r>
+            <a:r>
+              <a:rPr lang="en-US" altLang="zh-CN" sz="2000" dirty="0"/>
+              <a:t>expression</a:t>
+            </a:r>
+            <a:r>
+              <a:rPr lang="zh-CN" altLang="en-US" sz="2000" dirty="0"/>
+              <a:t> </a:t>
+            </a:r>
+            <a:r>
+              <a:rPr lang="en-US" altLang="zh-CN" sz="2000" dirty="0"/>
+              <a:t>level</a:t>
+            </a:r>
+          </a:p>
+          <a:p>
+            <a:r>
+              <a:rPr lang="en-US" altLang="zh-CN" sz="2000" dirty="0"/>
+              <a:t>MT1-neg</a:t>
+            </a:r>
+            <a:r>
+              <a:rPr lang="zh-CN" altLang="en-US" sz="2000" dirty="0"/>
+              <a:t> </a:t>
+            </a:r>
+            <a:r>
+              <a:rPr lang="en-US" altLang="zh-CN" sz="2000" dirty="0"/>
+              <a:t>–</a:t>
+            </a:r>
+            <a:r>
+              <a:rPr lang="zh-CN" altLang="en-US" sz="2000" dirty="0"/>
+              <a:t> </a:t>
+            </a:r>
+            <a:r>
+              <a:rPr lang="en-US" altLang="zh-CN" sz="2000" dirty="0"/>
+              <a:t>negative</a:t>
+            </a:r>
+            <a:r>
+              <a:rPr lang="zh-CN" altLang="en-US" sz="2000" dirty="0"/>
+              <a:t> </a:t>
+            </a:r>
+            <a:r>
+              <a:rPr lang="en-US" altLang="zh-CN" sz="2000" dirty="0"/>
+              <a:t>markers</a:t>
+            </a:r>
+            <a:r>
+              <a:rPr lang="zh-CN" altLang="en-US" sz="2000" dirty="0"/>
+              <a:t> </a:t>
+            </a:r>
+            <a:r>
+              <a:rPr lang="en-US" altLang="zh-CN" sz="2000" dirty="0"/>
+              <a:t>of</a:t>
+            </a:r>
+            <a:r>
+              <a:rPr lang="zh-CN" altLang="en-US" sz="2000" dirty="0"/>
+              <a:t> </a:t>
+            </a:r>
+            <a:r>
+              <a:rPr lang="en-US" altLang="zh-CN" sz="2000" dirty="0"/>
+              <a:t>MT1</a:t>
+            </a:r>
+            <a:endParaRPr lang="en-HK" altLang="zh-CN" sz="2000" dirty="0"/>
+          </a:p>
+          <a:p>
+            <a:r>
+              <a:rPr lang="en-US" altLang="zh-CN" sz="2000" dirty="0"/>
+              <a:t>MT1’ –</a:t>
+            </a:r>
+            <a:r>
+              <a:rPr lang="zh-CN" altLang="en-US" sz="2000" dirty="0"/>
+              <a:t> </a:t>
+            </a:r>
+            <a:r>
+              <a:rPr lang="en-US" altLang="zh-CN" sz="2000" dirty="0"/>
+              <a:t>uniquely</a:t>
+            </a:r>
+            <a:r>
+              <a:rPr lang="zh-CN" altLang="en-US" sz="2000" dirty="0"/>
+              <a:t> </a:t>
+            </a:r>
+            <a:r>
+              <a:rPr lang="en-US" altLang="zh-CN" sz="2000" dirty="0"/>
+              <a:t>expressed</a:t>
+            </a:r>
+            <a:r>
+              <a:rPr lang="zh-CN" altLang="en-US" sz="2000" dirty="0"/>
+              <a:t> </a:t>
+            </a:r>
+            <a:r>
+              <a:rPr lang="en-US" altLang="zh-CN" sz="2000" dirty="0"/>
+              <a:t>genes</a:t>
+            </a:r>
+            <a:r>
+              <a:rPr lang="zh-CN" altLang="en-US" sz="2000" dirty="0"/>
+              <a:t> </a:t>
+            </a:r>
+            <a:r>
+              <a:rPr lang="en-US" altLang="zh-CN" sz="2000" dirty="0"/>
+              <a:t>with</a:t>
+            </a:r>
+            <a:r>
+              <a:rPr lang="zh-CN" altLang="en-US" sz="2000" dirty="0"/>
+              <a:t> </a:t>
+            </a:r>
+            <a:r>
+              <a:rPr lang="en-US" altLang="zh-CN" sz="2000" dirty="0"/>
+              <a:t>different</a:t>
+            </a:r>
+            <a:r>
+              <a:rPr lang="zh-CN" altLang="en-US" sz="2000" dirty="0"/>
+              <a:t> </a:t>
+            </a:r>
+            <a:r>
+              <a:rPr lang="en-US" altLang="zh-CN" sz="2000" dirty="0"/>
+              <a:t>expression</a:t>
+            </a:r>
+            <a:r>
+              <a:rPr lang="zh-CN" altLang="en-US" sz="2000" dirty="0"/>
+              <a:t> </a:t>
+            </a:r>
+            <a:r>
+              <a:rPr lang="en-US" altLang="zh-CN" sz="2000" dirty="0"/>
+              <a:t>levels</a:t>
+            </a:r>
+          </a:p>
+          <a:p>
+            <a:r>
+              <a:rPr lang="en-US" altLang="zh-CN" sz="2000" dirty="0"/>
+              <a:t>MT1’’</a:t>
+            </a:r>
+            <a:r>
+              <a:rPr lang="zh-CN" altLang="en-US" sz="2000" dirty="0"/>
+              <a:t> </a:t>
+            </a:r>
+            <a:r>
+              <a:rPr lang="en-US" altLang="zh-CN" sz="2000" dirty="0"/>
+              <a:t>–</a:t>
+            </a:r>
+            <a:r>
+              <a:rPr lang="zh-CN" altLang="en-US" sz="2000" dirty="0"/>
+              <a:t> </a:t>
+            </a:r>
+            <a:r>
+              <a:rPr lang="en-US" altLang="zh-CN" sz="2000" dirty="0"/>
+              <a:t>uniquely</a:t>
+            </a:r>
+            <a:r>
+              <a:rPr lang="zh-CN" altLang="en-US" sz="2000" dirty="0"/>
+              <a:t> </a:t>
+            </a:r>
+            <a:r>
+              <a:rPr lang="en-US" altLang="zh-CN" sz="2000" dirty="0"/>
+              <a:t>expressed</a:t>
+            </a:r>
+            <a:r>
+              <a:rPr lang="zh-CN" altLang="en-US" sz="2000" dirty="0"/>
+              <a:t> </a:t>
+            </a:r>
+            <a:r>
+              <a:rPr lang="en-US" altLang="zh-CN" sz="2000" dirty="0"/>
+              <a:t>genes</a:t>
+            </a:r>
+            <a:r>
+              <a:rPr lang="zh-CN" altLang="en-US" sz="2000" dirty="0"/>
+              <a:t> </a:t>
+            </a:r>
+            <a:r>
+              <a:rPr lang="en-HK" altLang="zh-CN" sz="2000" dirty="0"/>
+              <a:t>synergistic change</a:t>
+            </a:r>
+            <a:r>
+              <a:rPr lang="zh-CN" altLang="en-US" sz="2000" dirty="0"/>
+              <a:t> </a:t>
+            </a:r>
+            <a:r>
+              <a:rPr lang="en-US" altLang="zh-CN" sz="2000" dirty="0"/>
+              <a:t>across</a:t>
+            </a:r>
+            <a:r>
+              <a:rPr lang="zh-CN" altLang="en-US" sz="2000" dirty="0"/>
+              <a:t> </a:t>
+            </a:r>
+            <a:r>
+              <a:rPr lang="en-US" altLang="zh-CN" sz="2000" dirty="0"/>
+              <a:t>cells</a:t>
+            </a:r>
+          </a:p>
+          <a:p>
+            <a:r>
+              <a:rPr lang="en-US" altLang="zh-CN" sz="2000" dirty="0"/>
+              <a:t>MT2- intermediate</a:t>
+            </a:r>
+            <a:r>
+              <a:rPr lang="zh-CN" altLang="en-US" sz="2000" dirty="0"/>
+              <a:t> </a:t>
+            </a:r>
+            <a:r>
+              <a:rPr lang="en-US" altLang="zh-CN" sz="2000" dirty="0"/>
+              <a:t>–</a:t>
+            </a:r>
+            <a:r>
+              <a:rPr lang="zh-CN" altLang="en-US" sz="2000" dirty="0"/>
+              <a:t> </a:t>
+            </a:r>
+            <a:r>
+              <a:rPr lang="en-US" altLang="zh-CN" sz="2000" dirty="0"/>
+              <a:t>intermediate</a:t>
+            </a:r>
+            <a:r>
+              <a:rPr lang="zh-CN" altLang="en-US" sz="2000" dirty="0"/>
+              <a:t> </a:t>
+            </a:r>
+            <a:r>
+              <a:rPr lang="en-US" altLang="zh-CN" sz="2000" dirty="0"/>
+              <a:t>genes</a:t>
+            </a:r>
+            <a:r>
+              <a:rPr lang="zh-CN" altLang="en-US" sz="2000" dirty="0"/>
+              <a:t> </a:t>
+            </a:r>
+            <a:r>
+              <a:rPr lang="en-US" altLang="zh-CN" sz="2000" dirty="0"/>
+              <a:t>between</a:t>
+            </a:r>
+            <a:r>
+              <a:rPr lang="zh-CN" altLang="en-US" sz="2000" dirty="0"/>
+              <a:t> </a:t>
+            </a:r>
+            <a:r>
+              <a:rPr lang="en-US" altLang="zh-CN" sz="2000" dirty="0"/>
+              <a:t>two</a:t>
+            </a:r>
+            <a:r>
+              <a:rPr lang="zh-CN" altLang="en-US" sz="2000" dirty="0"/>
+              <a:t> </a:t>
+            </a:r>
+            <a:r>
+              <a:rPr lang="en-US" altLang="zh-CN" sz="2000" dirty="0"/>
+              <a:t>subtypes</a:t>
+            </a:r>
+          </a:p>
+          <a:p>
+            <a:r>
+              <a:rPr lang="en-US" altLang="zh-CN" sz="2000" dirty="0"/>
+              <a:t>MT3</a:t>
+            </a:r>
+            <a:r>
+              <a:rPr lang="zh-CN" altLang="en-US" sz="2000" dirty="0"/>
+              <a:t> </a:t>
+            </a:r>
+            <a:r>
+              <a:rPr lang="en-US" altLang="zh-CN" sz="2000" dirty="0"/>
+              <a:t>–</a:t>
+            </a:r>
+            <a:r>
+              <a:rPr lang="zh-CN" altLang="en-US" sz="2000" dirty="0"/>
+              <a:t> </a:t>
+            </a:r>
+            <a:r>
+              <a:rPr lang="en-US" altLang="zh-CN" sz="2000" dirty="0"/>
+              <a:t>highly</a:t>
+            </a:r>
+            <a:r>
+              <a:rPr lang="zh-CN" altLang="en-US" sz="2000" dirty="0"/>
+              <a:t> </a:t>
+            </a:r>
+            <a:r>
+              <a:rPr lang="en-US" altLang="zh-CN" sz="2000" dirty="0"/>
+              <a:t>expressed</a:t>
+            </a:r>
+            <a:r>
+              <a:rPr lang="zh-CN" altLang="en-US" sz="2000" dirty="0"/>
+              <a:t> </a:t>
+            </a:r>
+            <a:r>
+              <a:rPr lang="en-US" altLang="zh-CN" sz="2000" dirty="0"/>
+              <a:t>genes</a:t>
+            </a:r>
+            <a:r>
+              <a:rPr lang="zh-CN" altLang="en-US" sz="2000" dirty="0"/>
+              <a:t> </a:t>
+            </a:r>
+            <a:r>
+              <a:rPr lang="en-US" altLang="zh-CN" sz="2000" dirty="0"/>
+              <a:t>in</a:t>
+            </a:r>
+            <a:r>
+              <a:rPr lang="zh-CN" altLang="en-US" sz="2000" dirty="0"/>
+              <a:t> </a:t>
+            </a:r>
+            <a:r>
+              <a:rPr lang="en-US" altLang="zh-CN" sz="2000" dirty="0"/>
+              <a:t>certain</a:t>
+            </a:r>
+            <a:r>
+              <a:rPr lang="zh-CN" altLang="en-US" sz="2000" dirty="0"/>
+              <a:t> </a:t>
+            </a:r>
+            <a:r>
+              <a:rPr lang="en-US" altLang="zh-CN" sz="2000" dirty="0"/>
+              <a:t>subtypes</a:t>
+            </a:r>
+          </a:p>
+          <a:p>
+            <a:r>
+              <a:rPr lang="en-US" altLang="zh-CN" sz="2000" dirty="0"/>
+              <a:t>MT4</a:t>
+            </a:r>
+            <a:r>
+              <a:rPr lang="zh-CN" altLang="en-US" sz="2000" dirty="0"/>
+              <a:t> </a:t>
+            </a:r>
+            <a:r>
+              <a:rPr lang="en-US" altLang="zh-CN" sz="2000" dirty="0"/>
+              <a:t>–</a:t>
+            </a:r>
+            <a:r>
+              <a:rPr lang="zh-CN" altLang="en-US" sz="2000" dirty="0"/>
+              <a:t> </a:t>
+            </a:r>
+            <a:r>
+              <a:rPr lang="en-US" altLang="zh-CN" sz="2000" dirty="0"/>
+              <a:t>genes</a:t>
+            </a:r>
+            <a:r>
+              <a:rPr lang="zh-CN" altLang="en-US" sz="2000" dirty="0"/>
+              <a:t> </a:t>
+            </a:r>
+            <a:r>
+              <a:rPr lang="en-US" altLang="zh-CN" sz="2000" dirty="0"/>
+              <a:t>with</a:t>
+            </a:r>
+            <a:r>
+              <a:rPr lang="zh-CN" altLang="en-US" sz="2000" dirty="0"/>
+              <a:t> </a:t>
+            </a:r>
+            <a:r>
+              <a:rPr lang="en-HK" altLang="zh-CN" sz="2000" dirty="0"/>
+              <a:t>gradually rising</a:t>
+            </a:r>
+            <a:r>
+              <a:rPr lang="en-US" altLang="zh-CN" sz="2000" dirty="0"/>
+              <a:t>/falling</a:t>
+            </a:r>
+            <a:r>
+              <a:rPr lang="en-HK" altLang="zh-CN" sz="2000" dirty="0"/>
+              <a:t> expression</a:t>
+            </a:r>
+          </a:p>
+          <a:p>
+            <a:endParaRPr lang="en-HK" sz="2000" dirty="0"/>
+          </a:p>
+          <a:p>
+            <a:r>
+              <a:rPr lang="en-US" sz="2000" dirty="0"/>
+              <a:t>Biological insights</a:t>
+            </a:r>
+          </a:p>
+        </p:txBody>
+      </p:sp>
+      <p:sp>
+        <p:nvSpPr>
+          <p:cNvPr id="6" name="TextBox 5">
+            <a:extLst>
+              <a:ext uri="{FF2B5EF4-FFF2-40B4-BE49-F238E27FC236}">
+                <a16:creationId xmlns:a16="http://schemas.microsoft.com/office/drawing/2014/main" id="{0A7FDDF1-80C7-014B-A0FB-A366784B0421}"/>
+              </a:ext>
+            </a:extLst>
+          </p:cNvPr>
+          <p:cNvSpPr txBox="1"/>
+          <p:nvPr/>
+        </p:nvSpPr>
+        <p:spPr>
+          <a:xfrm>
+            <a:off x="2695699" y="6510986"/>
+            <a:ext cx="625492" cy="369332"/>
+          </a:xfrm>
+          <a:prstGeom prst="rect">
+            <a:avLst/>
+          </a:prstGeom>
+          <a:noFill/>
+        </p:spPr>
+        <p:txBody>
+          <a:bodyPr wrap="none" rtlCol="0">
+            <a:spAutoFit/>
+          </a:bodyPr>
+          <a:lstStyle/>
+          <a:p>
+            <a:r>
+              <a:rPr lang="en-US" altLang="zh-CN" b="1" dirty="0"/>
+              <a:t>Cells</a:t>
+            </a:r>
+            <a:endParaRPr lang="en-US" b="1" dirty="0"/>
+          </a:p>
+        </p:txBody>
+      </p:sp>
+      <p:sp>
+        <p:nvSpPr>
+          <p:cNvPr id="7" name="TextBox 6">
+            <a:extLst>
+              <a:ext uri="{FF2B5EF4-FFF2-40B4-BE49-F238E27FC236}">
+                <a16:creationId xmlns:a16="http://schemas.microsoft.com/office/drawing/2014/main" id="{1EDD96C7-F7F0-494D-B628-142833D616A1}"/>
+              </a:ext>
+            </a:extLst>
+          </p:cNvPr>
+          <p:cNvSpPr txBox="1"/>
+          <p:nvPr/>
+        </p:nvSpPr>
+        <p:spPr>
+          <a:xfrm rot="16200000">
+            <a:off x="-201817" y="3325092"/>
+            <a:ext cx="772969" cy="369332"/>
+          </a:xfrm>
+          <a:prstGeom prst="rect">
+            <a:avLst/>
+          </a:prstGeom>
+          <a:noFill/>
+        </p:spPr>
+        <p:txBody>
+          <a:bodyPr wrap="none" rtlCol="0">
+            <a:spAutoFit/>
+          </a:bodyPr>
+          <a:lstStyle/>
+          <a:p>
+            <a:r>
+              <a:rPr lang="en-US" altLang="zh-CN" b="1" dirty="0"/>
+              <a:t>Genes</a:t>
+            </a:r>
+            <a:endParaRPr lang="en-US" b="1" dirty="0"/>
+          </a:p>
+        </p:txBody>
+      </p:sp>
+      <p:sp>
+        <p:nvSpPr>
+          <p:cNvPr id="8" name="TextBox 7">
+            <a:extLst>
+              <a:ext uri="{FF2B5EF4-FFF2-40B4-BE49-F238E27FC236}">
+                <a16:creationId xmlns:a16="http://schemas.microsoft.com/office/drawing/2014/main" id="{37273C34-3188-AB48-812B-EFC34408213C}"/>
+              </a:ext>
+            </a:extLst>
+          </p:cNvPr>
+          <p:cNvSpPr txBox="1"/>
+          <p:nvPr/>
+        </p:nvSpPr>
+        <p:spPr>
+          <a:xfrm>
+            <a:off x="8431481" y="379976"/>
+            <a:ext cx="2747291" cy="584775"/>
+          </a:xfrm>
+          <a:prstGeom prst="rect">
+            <a:avLst/>
+          </a:prstGeom>
+          <a:noFill/>
+        </p:spPr>
+        <p:txBody>
+          <a:bodyPr wrap="none" rtlCol="0">
+            <a:spAutoFit/>
+          </a:bodyPr>
+          <a:lstStyle/>
+          <a:p>
+            <a:r>
+              <a:rPr lang="en-US" altLang="zh-CN" sz="3200" b="1" dirty="0"/>
+              <a:t>Simulated</a:t>
+            </a:r>
+            <a:r>
+              <a:rPr lang="zh-CN" altLang="en-US" sz="3200" b="1" dirty="0"/>
+              <a:t> </a:t>
+            </a:r>
+            <a:r>
+              <a:rPr lang="en-US" altLang="zh-CN" sz="3200" b="1" dirty="0"/>
+              <a:t>data</a:t>
+            </a:r>
+            <a:endParaRPr lang="en-US" sz="3200" b="1" dirty="0"/>
+          </a:p>
+        </p:txBody>
+      </p:sp>
+    </p:spTree>
+    <p:extLst>
+      <p:ext uri="{BB962C8B-B14F-4D97-AF65-F5344CB8AC3E}">
+        <p14:creationId xmlns:p14="http://schemas.microsoft.com/office/powerpoint/2010/main" val="974438308"/>
+      </p:ext>
+    </p:extLst>
+  </p:cSld>
+  <p:clrMapOvr>
+    <a:masterClrMapping/>
+  </p:clrMapOvr>
+</p:sld>
+</file>
+
+<file path=ppt/slides/slide7.xml><?xml version="1.0" encoding="utf-8"?>
+<p:sld xmlns:a="http://schemas.openxmlformats.org/drawingml/2006/main" xmlns:r="http://schemas.openxmlformats.org/officeDocument/2006/relationships" xmlns:p="http://schemas.openxmlformats.org/presentationml/2006/main">
+  <p:cSld>
+    <p:spTree>
+      <p:nvGrpSpPr>
+        <p:cNvPr id="1" name=""/>
+        <p:cNvGrpSpPr/>
+        <p:nvPr/>
+      </p:nvGrpSpPr>
+      <p:grpSpPr>
+        <a:xfrm>
+          <a:off x="0" y="0"/>
+          <a:ext cx="0" cy="0"/>
+          <a:chOff x="0" y="0"/>
+          <a:chExt cx="0" cy="0"/>
+        </a:xfrm>
+      </p:grpSpPr>
+      <p:sp>
+        <p:nvSpPr>
+          <p:cNvPr id="2" name="Title 1">
+            <a:extLst>
+              <a:ext uri="{FF2B5EF4-FFF2-40B4-BE49-F238E27FC236}">
+                <a16:creationId xmlns:a16="http://schemas.microsoft.com/office/drawing/2014/main" id="{2F57AD66-277F-184C-9B58-E7B0A0E7B6D6}"/>
+              </a:ext>
+            </a:extLst>
+          </p:cNvPr>
+          <p:cNvSpPr>
+            <a:spLocks noGrp="1"/>
+          </p:cNvSpPr>
+          <p:nvPr>
+            <p:ph type="title"/>
+          </p:nvPr>
+        </p:nvSpPr>
+        <p:spPr/>
+        <p:txBody>
+          <a:bodyPr/>
+          <a:lstStyle/>
+          <a:p>
+            <a:r>
+              <a:rPr lang="en-US" dirty="0"/>
+              <a:t>Inspiration</a:t>
+            </a:r>
+            <a:r>
+              <a:rPr lang="zh-CN" altLang="en-US" dirty="0"/>
+              <a:t> </a:t>
+            </a:r>
+            <a:endParaRPr lang="en-US" dirty="0"/>
+          </a:p>
+        </p:txBody>
+      </p:sp>
+      <p:sp>
+        <p:nvSpPr>
+          <p:cNvPr id="3" name="Content Placeholder 2">
+            <a:extLst>
+              <a:ext uri="{FF2B5EF4-FFF2-40B4-BE49-F238E27FC236}">
+                <a16:creationId xmlns:a16="http://schemas.microsoft.com/office/drawing/2014/main" id="{A1B56549-77F8-EC46-8F8B-D1378A92AC5D}"/>
+              </a:ext>
+            </a:extLst>
+          </p:cNvPr>
+          <p:cNvSpPr>
+            <a:spLocks noGrp="1"/>
+          </p:cNvSpPr>
+          <p:nvPr>
+            <p:ph idx="1"/>
+          </p:nvPr>
+        </p:nvSpPr>
+        <p:spPr/>
+        <p:txBody>
+          <a:bodyPr/>
+          <a:lstStyle/>
+          <a:p>
+            <a:r>
+              <a:rPr lang="en-US" altLang="zh-CN" dirty="0"/>
+              <a:t>New</a:t>
+            </a:r>
+            <a:r>
+              <a:rPr lang="zh-CN" altLang="en-US" dirty="0"/>
+              <a:t> </a:t>
+            </a:r>
+            <a:r>
+              <a:rPr lang="en-US" altLang="zh-CN" dirty="0"/>
+              <a:t>strategy</a:t>
+            </a:r>
+            <a:r>
+              <a:rPr lang="zh-CN" altLang="en-US" dirty="0"/>
+              <a:t> </a:t>
+            </a:r>
+            <a:r>
+              <a:rPr lang="en-US" altLang="zh-CN" dirty="0"/>
+              <a:t>for</a:t>
+            </a:r>
+            <a:r>
+              <a:rPr lang="zh-CN" altLang="en-US" dirty="0"/>
+              <a:t> </a:t>
+            </a:r>
+            <a:r>
+              <a:rPr lang="en-US" altLang="zh-CN" dirty="0" err="1"/>
+              <a:t>scRNA-seq</a:t>
+            </a:r>
+            <a:r>
+              <a:rPr lang="zh-CN" altLang="en-US" dirty="0"/>
+              <a:t> </a:t>
+            </a:r>
+            <a:r>
+              <a:rPr lang="en-US" altLang="zh-CN" dirty="0"/>
+              <a:t>clustering</a:t>
+            </a:r>
+            <a:endParaRPr lang="en-US" dirty="0"/>
+          </a:p>
+          <a:p>
+            <a:r>
+              <a:rPr lang="en-US" dirty="0"/>
+              <a:t>Correlation</a:t>
+            </a:r>
+            <a:r>
+              <a:rPr lang="zh-CN" altLang="en-US" dirty="0"/>
+              <a:t> </a:t>
+            </a:r>
+            <a:r>
+              <a:rPr lang="en-US" altLang="zh-CN" dirty="0"/>
+              <a:t>between</a:t>
+            </a:r>
+            <a:r>
+              <a:rPr lang="zh-CN" altLang="en-US" dirty="0"/>
+              <a:t> </a:t>
+            </a:r>
+            <a:r>
+              <a:rPr lang="en-US" altLang="zh-CN" dirty="0"/>
+              <a:t>the</a:t>
+            </a:r>
+            <a:r>
+              <a:rPr lang="zh-CN" altLang="en-US" dirty="0"/>
+              <a:t> </a:t>
+            </a:r>
+            <a:r>
+              <a:rPr lang="en-US" altLang="zh-CN" dirty="0"/>
+              <a:t>genes</a:t>
+            </a:r>
+            <a:r>
+              <a:rPr lang="zh-CN" altLang="en-US" dirty="0"/>
+              <a:t> </a:t>
+            </a:r>
+            <a:r>
+              <a:rPr lang="en-US" altLang="zh-CN" dirty="0"/>
+              <a:t>in</a:t>
+            </a:r>
+            <a:r>
+              <a:rPr lang="zh-CN" altLang="en-US" dirty="0"/>
+              <a:t> </a:t>
+            </a:r>
+            <a:r>
+              <a:rPr lang="en-US" altLang="zh-CN" dirty="0"/>
+              <a:t>the</a:t>
+            </a:r>
+            <a:r>
+              <a:rPr lang="zh-CN" altLang="en-US" dirty="0"/>
+              <a:t> </a:t>
+            </a:r>
+            <a:r>
+              <a:rPr lang="en-US" altLang="zh-CN" dirty="0"/>
+              <a:t>same</a:t>
+            </a:r>
+            <a:r>
+              <a:rPr lang="zh-CN" altLang="en-US" dirty="0"/>
+              <a:t> </a:t>
+            </a:r>
+            <a:r>
+              <a:rPr lang="en-US" altLang="zh-CN" dirty="0"/>
+              <a:t>marker</a:t>
+            </a:r>
+            <a:r>
+              <a:rPr lang="zh-CN" altLang="en-US" dirty="0"/>
+              <a:t> </a:t>
+            </a:r>
+            <a:r>
+              <a:rPr lang="en-US" altLang="zh-CN" dirty="0"/>
+              <a:t>module</a:t>
+            </a:r>
+            <a:r>
+              <a:rPr lang="zh-CN" altLang="en-US" dirty="0"/>
+              <a:t> </a:t>
+            </a:r>
+            <a:r>
+              <a:rPr lang="en-US" altLang="zh-CN" dirty="0"/>
+              <a:t>is</a:t>
+            </a:r>
+            <a:r>
+              <a:rPr lang="zh-CN" altLang="en-US" dirty="0"/>
+              <a:t> </a:t>
+            </a:r>
+            <a:r>
+              <a:rPr lang="en-US" altLang="zh-CN" dirty="0"/>
+              <a:t>higher.</a:t>
+            </a:r>
+          </a:p>
+          <a:p>
+            <a:r>
+              <a:rPr lang="en-US" altLang="zh-CN" dirty="0"/>
+              <a:t>Can</a:t>
+            </a:r>
+            <a:r>
+              <a:rPr lang="zh-CN" altLang="en-US" dirty="0"/>
+              <a:t> </a:t>
+            </a:r>
+            <a:r>
+              <a:rPr lang="en-US" altLang="zh-CN" dirty="0"/>
+              <a:t>we</a:t>
+            </a:r>
+            <a:r>
+              <a:rPr lang="zh-CN" altLang="en-US" dirty="0"/>
+              <a:t> </a:t>
+            </a:r>
+            <a:r>
+              <a:rPr lang="en-US" altLang="zh-CN" dirty="0"/>
+              <a:t>identify</a:t>
+            </a:r>
+            <a:r>
+              <a:rPr lang="zh-CN" altLang="en-US" dirty="0"/>
+              <a:t> </a:t>
+            </a:r>
+            <a:r>
+              <a:rPr lang="en-US" altLang="zh-CN" dirty="0"/>
+              <a:t>all</a:t>
+            </a:r>
+            <a:r>
+              <a:rPr lang="zh-CN" altLang="en-US" dirty="0"/>
+              <a:t> </a:t>
+            </a:r>
+            <a:r>
+              <a:rPr lang="en-US" altLang="zh-CN" dirty="0"/>
+              <a:t>the</a:t>
+            </a:r>
+            <a:r>
+              <a:rPr lang="zh-CN" altLang="en-US" dirty="0"/>
+              <a:t> </a:t>
+            </a:r>
+            <a:r>
+              <a:rPr lang="en-US" altLang="zh-CN" dirty="0"/>
+              <a:t>marker</a:t>
+            </a:r>
+            <a:r>
+              <a:rPr lang="zh-CN" altLang="en-US" dirty="0"/>
+              <a:t> </a:t>
+            </a:r>
+            <a:r>
+              <a:rPr lang="en-US" altLang="zh-CN" dirty="0"/>
+              <a:t>modules</a:t>
+            </a:r>
+            <a:r>
+              <a:rPr lang="zh-CN" altLang="en-US" dirty="0"/>
+              <a:t> </a:t>
+            </a:r>
+            <a:r>
+              <a:rPr lang="en-US" altLang="zh-CN" dirty="0"/>
+              <a:t>first</a:t>
+            </a:r>
+            <a:r>
+              <a:rPr lang="zh-CN" altLang="en-US" dirty="0"/>
+              <a:t> </a:t>
+            </a:r>
+            <a:r>
+              <a:rPr lang="en-US" altLang="zh-CN" dirty="0"/>
+              <a:t>and</a:t>
+            </a:r>
+            <a:r>
+              <a:rPr lang="zh-CN" altLang="en-US" dirty="0"/>
+              <a:t> </a:t>
+            </a:r>
+            <a:r>
+              <a:rPr lang="en-US" altLang="zh-CN" dirty="0"/>
+              <a:t>then</a:t>
+            </a:r>
+            <a:r>
+              <a:rPr lang="zh-CN" altLang="en-US" dirty="0"/>
+              <a:t> </a:t>
+            </a:r>
+            <a:r>
+              <a:rPr lang="en-US" altLang="zh-CN" dirty="0"/>
+              <a:t>using</a:t>
+            </a:r>
+            <a:r>
+              <a:rPr lang="zh-CN" altLang="en-US" dirty="0"/>
+              <a:t> </a:t>
+            </a:r>
+            <a:r>
+              <a:rPr lang="en-US" altLang="zh-CN" dirty="0"/>
+              <a:t>them</a:t>
+            </a:r>
+            <a:r>
+              <a:rPr lang="zh-CN" altLang="en-US" dirty="0"/>
+              <a:t> </a:t>
+            </a:r>
+            <a:r>
+              <a:rPr lang="en-US" altLang="zh-CN" dirty="0"/>
+              <a:t>to</a:t>
+            </a:r>
+            <a:r>
+              <a:rPr lang="zh-CN" altLang="en-US" dirty="0"/>
+              <a:t> </a:t>
+            </a:r>
+            <a:r>
+              <a:rPr lang="en-US" altLang="zh-CN" dirty="0"/>
+              <a:t>do</a:t>
+            </a:r>
+            <a:r>
+              <a:rPr lang="zh-CN" altLang="en-US" dirty="0"/>
+              <a:t> </a:t>
+            </a:r>
+            <a:r>
+              <a:rPr lang="en-US" altLang="zh-CN" dirty="0"/>
+              <a:t>the</a:t>
+            </a:r>
+            <a:r>
+              <a:rPr lang="zh-CN" altLang="en-US" dirty="0"/>
+              <a:t> </a:t>
+            </a:r>
+            <a:r>
+              <a:rPr lang="en-US" altLang="zh-CN" dirty="0"/>
+              <a:t>clustering?</a:t>
+            </a:r>
+          </a:p>
+          <a:p>
+            <a:endParaRPr lang="en-US" dirty="0"/>
+          </a:p>
+        </p:txBody>
+      </p:sp>
+    </p:spTree>
+    <p:extLst>
+      <p:ext uri="{BB962C8B-B14F-4D97-AF65-F5344CB8AC3E}">
+        <p14:creationId xmlns:p14="http://schemas.microsoft.com/office/powerpoint/2010/main" val="307391055"/>
+      </p:ext>
+    </p:extLst>
+  </p:cSld>
+  <p:clrMapOvr>
+    <a:masterClrMapping/>
+  </p:clrMapOvr>
+</p:sld>
+</file>
+
+<file path=ppt/slides/slide8.xml><?xml version="1.0" encoding="utf-8"?>
+<p:sld xmlns:a="http://schemas.openxmlformats.org/drawingml/2006/main" xmlns:r="http://schemas.openxmlformats.org/officeDocument/2006/relationships" xmlns:p="http://schemas.openxmlformats.org/presentationml/2006/main">
+  <p:cSld>
+    <p:spTree>
+      <p:nvGrpSpPr>
+        <p:cNvPr id="1" name=""/>
+        <p:cNvGrpSpPr/>
+        <p:nvPr/>
+      </p:nvGrpSpPr>
+      <p:grpSpPr>
+        <a:xfrm>
+          <a:off x="0" y="0"/>
+          <a:ext cx="0" cy="0"/>
+          <a:chOff x="0" y="0"/>
+          <a:chExt cx="0" cy="0"/>
+        </a:xfrm>
+      </p:grpSpPr>
+      <p:sp>
+        <p:nvSpPr>
+          <p:cNvPr id="2" name="Title 1">
+            <a:extLst>
+              <a:ext uri="{FF2B5EF4-FFF2-40B4-BE49-F238E27FC236}">
+                <a16:creationId xmlns:a16="http://schemas.microsoft.com/office/drawing/2014/main" id="{B2F2B11D-8F73-4540-9350-499CB5F72D52}"/>
+              </a:ext>
+            </a:extLst>
+          </p:cNvPr>
+          <p:cNvSpPr>
+            <a:spLocks noGrp="1"/>
+          </p:cNvSpPr>
+          <p:nvPr>
+            <p:ph type="title"/>
+          </p:nvPr>
+        </p:nvSpPr>
+        <p:spPr/>
+        <p:txBody>
+          <a:bodyPr/>
+          <a:lstStyle/>
+          <a:p>
+            <a:r>
+              <a:rPr lang="en-US" altLang="zh-CN" dirty="0"/>
+              <a:t>Core</a:t>
+            </a:r>
+            <a:r>
+              <a:rPr lang="zh-CN" altLang="en-US" dirty="0"/>
+              <a:t> </a:t>
+            </a:r>
+            <a:r>
+              <a:rPr lang="en-US" altLang="zh-CN" dirty="0"/>
+              <a:t>hypothesis</a:t>
+            </a:r>
+            <a:endParaRPr lang="en-US" dirty="0"/>
+          </a:p>
+        </p:txBody>
+      </p:sp>
+      <p:sp>
+        <p:nvSpPr>
+          <p:cNvPr id="3" name="Content Placeholder 2">
+            <a:extLst>
+              <a:ext uri="{FF2B5EF4-FFF2-40B4-BE49-F238E27FC236}">
+                <a16:creationId xmlns:a16="http://schemas.microsoft.com/office/drawing/2014/main" id="{989F4F30-93BA-E74E-8A1A-456DCA4916AF}"/>
+              </a:ext>
+            </a:extLst>
+          </p:cNvPr>
+          <p:cNvSpPr>
+            <a:spLocks noGrp="1"/>
+          </p:cNvSpPr>
+          <p:nvPr>
+            <p:ph idx="1"/>
+          </p:nvPr>
+        </p:nvSpPr>
+        <p:spPr/>
+        <p:txBody>
+          <a:bodyPr/>
+          <a:lstStyle/>
+          <a:p>
+            <a:r>
+              <a:rPr lang="en-US" altLang="zh-CN" dirty="0"/>
+              <a:t>marker</a:t>
+            </a:r>
+            <a:r>
+              <a:rPr lang="zh-CN" altLang="en-US" dirty="0"/>
+              <a:t> </a:t>
+            </a:r>
+            <a:r>
+              <a:rPr lang="en-US" altLang="zh-CN" dirty="0"/>
+              <a:t>modules</a:t>
+            </a:r>
+            <a:r>
+              <a:rPr lang="zh-CN" altLang="en-US" dirty="0"/>
+              <a:t> </a:t>
+            </a:r>
+            <a:r>
+              <a:rPr lang="en-US" altLang="zh-CN" dirty="0"/>
+              <a:t>locate</a:t>
+            </a:r>
+            <a:r>
+              <a:rPr lang="zh-CN" altLang="en-US" dirty="0"/>
+              <a:t> </a:t>
+            </a:r>
+            <a:r>
+              <a:rPr lang="en-US" altLang="zh-CN" dirty="0"/>
+              <a:t>in</a:t>
+            </a:r>
+            <a:r>
+              <a:rPr lang="zh-CN" altLang="en-US" dirty="0"/>
+              <a:t> </a:t>
+            </a:r>
+            <a:r>
+              <a:rPr lang="en-US" altLang="zh-CN" dirty="0"/>
+              <a:t>the</a:t>
+            </a:r>
+            <a:r>
+              <a:rPr lang="zh-CN" altLang="en-US" dirty="0"/>
+              <a:t> </a:t>
+            </a:r>
+            <a:r>
+              <a:rPr lang="en-US" altLang="zh-CN" dirty="0"/>
+              <a:t>local</a:t>
+            </a:r>
+            <a:r>
+              <a:rPr lang="zh-CN" altLang="en-US" dirty="0"/>
+              <a:t> </a:t>
+            </a:r>
+            <a:r>
+              <a:rPr lang="en-US" altLang="zh-CN" dirty="0"/>
+              <a:t>centers</a:t>
+            </a:r>
+            <a:r>
+              <a:rPr lang="zh-CN" altLang="en-US" dirty="0"/>
+              <a:t> </a:t>
+            </a:r>
+            <a:r>
+              <a:rPr lang="en-US" altLang="zh-CN" dirty="0"/>
+              <a:t>(gene</a:t>
+            </a:r>
+            <a:r>
+              <a:rPr lang="zh-CN" altLang="en-US" dirty="0"/>
+              <a:t> </a:t>
+            </a:r>
+            <a:r>
+              <a:rPr lang="en-US" altLang="zh-CN" dirty="0"/>
+              <a:t>clusters</a:t>
+            </a:r>
+            <a:r>
+              <a:rPr lang="zh-CN" altLang="en-US" dirty="0"/>
+              <a:t> </a:t>
+            </a:r>
+            <a:r>
+              <a:rPr lang="en-US" altLang="zh-CN" dirty="0"/>
+              <a:t>with</a:t>
+            </a:r>
+            <a:r>
+              <a:rPr lang="zh-CN" altLang="en-US" dirty="0"/>
+              <a:t> </a:t>
+            </a:r>
+            <a:r>
+              <a:rPr lang="en-US" altLang="zh-CN" dirty="0"/>
+              <a:t>high</a:t>
+            </a:r>
+            <a:r>
+              <a:rPr lang="zh-CN" altLang="en-US" dirty="0"/>
+              <a:t> </a:t>
+            </a:r>
+            <a:r>
+              <a:rPr lang="en-US" altLang="zh-CN" dirty="0"/>
+              <a:t>density)</a:t>
+            </a:r>
+            <a:r>
+              <a:rPr lang="zh-CN" altLang="en-US" dirty="0"/>
+              <a:t> </a:t>
+            </a:r>
+            <a:r>
+              <a:rPr lang="en-US" altLang="zh-CN" dirty="0"/>
+              <a:t>in</a:t>
+            </a:r>
+            <a:r>
+              <a:rPr lang="zh-CN" altLang="en-US" dirty="0"/>
+              <a:t> </a:t>
+            </a:r>
+            <a:r>
+              <a:rPr lang="en-US" altLang="zh-CN" dirty="0"/>
+              <a:t>the</a:t>
+            </a:r>
+            <a:r>
+              <a:rPr lang="zh-CN" altLang="en-US" dirty="0"/>
+              <a:t> </a:t>
+            </a:r>
+            <a:r>
+              <a:rPr lang="en-US" altLang="zh-CN" dirty="0"/>
+              <a:t>gene-gene</a:t>
+            </a:r>
+            <a:r>
+              <a:rPr lang="zh-CN" altLang="en-US" dirty="0"/>
+              <a:t> </a:t>
+            </a:r>
+            <a:r>
+              <a:rPr lang="en-US" altLang="zh-CN" dirty="0"/>
+              <a:t>correlation</a:t>
+            </a:r>
+            <a:r>
+              <a:rPr lang="zh-CN" altLang="en-US" dirty="0"/>
+              <a:t> </a:t>
+            </a:r>
+            <a:r>
+              <a:rPr lang="en-US" altLang="zh-CN" dirty="0"/>
+              <a:t>network.</a:t>
+            </a:r>
+          </a:p>
+          <a:p>
+            <a:r>
+              <a:rPr lang="en-US" altLang="zh-CN" dirty="0"/>
+              <a:t>Then</a:t>
+            </a:r>
+            <a:r>
+              <a:rPr lang="zh-CN" altLang="en-US" dirty="0"/>
+              <a:t> </a:t>
+            </a:r>
+            <a:r>
+              <a:rPr lang="en-US" altLang="zh-CN" dirty="0"/>
+              <a:t>marker</a:t>
+            </a:r>
+            <a:r>
+              <a:rPr lang="zh-CN" altLang="en-US" dirty="0"/>
+              <a:t> </a:t>
+            </a:r>
+            <a:r>
+              <a:rPr lang="en-US" altLang="zh-CN" dirty="0"/>
+              <a:t>module</a:t>
+            </a:r>
+            <a:r>
+              <a:rPr lang="zh-CN" altLang="en-US" dirty="0"/>
+              <a:t> </a:t>
+            </a:r>
+            <a:r>
+              <a:rPr lang="en-US" altLang="zh-CN" dirty="0"/>
+              <a:t>identification</a:t>
+            </a:r>
+            <a:r>
+              <a:rPr lang="zh-CN" altLang="en-US" dirty="0"/>
+              <a:t> </a:t>
+            </a:r>
+            <a:r>
+              <a:rPr lang="en-US" altLang="zh-CN" dirty="0"/>
+              <a:t>is</a:t>
+            </a:r>
+            <a:r>
+              <a:rPr lang="zh-CN" altLang="en-US" dirty="0"/>
+              <a:t> </a:t>
+            </a:r>
+            <a:r>
+              <a:rPr lang="en-US" altLang="zh-CN" dirty="0"/>
+              <a:t>a</a:t>
+            </a:r>
+            <a:r>
+              <a:rPr lang="zh-CN" altLang="en-US" dirty="0"/>
+              <a:t> </a:t>
+            </a:r>
+            <a:r>
+              <a:rPr lang="en-US" altLang="zh-CN" dirty="0"/>
+              <a:t>question</a:t>
+            </a:r>
+            <a:r>
+              <a:rPr lang="zh-CN" altLang="en-US" dirty="0"/>
+              <a:t> </a:t>
+            </a:r>
+            <a:r>
+              <a:rPr lang="en-US" altLang="zh-CN" dirty="0"/>
+              <a:t>of</a:t>
+            </a:r>
+            <a:r>
+              <a:rPr lang="zh-CN" altLang="en-US" dirty="0"/>
+              <a:t> </a:t>
+            </a:r>
+            <a:r>
+              <a:rPr lang="en-US" altLang="zh-CN" dirty="0"/>
+              <a:t>local</a:t>
+            </a:r>
+            <a:r>
+              <a:rPr lang="zh-CN" altLang="en-US" dirty="0"/>
+              <a:t> </a:t>
+            </a:r>
+            <a:r>
+              <a:rPr lang="en-US" altLang="zh-CN" dirty="0"/>
+              <a:t>center</a:t>
+            </a:r>
+            <a:r>
+              <a:rPr lang="zh-CN" altLang="en-US" dirty="0"/>
+              <a:t> </a:t>
+            </a:r>
+            <a:r>
+              <a:rPr lang="en-US" altLang="zh-CN" dirty="0"/>
+              <a:t>identification.</a:t>
+            </a:r>
+          </a:p>
+          <a:p>
+            <a:r>
+              <a:rPr lang="en-US" altLang="zh-CN" dirty="0"/>
+              <a:t>Slicing and scanning</a:t>
+            </a:r>
+            <a:r>
+              <a:rPr lang="zh-CN" altLang="en-US" dirty="0"/>
+              <a:t> </a:t>
+            </a:r>
+            <a:r>
+              <a:rPr lang="en-US" altLang="zh-CN" dirty="0"/>
+              <a:t>method</a:t>
+            </a:r>
+            <a:r>
+              <a:rPr lang="zh-CN" altLang="en-US" dirty="0"/>
+              <a:t> </a:t>
+            </a:r>
+            <a:r>
+              <a:rPr lang="en-US" altLang="zh-CN" dirty="0"/>
+              <a:t>can</a:t>
+            </a:r>
+            <a:r>
+              <a:rPr lang="zh-CN" altLang="en-US" dirty="0"/>
+              <a:t> </a:t>
+            </a:r>
+            <a:r>
+              <a:rPr lang="en-US" altLang="zh-CN" dirty="0"/>
+              <a:t>effectively</a:t>
+            </a:r>
+            <a:r>
+              <a:rPr lang="zh-CN" altLang="en-US" dirty="0"/>
+              <a:t> </a:t>
+            </a:r>
+            <a:r>
+              <a:rPr lang="en-US" altLang="zh-CN" dirty="0"/>
+              <a:t>detect</a:t>
+            </a:r>
+            <a:r>
+              <a:rPr lang="zh-CN" altLang="en-US" dirty="0"/>
+              <a:t> </a:t>
+            </a:r>
+            <a:r>
+              <a:rPr lang="en-US" altLang="zh-CN" dirty="0"/>
+              <a:t>the</a:t>
+            </a:r>
+            <a:r>
+              <a:rPr lang="zh-CN" altLang="en-US" dirty="0"/>
+              <a:t> </a:t>
+            </a:r>
+            <a:r>
+              <a:rPr lang="en-US" altLang="zh-CN" dirty="0"/>
+              <a:t>local</a:t>
+            </a:r>
+            <a:r>
+              <a:rPr lang="zh-CN" altLang="en-US" dirty="0"/>
+              <a:t> </a:t>
+            </a:r>
+            <a:r>
+              <a:rPr lang="en-US" altLang="zh-CN" dirty="0"/>
+              <a:t>center</a:t>
+            </a:r>
+            <a:r>
+              <a:rPr lang="zh-CN" altLang="en-US" dirty="0"/>
+              <a:t> </a:t>
+            </a:r>
+            <a:r>
+              <a:rPr lang="en-US" altLang="zh-CN" dirty="0"/>
+              <a:t>of</a:t>
+            </a:r>
+            <a:r>
+              <a:rPr lang="zh-CN" altLang="en-US" dirty="0"/>
+              <a:t> </a:t>
+            </a:r>
+            <a:r>
+              <a:rPr lang="en-US" altLang="zh-CN" dirty="0"/>
+              <a:t>a</a:t>
+            </a:r>
+            <a:r>
+              <a:rPr lang="zh-CN" altLang="en-US" dirty="0"/>
+              <a:t> </a:t>
+            </a:r>
+            <a:r>
+              <a:rPr lang="en-US" altLang="zh-CN" dirty="0"/>
+              <a:t>network.</a:t>
+            </a:r>
+          </a:p>
+          <a:p>
+            <a:r>
+              <a:rPr lang="en-US" altLang="zh-CN" dirty="0"/>
+              <a:t>Subtypes</a:t>
+            </a:r>
+            <a:r>
+              <a:rPr lang="zh-CN" altLang="en-US" dirty="0"/>
+              <a:t> </a:t>
+            </a:r>
+            <a:r>
+              <a:rPr lang="en-US" altLang="zh-CN" dirty="0"/>
+              <a:t>can</a:t>
+            </a:r>
+            <a:r>
+              <a:rPr lang="zh-CN" altLang="en-US" dirty="0"/>
+              <a:t> </a:t>
+            </a:r>
+            <a:r>
+              <a:rPr lang="en-US" altLang="zh-CN" dirty="0"/>
+              <a:t>be</a:t>
+            </a:r>
+            <a:r>
+              <a:rPr lang="zh-CN" altLang="en-US" dirty="0"/>
+              <a:t> </a:t>
+            </a:r>
+            <a:r>
+              <a:rPr lang="en-US" altLang="zh-CN" dirty="0"/>
+              <a:t>inferred</a:t>
+            </a:r>
+            <a:r>
+              <a:rPr lang="zh-CN" altLang="en-US" dirty="0"/>
+              <a:t> </a:t>
+            </a:r>
+            <a:r>
+              <a:rPr lang="en-US" altLang="zh-CN" dirty="0"/>
+              <a:t>by</a:t>
+            </a:r>
+            <a:r>
+              <a:rPr lang="zh-CN" altLang="en-US" dirty="0"/>
+              <a:t> </a:t>
+            </a:r>
+            <a:r>
+              <a:rPr lang="en-US" altLang="zh-CN" dirty="0"/>
+              <a:t>the</a:t>
+            </a:r>
+            <a:r>
+              <a:rPr lang="zh-CN" altLang="en-US" dirty="0"/>
+              <a:t> </a:t>
+            </a:r>
+            <a:r>
+              <a:rPr lang="en-US" altLang="zh-CN" dirty="0"/>
+              <a:t>marker</a:t>
+            </a:r>
+            <a:r>
+              <a:rPr lang="zh-CN" altLang="en-US" dirty="0"/>
+              <a:t> </a:t>
+            </a:r>
+            <a:r>
+              <a:rPr lang="en-US" altLang="zh-CN" dirty="0"/>
+              <a:t>modules.</a:t>
+            </a:r>
+            <a:endParaRPr lang="en-US" dirty="0"/>
+          </a:p>
+        </p:txBody>
+      </p:sp>
+    </p:spTree>
+    <p:extLst>
+      <p:ext uri="{BB962C8B-B14F-4D97-AF65-F5344CB8AC3E}">
+        <p14:creationId xmlns:p14="http://schemas.microsoft.com/office/powerpoint/2010/main" val="3030224367"/>
+      </p:ext>
+    </p:extLst>
+  </p:cSld>
+  <p:clrMapOvr>
+    <a:masterClrMapping/>
+  </p:clrMapOvr>
+</p:sld>
+</file>
+
+<file path=ppt/slides/slide9.xml><?xml version="1.0" encoding="utf-8"?>
+<p:sld xmlns:a="http://schemas.openxmlformats.org/drawingml/2006/main" xmlns:r="http://schemas.openxmlformats.org/officeDocument/2006/relationships" xmlns:p="http://schemas.openxmlformats.org/presentationml/2006/main">
+  <p:cSld>
+    <p:spTree>
+      <p:nvGrpSpPr>
+        <p:cNvPr id="1" name=""/>
+        <p:cNvGrpSpPr/>
+        <p:nvPr/>
+      </p:nvGrpSpPr>
+      <p:grpSpPr>
+        <a:xfrm>
+          <a:off x="0" y="0"/>
+          <a:ext cx="0" cy="0"/>
+          <a:chOff x="0" y="0"/>
+          <a:chExt cx="0" cy="0"/>
+        </a:xfrm>
+      </p:grpSpPr>
+      <p:sp>
+        <p:nvSpPr>
+          <p:cNvPr id="2" name="Title 1">
+            <a:extLst>
+              <a:ext uri="{FF2B5EF4-FFF2-40B4-BE49-F238E27FC236}">
+                <a16:creationId xmlns:a16="http://schemas.microsoft.com/office/drawing/2014/main" id="{3FD00148-AE56-2840-9571-3B23178FA527}"/>
+              </a:ext>
+            </a:extLst>
+          </p:cNvPr>
+          <p:cNvSpPr>
+            <a:spLocks noGrp="1"/>
+          </p:cNvSpPr>
+          <p:nvPr>
+            <p:ph type="title"/>
+          </p:nvPr>
+        </p:nvSpPr>
+        <p:spPr/>
+        <p:txBody>
+          <a:bodyPr/>
+          <a:lstStyle/>
+          <a:p>
+            <a:r>
+              <a:rPr lang="en-US" altLang="zh-CN" dirty="0"/>
+              <a:t>MSIC</a:t>
+            </a:r>
+            <a:r>
+              <a:rPr lang="zh-CN" altLang="en-US" dirty="0"/>
+              <a:t> </a:t>
+            </a:r>
+            <a:r>
+              <a:rPr lang="en-US" altLang="zh-CN" dirty="0"/>
+              <a:t>overview</a:t>
+            </a:r>
+            <a:endParaRPr lang="en-US" dirty="0"/>
+          </a:p>
+        </p:txBody>
+      </p:sp>
+      <p:sp>
+        <p:nvSpPr>
+          <p:cNvPr id="3" name="Content Placeholder 2">
+            <a:extLst>
+              <a:ext uri="{FF2B5EF4-FFF2-40B4-BE49-F238E27FC236}">
+                <a16:creationId xmlns:a16="http://schemas.microsoft.com/office/drawing/2014/main" id="{7F14F8AF-B487-D548-AE8A-30ECA3C5B946}"/>
+              </a:ext>
+            </a:extLst>
+          </p:cNvPr>
+          <p:cNvSpPr>
+            <a:spLocks noGrp="1"/>
+          </p:cNvSpPr>
+          <p:nvPr>
+            <p:ph idx="1"/>
+          </p:nvPr>
+        </p:nvSpPr>
+        <p:spPr/>
+        <p:txBody>
+          <a:bodyPr/>
+          <a:lstStyle/>
+          <a:p>
+            <a:r>
+              <a:rPr lang="en-US" altLang="zh-CN" dirty="0"/>
+              <a:t>Cell outlier detection</a:t>
+            </a:r>
+          </a:p>
+          <a:p>
+            <a:r>
+              <a:rPr lang="en-US" altLang="zh-CN" dirty="0"/>
+              <a:t>Build</a:t>
+            </a:r>
+            <a:r>
+              <a:rPr lang="zh-CN" altLang="en-US" dirty="0"/>
+              <a:t> </a:t>
+            </a:r>
+            <a:r>
+              <a:rPr lang="en-US" altLang="zh-CN" dirty="0"/>
+              <a:t>gene-gene</a:t>
+            </a:r>
+            <a:r>
+              <a:rPr lang="zh-CN" altLang="en-US" dirty="0"/>
+              <a:t> </a:t>
+            </a:r>
+            <a:r>
+              <a:rPr lang="en-US" altLang="zh-CN" dirty="0"/>
+              <a:t>correlation</a:t>
+            </a:r>
+            <a:r>
+              <a:rPr lang="zh-CN" altLang="en-US" dirty="0"/>
+              <a:t> </a:t>
+            </a:r>
+            <a:r>
+              <a:rPr lang="en-US" altLang="zh-CN" dirty="0"/>
+              <a:t>network</a:t>
+            </a:r>
+          </a:p>
+          <a:p>
+            <a:r>
+              <a:rPr lang="en-US" altLang="zh-CN" dirty="0"/>
+              <a:t>Identify</a:t>
+            </a:r>
+            <a:r>
+              <a:rPr lang="zh-CN" altLang="en-US" dirty="0"/>
+              <a:t> </a:t>
+            </a:r>
+            <a:r>
+              <a:rPr lang="en-US" altLang="zh-CN" dirty="0"/>
+              <a:t>local</a:t>
+            </a:r>
+            <a:r>
+              <a:rPr lang="zh-CN" altLang="en-US" dirty="0"/>
+              <a:t> </a:t>
+            </a:r>
+            <a:r>
+              <a:rPr lang="en-US" altLang="zh-CN" dirty="0"/>
+              <a:t>centers</a:t>
+            </a:r>
+            <a:r>
+              <a:rPr lang="zh-CN" altLang="en-US" dirty="0"/>
+              <a:t> </a:t>
+            </a:r>
+            <a:r>
+              <a:rPr lang="en-US" altLang="zh-CN" dirty="0"/>
+              <a:t>of</a:t>
+            </a:r>
+            <a:r>
+              <a:rPr lang="zh-CN" altLang="en-US" dirty="0"/>
+              <a:t> </a:t>
+            </a:r>
+            <a:r>
+              <a:rPr lang="en-US" altLang="zh-CN" dirty="0"/>
+              <a:t>the</a:t>
+            </a:r>
+            <a:r>
+              <a:rPr lang="zh-CN" altLang="en-US" dirty="0"/>
+              <a:t> </a:t>
+            </a:r>
+            <a:r>
+              <a:rPr lang="en-US" altLang="zh-CN" dirty="0"/>
+              <a:t>network</a:t>
+            </a:r>
+          </a:p>
+          <a:p>
+            <a:r>
+              <a:rPr lang="en-US" altLang="zh-CN" dirty="0"/>
+              <a:t>Infer</a:t>
+            </a:r>
+            <a:r>
+              <a:rPr lang="zh-CN" altLang="en-US" dirty="0"/>
+              <a:t> </a:t>
+            </a:r>
+            <a:r>
+              <a:rPr lang="en-US" altLang="zh-CN" dirty="0"/>
+              <a:t>and</a:t>
+            </a:r>
+            <a:r>
+              <a:rPr lang="zh-CN" altLang="en-US" dirty="0"/>
+              <a:t> </a:t>
+            </a:r>
+            <a:r>
+              <a:rPr lang="en-US" altLang="zh-CN" dirty="0"/>
+              <a:t>classify</a:t>
+            </a:r>
+            <a:r>
+              <a:rPr lang="zh-CN" altLang="en-US" dirty="0"/>
+              <a:t> </a:t>
+            </a:r>
+            <a:r>
+              <a:rPr lang="en-US" altLang="zh-CN" dirty="0"/>
+              <a:t>all</a:t>
+            </a:r>
+            <a:r>
+              <a:rPr lang="zh-CN" altLang="en-US" dirty="0"/>
+              <a:t> </a:t>
+            </a:r>
+            <a:r>
+              <a:rPr lang="en-US" altLang="zh-CN" dirty="0"/>
+              <a:t>the</a:t>
+            </a:r>
+            <a:r>
+              <a:rPr lang="zh-CN" altLang="en-US" dirty="0"/>
+              <a:t> </a:t>
+            </a:r>
+            <a:r>
+              <a:rPr lang="en-US" altLang="zh-CN" dirty="0"/>
+              <a:t>marker</a:t>
+            </a:r>
+            <a:r>
+              <a:rPr lang="zh-CN" altLang="en-US" dirty="0"/>
+              <a:t> </a:t>
+            </a:r>
+            <a:r>
+              <a:rPr lang="en-US" altLang="zh-CN" dirty="0"/>
+              <a:t>modules</a:t>
+            </a:r>
+          </a:p>
+          <a:p>
+            <a:r>
+              <a:rPr lang="en-US" altLang="zh-CN" dirty="0"/>
+              <a:t>Infer</a:t>
+            </a:r>
+            <a:r>
+              <a:rPr lang="zh-CN" altLang="en-US" dirty="0"/>
+              <a:t> </a:t>
+            </a:r>
+            <a:r>
+              <a:rPr lang="en-US" altLang="zh-CN" dirty="0"/>
+              <a:t>all</a:t>
+            </a:r>
+            <a:r>
+              <a:rPr lang="zh-CN" altLang="en-US" dirty="0"/>
+              <a:t> </a:t>
+            </a:r>
+            <a:r>
+              <a:rPr lang="en-US" altLang="zh-CN" dirty="0"/>
+              <a:t>the</a:t>
+            </a:r>
+            <a:r>
+              <a:rPr lang="zh-CN" altLang="en-US" dirty="0"/>
+              <a:t> </a:t>
+            </a:r>
+            <a:r>
+              <a:rPr lang="en-US" altLang="zh-CN" dirty="0"/>
+              <a:t>subtypes</a:t>
+            </a:r>
+            <a:r>
+              <a:rPr lang="zh-CN" altLang="en-US" dirty="0"/>
+              <a:t> </a:t>
+            </a:r>
+            <a:r>
+              <a:rPr lang="en-US" altLang="zh-CN" dirty="0"/>
+              <a:t>in</a:t>
+            </a:r>
+            <a:r>
+              <a:rPr lang="zh-CN" altLang="en-US" dirty="0"/>
+              <a:t> </a:t>
+            </a:r>
+            <a:r>
+              <a:rPr lang="en-US" altLang="zh-CN" dirty="0"/>
+              <a:t>the</a:t>
+            </a:r>
+            <a:r>
+              <a:rPr lang="zh-CN" altLang="en-US" dirty="0"/>
+              <a:t> </a:t>
+            </a:r>
+            <a:r>
+              <a:rPr lang="en-US" altLang="zh-CN" dirty="0"/>
+              <a:t>cell</a:t>
+            </a:r>
+            <a:r>
+              <a:rPr lang="zh-CN" altLang="en-US" dirty="0"/>
+              <a:t> </a:t>
+            </a:r>
+            <a:r>
+              <a:rPr lang="en-US" altLang="zh-CN" dirty="0"/>
+              <a:t>group</a:t>
+            </a:r>
+          </a:p>
+          <a:p>
+            <a:endParaRPr lang="en-US" dirty="0"/>
+          </a:p>
+        </p:txBody>
+      </p:sp>
+    </p:spTree>
+    <p:extLst>
+      <p:ext uri="{BB962C8B-B14F-4D97-AF65-F5344CB8AC3E}">
+        <p14:creationId xmlns:p14="http://schemas.microsoft.com/office/powerpoint/2010/main" val="4274132065"/>
       </p:ext>
     </p:extLst>
   </p:cSld>

--- a/MSIC.pptx
+++ b/MSIC.pptx
@@ -4,6 +4,9 @@
   <p:sldMasterIdLst>
     <p:sldMasterId id="2147483648" r:id="rId1"/>
   </p:sldMasterIdLst>
+  <p:notesMasterIdLst>
+    <p:notesMasterId r:id="rId23"/>
+  </p:notesMasterIdLst>
   <p:sldIdLst>
     <p:sldId id="256" r:id="rId2"/>
     <p:sldId id="257" r:id="rId3"/>
@@ -16,15 +19,16 @@
     <p:sldId id="260" r:id="rId10"/>
     <p:sldId id="259" r:id="rId11"/>
     <p:sldId id="272" r:id="rId12"/>
-    <p:sldId id="273" r:id="rId13"/>
-    <p:sldId id="274" r:id="rId14"/>
-    <p:sldId id="275" r:id="rId15"/>
-    <p:sldId id="265" r:id="rId16"/>
-    <p:sldId id="266" r:id="rId17"/>
-    <p:sldId id="258" r:id="rId18"/>
-    <p:sldId id="264" r:id="rId19"/>
+    <p:sldId id="277" r:id="rId13"/>
+    <p:sldId id="273" r:id="rId14"/>
+    <p:sldId id="274" r:id="rId15"/>
+    <p:sldId id="275" r:id="rId16"/>
+    <p:sldId id="265" r:id="rId17"/>
+    <p:sldId id="266" r:id="rId18"/>
+    <p:sldId id="258" r:id="rId19"/>
     <p:sldId id="261" r:id="rId20"/>
-    <p:sldId id="276" r:id="rId21"/>
+    <p:sldId id="264" r:id="rId21"/>
+    <p:sldId id="276" r:id="rId22"/>
   </p:sldIdLst>
   <p:sldSz cx="12192000" cy="6858000"/>
   <p:notesSz cx="6858000" cy="9144000"/>
@@ -131,6 +135,467 @@
 </p:presentation>
 </file>
 
+<file path=ppt/notesMasters/notesMaster1.xml><?xml version="1.0" encoding="utf-8"?>
+<p:notesMaster xmlns:a="http://schemas.openxmlformats.org/drawingml/2006/main" xmlns:r="http://schemas.openxmlformats.org/officeDocument/2006/relationships" xmlns:p="http://schemas.openxmlformats.org/presentationml/2006/main">
+  <p:cSld>
+    <p:bg>
+      <p:bgRef idx="1001">
+        <a:schemeClr val="bg1"/>
+      </p:bgRef>
+    </p:bg>
+    <p:spTree>
+      <p:nvGrpSpPr>
+        <p:cNvPr id="1" name=""/>
+        <p:cNvGrpSpPr/>
+        <p:nvPr/>
+      </p:nvGrpSpPr>
+      <p:grpSpPr>
+        <a:xfrm>
+          <a:off x="0" y="0"/>
+          <a:ext cx="0" cy="0"/>
+          <a:chOff x="0" y="0"/>
+          <a:chExt cx="0" cy="0"/>
+        </a:xfrm>
+      </p:grpSpPr>
+      <p:sp>
+        <p:nvSpPr>
+          <p:cNvPr id="2" name="Header Placeholder 1"/>
+          <p:cNvSpPr>
+            <a:spLocks noGrp="1"/>
+          </p:cNvSpPr>
+          <p:nvPr>
+            <p:ph type="hdr" sz="quarter"/>
+          </p:nvPr>
+        </p:nvSpPr>
+        <p:spPr>
+          <a:xfrm>
+            <a:off x="0" y="0"/>
+            <a:ext cx="2971800" cy="458788"/>
+          </a:xfrm>
+          <a:prstGeom prst="rect">
+            <a:avLst/>
+          </a:prstGeom>
+        </p:spPr>
+        <p:txBody>
+          <a:bodyPr vert="horz" lIns="91440" tIns="45720" rIns="91440" bIns="45720" rtlCol="0"/>
+          <a:lstStyle>
+            <a:lvl1pPr algn="l">
+              <a:defRPr sz="1200"/>
+            </a:lvl1pPr>
+          </a:lstStyle>
+          <a:p>
+            <a:endParaRPr lang="en-US"/>
+          </a:p>
+        </p:txBody>
+      </p:sp>
+      <p:sp>
+        <p:nvSpPr>
+          <p:cNvPr id="3" name="Date Placeholder 2"/>
+          <p:cNvSpPr>
+            <a:spLocks noGrp="1"/>
+          </p:cNvSpPr>
+          <p:nvPr>
+            <p:ph type="dt" idx="1"/>
+          </p:nvPr>
+        </p:nvSpPr>
+        <p:spPr>
+          <a:xfrm>
+            <a:off x="3884613" y="0"/>
+            <a:ext cx="2971800" cy="458788"/>
+          </a:xfrm>
+          <a:prstGeom prst="rect">
+            <a:avLst/>
+          </a:prstGeom>
+        </p:spPr>
+        <p:txBody>
+          <a:bodyPr vert="horz" lIns="91440" tIns="45720" rIns="91440" bIns="45720" rtlCol="0"/>
+          <a:lstStyle>
+            <a:lvl1pPr algn="r">
+              <a:defRPr sz="1200"/>
+            </a:lvl1pPr>
+          </a:lstStyle>
+          <a:p>
+            <a:fld id="{1BE89D73-3586-AB4E-ABE5-6376A7DDD840}" type="datetimeFigureOut">
+              <a:rPr lang="en-US" smtClean="0"/>
+              <a:t>7/10/18</a:t>
+            </a:fld>
+            <a:endParaRPr lang="en-US"/>
+          </a:p>
+        </p:txBody>
+      </p:sp>
+      <p:sp>
+        <p:nvSpPr>
+          <p:cNvPr id="4" name="Slide Image Placeholder 3"/>
+          <p:cNvSpPr>
+            <a:spLocks noGrp="1" noRot="1" noChangeAspect="1"/>
+          </p:cNvSpPr>
+          <p:nvPr>
+            <p:ph type="sldImg" idx="2"/>
+          </p:nvPr>
+        </p:nvSpPr>
+        <p:spPr>
+          <a:xfrm>
+            <a:off x="685800" y="1143000"/>
+            <a:ext cx="5486400" cy="3086100"/>
+          </a:xfrm>
+          <a:prstGeom prst="rect">
+            <a:avLst/>
+          </a:prstGeom>
+          <a:noFill/>
+          <a:ln w="12700">
+            <a:solidFill>
+              <a:prstClr val="black"/>
+            </a:solidFill>
+          </a:ln>
+        </p:spPr>
+        <p:txBody>
+          <a:bodyPr vert="horz" lIns="91440" tIns="45720" rIns="91440" bIns="45720" rtlCol="0" anchor="ctr"/>
+          <a:lstStyle/>
+          <a:p>
+            <a:endParaRPr lang="en-US"/>
+          </a:p>
+        </p:txBody>
+      </p:sp>
+      <p:sp>
+        <p:nvSpPr>
+          <p:cNvPr id="5" name="Notes Placeholder 4"/>
+          <p:cNvSpPr>
+            <a:spLocks noGrp="1"/>
+          </p:cNvSpPr>
+          <p:nvPr>
+            <p:ph type="body" sz="quarter" idx="3"/>
+          </p:nvPr>
+        </p:nvSpPr>
+        <p:spPr>
+          <a:xfrm>
+            <a:off x="685800" y="4400550"/>
+            <a:ext cx="5486400" cy="3600450"/>
+          </a:xfrm>
+          <a:prstGeom prst="rect">
+            <a:avLst/>
+          </a:prstGeom>
+        </p:spPr>
+        <p:txBody>
+          <a:bodyPr vert="horz" lIns="91440" tIns="45720" rIns="91440" bIns="45720" rtlCol="0"/>
+          <a:lstStyle/>
+          <a:p>
+            <a:pPr lvl="0"/>
+            <a:r>
+              <a:rPr lang="en-US"/>
+              <a:t>Edit Master text styles</a:t>
+            </a:r>
+          </a:p>
+          <a:p>
+            <a:pPr lvl="1"/>
+            <a:r>
+              <a:rPr lang="en-US"/>
+              <a:t>Second level</a:t>
+            </a:r>
+          </a:p>
+          <a:p>
+            <a:pPr lvl="2"/>
+            <a:r>
+              <a:rPr lang="en-US"/>
+              <a:t>Third level</a:t>
+            </a:r>
+          </a:p>
+          <a:p>
+            <a:pPr lvl="3"/>
+            <a:r>
+              <a:rPr lang="en-US"/>
+              <a:t>Fourth level</a:t>
+            </a:r>
+          </a:p>
+          <a:p>
+            <a:pPr lvl="4"/>
+            <a:r>
+              <a:rPr lang="en-US"/>
+              <a:t>Fifth level</a:t>
+            </a:r>
+          </a:p>
+        </p:txBody>
+      </p:sp>
+      <p:sp>
+        <p:nvSpPr>
+          <p:cNvPr id="6" name="Footer Placeholder 5"/>
+          <p:cNvSpPr>
+            <a:spLocks noGrp="1"/>
+          </p:cNvSpPr>
+          <p:nvPr>
+            <p:ph type="ftr" sz="quarter" idx="4"/>
+          </p:nvPr>
+        </p:nvSpPr>
+        <p:spPr>
+          <a:xfrm>
+            <a:off x="0" y="8685213"/>
+            <a:ext cx="2971800" cy="458787"/>
+          </a:xfrm>
+          <a:prstGeom prst="rect">
+            <a:avLst/>
+          </a:prstGeom>
+        </p:spPr>
+        <p:txBody>
+          <a:bodyPr vert="horz" lIns="91440" tIns="45720" rIns="91440" bIns="45720" rtlCol="0" anchor="b"/>
+          <a:lstStyle>
+            <a:lvl1pPr algn="l">
+              <a:defRPr sz="1200"/>
+            </a:lvl1pPr>
+          </a:lstStyle>
+          <a:p>
+            <a:endParaRPr lang="en-US"/>
+          </a:p>
+        </p:txBody>
+      </p:sp>
+      <p:sp>
+        <p:nvSpPr>
+          <p:cNvPr id="7" name="Slide Number Placeholder 6"/>
+          <p:cNvSpPr>
+            <a:spLocks noGrp="1"/>
+          </p:cNvSpPr>
+          <p:nvPr>
+            <p:ph type="sldNum" sz="quarter" idx="5"/>
+          </p:nvPr>
+        </p:nvSpPr>
+        <p:spPr>
+          <a:xfrm>
+            <a:off x="3884613" y="8685213"/>
+            <a:ext cx="2971800" cy="458787"/>
+          </a:xfrm>
+          <a:prstGeom prst="rect">
+            <a:avLst/>
+          </a:prstGeom>
+        </p:spPr>
+        <p:txBody>
+          <a:bodyPr vert="horz" lIns="91440" tIns="45720" rIns="91440" bIns="45720" rtlCol="0" anchor="b"/>
+          <a:lstStyle>
+            <a:lvl1pPr algn="r">
+              <a:defRPr sz="1200"/>
+            </a:lvl1pPr>
+          </a:lstStyle>
+          <a:p>
+            <a:fld id="{48038767-2FED-7F4E-B996-0171036142CA}" type="slidenum">
+              <a:rPr lang="en-US" smtClean="0"/>
+              <a:t>‹#›</a:t>
+            </a:fld>
+            <a:endParaRPr lang="en-US"/>
+          </a:p>
+        </p:txBody>
+      </p:sp>
+    </p:spTree>
+    <p:extLst>
+      <p:ext uri="{BB962C8B-B14F-4D97-AF65-F5344CB8AC3E}">
+        <p14:creationId xmlns:p14="http://schemas.microsoft.com/office/powerpoint/2010/main" val="1661882917"/>
+      </p:ext>
+    </p:extLst>
+  </p:cSld>
+  <p:clrMap bg1="lt1" tx1="dk1" bg2="lt2" tx2="dk2" accent1="accent1" accent2="accent2" accent3="accent3" accent4="accent4" accent5="accent5" accent6="accent6" hlink="hlink" folHlink="folHlink"/>
+  <p:notesStyle>
+    <a:lvl1pPr marL="0" algn="l" defTabSz="914400" rtl="0" eaLnBrk="1" latinLnBrk="0" hangingPunct="1">
+      <a:defRPr sz="1200" kern="1200">
+        <a:solidFill>
+          <a:schemeClr val="tx1"/>
+        </a:solidFill>
+        <a:latin typeface="+mn-lt"/>
+        <a:ea typeface="+mn-ea"/>
+        <a:cs typeface="+mn-cs"/>
+      </a:defRPr>
+    </a:lvl1pPr>
+    <a:lvl2pPr marL="457200" algn="l" defTabSz="914400" rtl="0" eaLnBrk="1" latinLnBrk="0" hangingPunct="1">
+      <a:defRPr sz="1200" kern="1200">
+        <a:solidFill>
+          <a:schemeClr val="tx1"/>
+        </a:solidFill>
+        <a:latin typeface="+mn-lt"/>
+        <a:ea typeface="+mn-ea"/>
+        <a:cs typeface="+mn-cs"/>
+      </a:defRPr>
+    </a:lvl2pPr>
+    <a:lvl3pPr marL="914400" algn="l" defTabSz="914400" rtl="0" eaLnBrk="1" latinLnBrk="0" hangingPunct="1">
+      <a:defRPr sz="1200" kern="1200">
+        <a:solidFill>
+          <a:schemeClr val="tx1"/>
+        </a:solidFill>
+        <a:latin typeface="+mn-lt"/>
+        <a:ea typeface="+mn-ea"/>
+        <a:cs typeface="+mn-cs"/>
+      </a:defRPr>
+    </a:lvl3pPr>
+    <a:lvl4pPr marL="1371600" algn="l" defTabSz="914400" rtl="0" eaLnBrk="1" latinLnBrk="0" hangingPunct="1">
+      <a:defRPr sz="1200" kern="1200">
+        <a:solidFill>
+          <a:schemeClr val="tx1"/>
+        </a:solidFill>
+        <a:latin typeface="+mn-lt"/>
+        <a:ea typeface="+mn-ea"/>
+        <a:cs typeface="+mn-cs"/>
+      </a:defRPr>
+    </a:lvl4pPr>
+    <a:lvl5pPr marL="1828800" algn="l" defTabSz="914400" rtl="0" eaLnBrk="1" latinLnBrk="0" hangingPunct="1">
+      <a:defRPr sz="1200" kern="1200">
+        <a:solidFill>
+          <a:schemeClr val="tx1"/>
+        </a:solidFill>
+        <a:latin typeface="+mn-lt"/>
+        <a:ea typeface="+mn-ea"/>
+        <a:cs typeface="+mn-cs"/>
+      </a:defRPr>
+    </a:lvl5pPr>
+    <a:lvl6pPr marL="2286000" algn="l" defTabSz="914400" rtl="0" eaLnBrk="1" latinLnBrk="0" hangingPunct="1">
+      <a:defRPr sz="1200" kern="1200">
+        <a:solidFill>
+          <a:schemeClr val="tx1"/>
+        </a:solidFill>
+        <a:latin typeface="+mn-lt"/>
+        <a:ea typeface="+mn-ea"/>
+        <a:cs typeface="+mn-cs"/>
+      </a:defRPr>
+    </a:lvl6pPr>
+    <a:lvl7pPr marL="2743200" algn="l" defTabSz="914400" rtl="0" eaLnBrk="1" latinLnBrk="0" hangingPunct="1">
+      <a:defRPr sz="1200" kern="1200">
+        <a:solidFill>
+          <a:schemeClr val="tx1"/>
+        </a:solidFill>
+        <a:latin typeface="+mn-lt"/>
+        <a:ea typeface="+mn-ea"/>
+        <a:cs typeface="+mn-cs"/>
+      </a:defRPr>
+    </a:lvl7pPr>
+    <a:lvl8pPr marL="3200400" algn="l" defTabSz="914400" rtl="0" eaLnBrk="1" latinLnBrk="0" hangingPunct="1">
+      <a:defRPr sz="1200" kern="1200">
+        <a:solidFill>
+          <a:schemeClr val="tx1"/>
+        </a:solidFill>
+        <a:latin typeface="+mn-lt"/>
+        <a:ea typeface="+mn-ea"/>
+        <a:cs typeface="+mn-cs"/>
+      </a:defRPr>
+    </a:lvl8pPr>
+    <a:lvl9pPr marL="3657600" algn="l" defTabSz="914400" rtl="0" eaLnBrk="1" latinLnBrk="0" hangingPunct="1">
+      <a:defRPr sz="1200" kern="1200">
+        <a:solidFill>
+          <a:schemeClr val="tx1"/>
+        </a:solidFill>
+        <a:latin typeface="+mn-lt"/>
+        <a:ea typeface="+mn-ea"/>
+        <a:cs typeface="+mn-cs"/>
+      </a:defRPr>
+    </a:lvl9pPr>
+  </p:notesStyle>
+</p:notesMaster>
+</file>
+
+<file path=ppt/notesSlides/notesSlide1.xml><?xml version="1.0" encoding="utf-8"?>
+<p:notes xmlns:a="http://schemas.openxmlformats.org/drawingml/2006/main" xmlns:r="http://schemas.openxmlformats.org/officeDocument/2006/relationships" xmlns:p="http://schemas.openxmlformats.org/presentationml/2006/main">
+  <p:cSld>
+    <p:spTree>
+      <p:nvGrpSpPr>
+        <p:cNvPr id="1" name=""/>
+        <p:cNvGrpSpPr/>
+        <p:nvPr/>
+      </p:nvGrpSpPr>
+      <p:grpSpPr>
+        <a:xfrm>
+          <a:off x="0" y="0"/>
+          <a:ext cx="0" cy="0"/>
+          <a:chOff x="0" y="0"/>
+          <a:chExt cx="0" cy="0"/>
+        </a:xfrm>
+      </p:grpSpPr>
+      <p:sp>
+        <p:nvSpPr>
+          <p:cNvPr id="2" name="Slide Image Placeholder 1"/>
+          <p:cNvSpPr>
+            <a:spLocks noGrp="1" noRot="1" noChangeAspect="1"/>
+          </p:cNvSpPr>
+          <p:nvPr>
+            <p:ph type="sldImg"/>
+          </p:nvPr>
+        </p:nvSpPr>
+        <p:spPr/>
+      </p:sp>
+      <p:sp>
+        <p:nvSpPr>
+          <p:cNvPr id="3" name="Notes Placeholder 2"/>
+          <p:cNvSpPr>
+            <a:spLocks noGrp="1"/>
+          </p:cNvSpPr>
+          <p:nvPr>
+            <p:ph type="body" idx="1"/>
+          </p:nvPr>
+        </p:nvSpPr>
+        <p:spPr/>
+        <p:txBody>
+          <a:bodyPr/>
+          <a:lstStyle/>
+          <a:p>
+            <a:r>
+              <a:rPr lang="en-US" dirty="0"/>
+              <a:t>Recent studies demonstrate that de novo cell type discovery of functionally distinct cell subpopulations is possible via the unbiased analysis of </a:t>
+            </a:r>
+            <a:r>
+              <a:rPr lang="en-US" dirty="0" err="1"/>
+              <a:t>scRNA-seq</a:t>
+            </a:r>
+            <a:r>
+              <a:rPr lang="en-US" dirty="0"/>
+              <a:t> data2–4.</a:t>
+            </a:r>
+          </a:p>
+          <a:p>
+            <a:r>
+              <a:rPr lang="en-US" dirty="0"/>
+              <a:t>A key advantage of single-cell RNA sequencing (</a:t>
+            </a:r>
+            <a:r>
+              <a:rPr lang="en-US" dirty="0" err="1"/>
+              <a:t>scRNA-seq</a:t>
+            </a:r>
+            <a:r>
+              <a:rPr lang="en-US" dirty="0"/>
+              <a:t>) is that it can be used to determine cell types in an unbiased way by submitting transcriptomes to unsupervised clustering1–3.</a:t>
+            </a:r>
+          </a:p>
+          <a:p>
+            <a:endParaRPr lang="en-US" dirty="0"/>
+          </a:p>
+        </p:txBody>
+      </p:sp>
+      <p:sp>
+        <p:nvSpPr>
+          <p:cNvPr id="4" name="Slide Number Placeholder 3"/>
+          <p:cNvSpPr>
+            <a:spLocks noGrp="1"/>
+          </p:cNvSpPr>
+          <p:nvPr>
+            <p:ph type="sldNum" sz="quarter" idx="10"/>
+          </p:nvPr>
+        </p:nvSpPr>
+        <p:spPr/>
+        <p:txBody>
+          <a:bodyPr/>
+          <a:lstStyle/>
+          <a:p>
+            <a:fld id="{48038767-2FED-7F4E-B996-0171036142CA}" type="slidenum">
+              <a:rPr lang="en-US" smtClean="0"/>
+              <a:t>3</a:t>
+            </a:fld>
+            <a:endParaRPr lang="en-US"/>
+          </a:p>
+        </p:txBody>
+      </p:sp>
+    </p:spTree>
+    <p:extLst>
+      <p:ext uri="{BB962C8B-B14F-4D97-AF65-F5344CB8AC3E}">
+        <p14:creationId xmlns:p14="http://schemas.microsoft.com/office/powerpoint/2010/main" val="661897945"/>
+      </p:ext>
+    </p:extLst>
+  </p:cSld>
+  <p:clrMapOvr>
+    <a:masterClrMapping/>
+  </p:clrMapOvr>
+</p:notes>
+</file>
+
 <file path=ppt/slideLayouts/slideLayout1.xml><?xml version="1.0" encoding="utf-8"?>
 <p:sldLayout xmlns:a="http://schemas.openxmlformats.org/drawingml/2006/main" xmlns:r="http://schemas.openxmlformats.org/officeDocument/2006/relationships" xmlns:p="http://schemas.openxmlformats.org/presentationml/2006/main" type="title" preserve="1">
   <p:cSld name="Title Slide">
@@ -278,7 +743,7 @@
           <a:p>
             <a:fld id="{B1214E4E-9C06-3548-95CB-24D098365B31}" type="datetimeFigureOut">
               <a:rPr lang="en-US" smtClean="0"/>
-              <a:t>7/9/18</a:t>
+              <a:t>7/10/18</a:t>
             </a:fld>
             <a:endParaRPr lang="en-US"/>
           </a:p>
@@ -476,7 +941,7 @@
           <a:p>
             <a:fld id="{B1214E4E-9C06-3548-95CB-24D098365B31}" type="datetimeFigureOut">
               <a:rPr lang="en-US" smtClean="0"/>
-              <a:t>7/9/18</a:t>
+              <a:t>7/10/18</a:t>
             </a:fld>
             <a:endParaRPr lang="en-US"/>
           </a:p>
@@ -684,7 +1149,7 @@
           <a:p>
             <a:fld id="{B1214E4E-9C06-3548-95CB-24D098365B31}" type="datetimeFigureOut">
               <a:rPr lang="en-US" smtClean="0"/>
-              <a:t>7/9/18</a:t>
+              <a:t>7/10/18</a:t>
             </a:fld>
             <a:endParaRPr lang="en-US"/>
           </a:p>
@@ -882,7 +1347,7 @@
           <a:p>
             <a:fld id="{B1214E4E-9C06-3548-95CB-24D098365B31}" type="datetimeFigureOut">
               <a:rPr lang="en-US" smtClean="0"/>
-              <a:t>7/9/18</a:t>
+              <a:t>7/10/18</a:t>
             </a:fld>
             <a:endParaRPr lang="en-US"/>
           </a:p>
@@ -1157,7 +1622,7 @@
           <a:p>
             <a:fld id="{B1214E4E-9C06-3548-95CB-24D098365B31}" type="datetimeFigureOut">
               <a:rPr lang="en-US" smtClean="0"/>
-              <a:t>7/9/18</a:t>
+              <a:t>7/10/18</a:t>
             </a:fld>
             <a:endParaRPr lang="en-US"/>
           </a:p>
@@ -1422,7 +1887,7 @@
           <a:p>
             <a:fld id="{B1214E4E-9C06-3548-95CB-24D098365B31}" type="datetimeFigureOut">
               <a:rPr lang="en-US" smtClean="0"/>
-              <a:t>7/9/18</a:t>
+              <a:t>7/10/18</a:t>
             </a:fld>
             <a:endParaRPr lang="en-US"/>
           </a:p>
@@ -1834,7 +2299,7 @@
           <a:p>
             <a:fld id="{B1214E4E-9C06-3548-95CB-24D098365B31}" type="datetimeFigureOut">
               <a:rPr lang="en-US" smtClean="0"/>
-              <a:t>7/9/18</a:t>
+              <a:t>7/10/18</a:t>
             </a:fld>
             <a:endParaRPr lang="en-US"/>
           </a:p>
@@ -1975,7 +2440,7 @@
           <a:p>
             <a:fld id="{B1214E4E-9C06-3548-95CB-24D098365B31}" type="datetimeFigureOut">
               <a:rPr lang="en-US" smtClean="0"/>
-              <a:t>7/9/18</a:t>
+              <a:t>7/10/18</a:t>
             </a:fld>
             <a:endParaRPr lang="en-US"/>
           </a:p>
@@ -2088,7 +2553,7 @@
           <a:p>
             <a:fld id="{B1214E4E-9C06-3548-95CB-24D098365B31}" type="datetimeFigureOut">
               <a:rPr lang="en-US" smtClean="0"/>
-              <a:t>7/9/18</a:t>
+              <a:t>7/10/18</a:t>
             </a:fld>
             <a:endParaRPr lang="en-US"/>
           </a:p>
@@ -2399,7 +2864,7 @@
           <a:p>
             <a:fld id="{B1214E4E-9C06-3548-95CB-24D098365B31}" type="datetimeFigureOut">
               <a:rPr lang="en-US" smtClean="0"/>
-              <a:t>7/9/18</a:t>
+              <a:t>7/10/18</a:t>
             </a:fld>
             <a:endParaRPr lang="en-US"/>
           </a:p>
@@ -2687,7 +3152,7 @@
           <a:p>
             <a:fld id="{B1214E4E-9C06-3548-95CB-24D098365B31}" type="datetimeFigureOut">
               <a:rPr lang="en-US" smtClean="0"/>
-              <a:t>7/9/18</a:t>
+              <a:t>7/10/18</a:t>
             </a:fld>
             <a:endParaRPr lang="en-US"/>
           </a:p>
@@ -2928,7 +3393,7 @@
           <a:p>
             <a:fld id="{B1214E4E-9C06-3548-95CB-24D098365B31}" type="datetimeFigureOut">
               <a:rPr lang="en-US" smtClean="0"/>
-              <a:t>7/9/18</a:t>
+              <a:t>7/10/18</a:t>
             </a:fld>
             <a:endParaRPr lang="en-US"/>
           </a:p>
@@ -3374,10 +3839,6 @@
           <a:lstStyle/>
           <a:p>
             <a:r>
-              <a:rPr lang="en-US" altLang="zh-CN" b="1" dirty="0"/>
-              <a:t>(MSIC) </a:t>
-            </a:r>
-            <a:r>
               <a:rPr lang="en-HK" b="1" dirty="0">
                 <a:solidFill>
                   <a:srgbClr val="FF0000"/>
@@ -3718,31 +4179,66 @@
           </a:p>
         </p:txBody>
       </p:sp>
-      <p:sp>
-        <p:nvSpPr>
-          <p:cNvPr id="3" name="Content Placeholder 2">
-            <a:extLst>
-              <a:ext uri="{FF2B5EF4-FFF2-40B4-BE49-F238E27FC236}">
-                <a16:creationId xmlns:a16="http://schemas.microsoft.com/office/drawing/2014/main" id="{EC4CC89C-531F-A944-B9A4-0FF2FBF282E2}"/>
-              </a:ext>
-            </a:extLst>
-          </p:cNvPr>
-          <p:cNvSpPr>
-            <a:spLocks noGrp="1"/>
-          </p:cNvSpPr>
-          <p:nvPr>
-            <p:ph idx="1"/>
-          </p:nvPr>
-        </p:nvSpPr>
-        <p:spPr/>
-        <p:txBody>
-          <a:bodyPr/>
-          <a:lstStyle/>
-          <a:p>
-            <a:endParaRPr lang="en-US" dirty="0"/>
-          </a:p>
-        </p:txBody>
-      </p:sp>
+      <p:pic>
+        <p:nvPicPr>
+          <p:cNvPr id="5" name="Picture 4">
+            <a:extLst>
+              <a:ext uri="{FF2B5EF4-FFF2-40B4-BE49-F238E27FC236}">
+                <a16:creationId xmlns:a16="http://schemas.microsoft.com/office/drawing/2014/main" id="{E9DC3812-260E-6143-8307-4640A03E44C0}"/>
+              </a:ext>
+            </a:extLst>
+          </p:cNvPr>
+          <p:cNvPicPr>
+            <a:picLocks noChangeAspect="1"/>
+          </p:cNvPicPr>
+          <p:nvPr/>
+        </p:nvPicPr>
+        <p:blipFill>
+          <a:blip r:embed="rId2"/>
+          <a:stretch>
+            <a:fillRect/>
+          </a:stretch>
+        </p:blipFill>
+        <p:spPr>
+          <a:xfrm>
+            <a:off x="696000" y="1990059"/>
+            <a:ext cx="5400000" cy="4284507"/>
+          </a:xfrm>
+          <a:prstGeom prst="rect">
+            <a:avLst/>
+          </a:prstGeom>
+        </p:spPr>
+      </p:pic>
+      <p:pic>
+        <p:nvPicPr>
+          <p:cNvPr id="6" name="Picture 5">
+            <a:extLst>
+              <a:ext uri="{FF2B5EF4-FFF2-40B4-BE49-F238E27FC236}">
+                <a16:creationId xmlns:a16="http://schemas.microsoft.com/office/drawing/2014/main" id="{59BB2EF9-6D06-6E49-A865-D5A4B5441226}"/>
+              </a:ext>
+            </a:extLst>
+          </p:cNvPr>
+          <p:cNvPicPr>
+            <a:picLocks noChangeAspect="1"/>
+          </p:cNvPicPr>
+          <p:nvPr/>
+        </p:nvPicPr>
+        <p:blipFill>
+          <a:blip r:embed="rId3"/>
+          <a:stretch>
+            <a:fillRect/>
+          </a:stretch>
+        </p:blipFill>
+        <p:spPr>
+          <a:xfrm>
+            <a:off x="6238391" y="1990059"/>
+            <a:ext cx="5400000" cy="4284507"/>
+          </a:xfrm>
+          <a:prstGeom prst="rect">
+            <a:avLst/>
+          </a:prstGeom>
+        </p:spPr>
+      </p:pic>
     </p:spTree>
     <p:extLst>
       <p:ext uri="{BB962C8B-B14F-4D97-AF65-F5344CB8AC3E}">
@@ -3778,7 +4274,7 @@
           <p:cNvPr id="2" name="Title 1">
             <a:extLst>
               <a:ext uri="{FF2B5EF4-FFF2-40B4-BE49-F238E27FC236}">
-                <a16:creationId xmlns:a16="http://schemas.microsoft.com/office/drawing/2014/main" id="{731A09BF-60BC-6742-AE03-54E391737555}"/>
+                <a16:creationId xmlns:a16="http://schemas.microsoft.com/office/drawing/2014/main" id="{EF3B32D8-7132-7244-A198-D717AAB02B8A}"/>
               </a:ext>
             </a:extLst>
           </p:cNvPr>
@@ -3794,27 +4290,7 @@
           <a:bodyPr/>
           <a:lstStyle/>
           <a:p>
-            <a:r>
-              <a:rPr lang="en-US" altLang="zh-CN" dirty="0"/>
-              <a:t>Why</a:t>
-            </a:r>
-            <a:r>
-              <a:rPr lang="zh-CN" altLang="en-US" dirty="0"/>
-              <a:t> </a:t>
-            </a:r>
-            <a:r>
-              <a:rPr lang="en-US" altLang="zh-CN" dirty="0"/>
-              <a:t>using</a:t>
-            </a:r>
-            <a:r>
-              <a:rPr lang="zh-CN" altLang="en-US" dirty="0"/>
-              <a:t> </a:t>
-            </a:r>
-            <a:r>
-              <a:rPr lang="en-US" altLang="zh-CN" dirty="0"/>
-              <a:t>correlation?</a:t>
-            </a:r>
-            <a:endParaRPr lang="en-US" dirty="0"/>
+            <a:endParaRPr lang="en-US"/>
           </a:p>
         </p:txBody>
       </p:sp>
@@ -3823,7 +4299,7 @@
           <p:cNvPr id="3" name="Content Placeholder 2">
             <a:extLst>
               <a:ext uri="{FF2B5EF4-FFF2-40B4-BE49-F238E27FC236}">
-                <a16:creationId xmlns:a16="http://schemas.microsoft.com/office/drawing/2014/main" id="{C8C56F51-0D43-1746-B278-7514930C24BC}"/>
+                <a16:creationId xmlns:a16="http://schemas.microsoft.com/office/drawing/2014/main" id="{81976AB9-980F-634B-AB22-00659CF21A4D}"/>
               </a:ext>
             </a:extLst>
           </p:cNvPr>
@@ -3839,14 +4315,14 @@
           <a:bodyPr/>
           <a:lstStyle/>
           <a:p>
-            <a:endParaRPr lang="en-US" dirty="0"/>
+            <a:endParaRPr lang="en-US"/>
           </a:p>
         </p:txBody>
       </p:sp>
     </p:spTree>
     <p:extLst>
       <p:ext uri="{BB962C8B-B14F-4D97-AF65-F5344CB8AC3E}">
-        <p14:creationId xmlns:p14="http://schemas.microsoft.com/office/powerpoint/2010/main" val="4015143427"/>
+        <p14:creationId xmlns:p14="http://schemas.microsoft.com/office/powerpoint/2010/main" val="824370091"/>
       </p:ext>
     </p:extLst>
   </p:cSld>
@@ -3857,7 +4333,7 @@
 </file>
 
 <file path=ppt/slides/slide13.xml><?xml version="1.0" encoding="utf-8"?>
-<p:sld xmlns:a="http://schemas.openxmlformats.org/drawingml/2006/main" xmlns:r="http://schemas.openxmlformats.org/officeDocument/2006/relationships" xmlns:p="http://schemas.openxmlformats.org/presentationml/2006/main">
+<p:sld xmlns:a="http://schemas.openxmlformats.org/drawingml/2006/main" xmlns:r="http://schemas.openxmlformats.org/officeDocument/2006/relationships" xmlns:p="http://schemas.openxmlformats.org/presentationml/2006/main" show="0">
   <p:cSld>
     <p:spTree>
       <p:nvGrpSpPr>
@@ -3878,7 +4354,7 @@
           <p:cNvPr id="2" name="Title 1">
             <a:extLst>
               <a:ext uri="{FF2B5EF4-FFF2-40B4-BE49-F238E27FC236}">
-                <a16:creationId xmlns:a16="http://schemas.microsoft.com/office/drawing/2014/main" id="{88357D04-9899-D446-A6AB-FD9CE7470476}"/>
+                <a16:creationId xmlns:a16="http://schemas.microsoft.com/office/drawing/2014/main" id="{731A09BF-60BC-6742-AE03-54E391737555}"/>
               </a:ext>
             </a:extLst>
           </p:cNvPr>
@@ -3896,31 +4372,23 @@
           <a:p>
             <a:r>
               <a:rPr lang="en-US" altLang="zh-CN" dirty="0"/>
-              <a:t>Local</a:t>
-            </a:r>
-            <a:r>
-              <a:rPr lang="zh-CN" altLang="en-US" dirty="0"/>
-              <a:t> </a:t>
-            </a:r>
-            <a:r>
-              <a:rPr lang="en-US" altLang="zh-CN" dirty="0"/>
-              <a:t>center</a:t>
-            </a:r>
-            <a:r>
-              <a:rPr lang="zh-CN" altLang="en-US" dirty="0"/>
-              <a:t> </a:t>
-            </a:r>
-            <a:r>
-              <a:rPr lang="en-US" altLang="zh-CN" dirty="0"/>
-              <a:t>identification</a:t>
-            </a:r>
-            <a:r>
-              <a:rPr lang="zh-CN" altLang="en-US" dirty="0"/>
-              <a:t> </a:t>
-            </a:r>
-            <a:r>
-              <a:rPr lang="en-US" altLang="zh-CN" dirty="0"/>
-              <a:t>algorithm</a:t>
+              <a:t>Why</a:t>
+            </a:r>
+            <a:r>
+              <a:rPr lang="zh-CN" altLang="en-US" dirty="0"/>
+              <a:t> </a:t>
+            </a:r>
+            <a:r>
+              <a:rPr lang="en-US" altLang="zh-CN" dirty="0"/>
+              <a:t>using</a:t>
+            </a:r>
+            <a:r>
+              <a:rPr lang="zh-CN" altLang="en-US" dirty="0"/>
+              <a:t> </a:t>
+            </a:r>
+            <a:r>
+              <a:rPr lang="en-US" altLang="zh-CN" dirty="0"/>
+              <a:t>correlation?</a:t>
             </a:r>
             <a:endParaRPr lang="en-US" dirty="0"/>
           </a:p>
@@ -3931,7 +4399,7 @@
           <p:cNvPr id="3" name="Content Placeholder 2">
             <a:extLst>
               <a:ext uri="{FF2B5EF4-FFF2-40B4-BE49-F238E27FC236}">
-                <a16:creationId xmlns:a16="http://schemas.microsoft.com/office/drawing/2014/main" id="{7C5293B4-8C11-B742-AFA2-2F20524B490C}"/>
+                <a16:creationId xmlns:a16="http://schemas.microsoft.com/office/drawing/2014/main" id="{C8C56F51-0D43-1746-B278-7514930C24BC}"/>
               </a:ext>
             </a:extLst>
           </p:cNvPr>
@@ -3947,17 +4415,14 @@
           <a:bodyPr/>
           <a:lstStyle/>
           <a:p>
-            <a:r>
-              <a:rPr lang="en-US" dirty="0"/>
-              <a:t>nearest neighbors searching</a:t>
-            </a:r>
+            <a:endParaRPr lang="en-US" dirty="0"/>
           </a:p>
         </p:txBody>
       </p:sp>
     </p:spTree>
     <p:extLst>
       <p:ext uri="{BB962C8B-B14F-4D97-AF65-F5344CB8AC3E}">
-        <p14:creationId xmlns:p14="http://schemas.microsoft.com/office/powerpoint/2010/main" val="737323670"/>
+        <p14:creationId xmlns:p14="http://schemas.microsoft.com/office/powerpoint/2010/main" val="4015143427"/>
       </p:ext>
     </p:extLst>
   </p:cSld>
@@ -3989,7 +4454,7 @@
           <p:cNvPr id="2" name="Title 1">
             <a:extLst>
               <a:ext uri="{FF2B5EF4-FFF2-40B4-BE49-F238E27FC236}">
-                <a16:creationId xmlns:a16="http://schemas.microsoft.com/office/drawing/2014/main" id="{8A9BDD59-5D77-D244-A3D6-6D88500A405F}"/>
+                <a16:creationId xmlns:a16="http://schemas.microsoft.com/office/drawing/2014/main" id="{88357D04-9899-D446-A6AB-FD9CE7470476}"/>
               </a:ext>
             </a:extLst>
           </p:cNvPr>
@@ -4007,15 +4472,31 @@
           <a:p>
             <a:r>
               <a:rPr lang="en-US" altLang="zh-CN" dirty="0"/>
-              <a:t>Subtypes</a:t>
-            </a:r>
-            <a:r>
-              <a:rPr lang="zh-CN" altLang="en-US" dirty="0"/>
-              <a:t> </a:t>
-            </a:r>
-            <a:r>
-              <a:rPr lang="en-US" altLang="zh-CN" dirty="0"/>
-              <a:t>inference</a:t>
+              <a:t>Local</a:t>
+            </a:r>
+            <a:r>
+              <a:rPr lang="zh-CN" altLang="en-US" dirty="0"/>
+              <a:t> </a:t>
+            </a:r>
+            <a:r>
+              <a:rPr lang="en-US" altLang="zh-CN" dirty="0"/>
+              <a:t>center</a:t>
+            </a:r>
+            <a:r>
+              <a:rPr lang="zh-CN" altLang="en-US" dirty="0"/>
+              <a:t> </a:t>
+            </a:r>
+            <a:r>
+              <a:rPr lang="en-US" altLang="zh-CN" dirty="0"/>
+              <a:t>identification</a:t>
+            </a:r>
+            <a:r>
+              <a:rPr lang="zh-CN" altLang="en-US" dirty="0"/>
+              <a:t> </a:t>
+            </a:r>
+            <a:r>
+              <a:rPr lang="en-US" altLang="zh-CN" dirty="0"/>
+              <a:t>algorithm</a:t>
             </a:r>
             <a:endParaRPr lang="en-US" dirty="0"/>
           </a:p>
@@ -4026,7 +4507,7 @@
           <p:cNvPr id="3" name="Content Placeholder 2">
             <a:extLst>
               <a:ext uri="{FF2B5EF4-FFF2-40B4-BE49-F238E27FC236}">
-                <a16:creationId xmlns:a16="http://schemas.microsoft.com/office/drawing/2014/main" id="{B5FE97F3-2A36-CB47-AEEB-9A8F62FC80C7}"/>
+                <a16:creationId xmlns:a16="http://schemas.microsoft.com/office/drawing/2014/main" id="{7C5293B4-8C11-B742-AFA2-2F20524B490C}"/>
               </a:ext>
             </a:extLst>
           </p:cNvPr>
@@ -4042,14 +4523,17 @@
           <a:bodyPr/>
           <a:lstStyle/>
           <a:p>
-            <a:endParaRPr lang="en-US"/>
+            <a:r>
+              <a:rPr lang="en-US" dirty="0"/>
+              <a:t>nearest neighbors searching</a:t>
+            </a:r>
           </a:p>
         </p:txBody>
       </p:sp>
     </p:spTree>
     <p:extLst>
       <p:ext uri="{BB962C8B-B14F-4D97-AF65-F5344CB8AC3E}">
-        <p14:creationId xmlns:p14="http://schemas.microsoft.com/office/powerpoint/2010/main" val="1667231745"/>
+        <p14:creationId xmlns:p14="http://schemas.microsoft.com/office/powerpoint/2010/main" val="737323670"/>
       </p:ext>
     </p:extLst>
   </p:cSld>
@@ -4081,7 +4565,7 @@
           <p:cNvPr id="2" name="Title 1">
             <a:extLst>
               <a:ext uri="{FF2B5EF4-FFF2-40B4-BE49-F238E27FC236}">
-                <a16:creationId xmlns:a16="http://schemas.microsoft.com/office/drawing/2014/main" id="{39D810DA-DC5D-CE42-B689-6A5CB596F4BC}"/>
+                <a16:creationId xmlns:a16="http://schemas.microsoft.com/office/drawing/2014/main" id="{8A9BDD59-5D77-D244-A3D6-6D88500A405F}"/>
               </a:ext>
             </a:extLst>
           </p:cNvPr>
@@ -4090,61 +4574,6 @@
           </p:cNvSpPr>
           <p:nvPr>
             <p:ph type="title"/>
-          </p:nvPr>
-        </p:nvSpPr>
-        <p:spPr/>
-        <p:txBody>
-          <a:bodyPr>
-            <a:normAutofit/>
-          </a:bodyPr>
-          <a:lstStyle/>
-          <a:p>
-            <a:r>
-              <a:rPr lang="en-US" altLang="zh-CN" dirty="0"/>
-              <a:t>Performance</a:t>
-            </a:r>
-            <a:r>
-              <a:rPr lang="zh-CN" altLang="en-US" dirty="0"/>
-              <a:t> </a:t>
-            </a:r>
-            <a:r>
-              <a:rPr lang="en-US" altLang="zh-CN" dirty="0"/>
-              <a:t>on</a:t>
-            </a:r>
-            <a:r>
-              <a:rPr lang="zh-CN" altLang="en-US" dirty="0"/>
-              <a:t> </a:t>
-            </a:r>
-            <a:r>
-              <a:rPr lang="en-US" altLang="zh-CN" dirty="0"/>
-              <a:t>simulated</a:t>
-            </a:r>
-            <a:r>
-              <a:rPr lang="zh-CN" altLang="en-US" dirty="0"/>
-              <a:t> </a:t>
-            </a:r>
-            <a:r>
-              <a:rPr lang="en-US" altLang="zh-CN" dirty="0"/>
-              <a:t>dataset</a:t>
-            </a:r>
-            <a:endParaRPr lang="en-US" dirty="0"/>
-          </a:p>
-        </p:txBody>
-      </p:sp>
-      <p:sp>
-        <p:nvSpPr>
-          <p:cNvPr id="3" name="Content Placeholder 2">
-            <a:extLst>
-              <a:ext uri="{FF2B5EF4-FFF2-40B4-BE49-F238E27FC236}">
-                <a16:creationId xmlns:a16="http://schemas.microsoft.com/office/drawing/2014/main" id="{DEEFECD2-0AEA-6043-8E5A-38FB8743BF18}"/>
-              </a:ext>
-            </a:extLst>
-          </p:cNvPr>
-          <p:cNvSpPr>
-            <a:spLocks noGrp="1"/>
-          </p:cNvSpPr>
-          <p:nvPr>
-            <p:ph idx="1"/>
           </p:nvPr>
         </p:nvSpPr>
         <p:spPr/>
@@ -4154,48 +4583,49 @@
           <a:p>
             <a:r>
               <a:rPr lang="en-US" altLang="zh-CN" dirty="0"/>
-              <a:t>How</a:t>
-            </a:r>
-            <a:r>
-              <a:rPr lang="zh-CN" altLang="en-US" dirty="0"/>
-              <a:t> </a:t>
-            </a:r>
-            <a:r>
-              <a:rPr lang="en-US" altLang="zh-CN" dirty="0"/>
-              <a:t>to</a:t>
-            </a:r>
-            <a:r>
-              <a:rPr lang="zh-CN" altLang="en-US" dirty="0"/>
-              <a:t> </a:t>
-            </a:r>
-            <a:r>
-              <a:rPr lang="en-US" altLang="zh-CN" dirty="0"/>
-              <a:t>simulate</a:t>
-            </a:r>
-            <a:r>
-              <a:rPr lang="zh-CN" altLang="en-US" dirty="0"/>
-              <a:t> </a:t>
-            </a:r>
-            <a:r>
-              <a:rPr lang="en-US" altLang="zh-CN" dirty="0" err="1"/>
-              <a:t>scRNA-seq</a:t>
-            </a:r>
-            <a:r>
-              <a:rPr lang="zh-CN" altLang="en-US" dirty="0"/>
-              <a:t> </a:t>
-            </a:r>
-            <a:r>
-              <a:rPr lang="en-US" altLang="zh-CN" dirty="0"/>
-              <a:t>dataset?</a:t>
+              <a:t>Subtypes</a:t>
+            </a:r>
+            <a:r>
+              <a:rPr lang="zh-CN" altLang="en-US" dirty="0"/>
+              <a:t> </a:t>
+            </a:r>
+            <a:r>
+              <a:rPr lang="en-US" altLang="zh-CN" dirty="0"/>
+              <a:t>inference</a:t>
             </a:r>
             <a:endParaRPr lang="en-US" dirty="0"/>
+          </a:p>
+        </p:txBody>
+      </p:sp>
+      <p:sp>
+        <p:nvSpPr>
+          <p:cNvPr id="3" name="Content Placeholder 2">
+            <a:extLst>
+              <a:ext uri="{FF2B5EF4-FFF2-40B4-BE49-F238E27FC236}">
+                <a16:creationId xmlns:a16="http://schemas.microsoft.com/office/drawing/2014/main" id="{B5FE97F3-2A36-CB47-AEEB-9A8F62FC80C7}"/>
+              </a:ext>
+            </a:extLst>
+          </p:cNvPr>
+          <p:cNvSpPr>
+            <a:spLocks noGrp="1"/>
+          </p:cNvSpPr>
+          <p:nvPr>
+            <p:ph idx="1"/>
+          </p:nvPr>
+        </p:nvSpPr>
+        <p:spPr/>
+        <p:txBody>
+          <a:bodyPr/>
+          <a:lstStyle/>
+          <a:p>
+            <a:endParaRPr lang="en-US"/>
           </a:p>
         </p:txBody>
       </p:sp>
     </p:spTree>
     <p:extLst>
       <p:ext uri="{BB962C8B-B14F-4D97-AF65-F5344CB8AC3E}">
-        <p14:creationId xmlns:p14="http://schemas.microsoft.com/office/powerpoint/2010/main" val="2737071918"/>
+        <p14:creationId xmlns:p14="http://schemas.microsoft.com/office/powerpoint/2010/main" val="1667231745"/>
       </p:ext>
     </p:extLst>
   </p:cSld>
@@ -4227,7 +4657,7 @@
           <p:cNvPr id="2" name="Title 1">
             <a:extLst>
               <a:ext uri="{FF2B5EF4-FFF2-40B4-BE49-F238E27FC236}">
-                <a16:creationId xmlns:a16="http://schemas.microsoft.com/office/drawing/2014/main" id="{6C18EEA5-D29D-D246-AD1F-1B65E13E7C22}"/>
+                <a16:creationId xmlns:a16="http://schemas.microsoft.com/office/drawing/2014/main" id="{39D810DA-DC5D-CE42-B689-6A5CB596F4BC}"/>
               </a:ext>
             </a:extLst>
           </p:cNvPr>
@@ -4236,6 +4666,61 @@
           </p:cNvSpPr>
           <p:nvPr>
             <p:ph type="title"/>
+          </p:nvPr>
+        </p:nvSpPr>
+        <p:spPr/>
+        <p:txBody>
+          <a:bodyPr>
+            <a:normAutofit/>
+          </a:bodyPr>
+          <a:lstStyle/>
+          <a:p>
+            <a:r>
+              <a:rPr lang="en-US" altLang="zh-CN" dirty="0"/>
+              <a:t>Performance</a:t>
+            </a:r>
+            <a:r>
+              <a:rPr lang="zh-CN" altLang="en-US" dirty="0"/>
+              <a:t> </a:t>
+            </a:r>
+            <a:r>
+              <a:rPr lang="en-US" altLang="zh-CN" dirty="0"/>
+              <a:t>on</a:t>
+            </a:r>
+            <a:r>
+              <a:rPr lang="zh-CN" altLang="en-US" dirty="0"/>
+              <a:t> </a:t>
+            </a:r>
+            <a:r>
+              <a:rPr lang="en-US" altLang="zh-CN" dirty="0"/>
+              <a:t>simulated</a:t>
+            </a:r>
+            <a:r>
+              <a:rPr lang="zh-CN" altLang="en-US" dirty="0"/>
+              <a:t> </a:t>
+            </a:r>
+            <a:r>
+              <a:rPr lang="en-US" altLang="zh-CN" dirty="0"/>
+              <a:t>dataset</a:t>
+            </a:r>
+            <a:endParaRPr lang="en-US" dirty="0"/>
+          </a:p>
+        </p:txBody>
+      </p:sp>
+      <p:sp>
+        <p:nvSpPr>
+          <p:cNvPr id="3" name="Content Placeholder 2">
+            <a:extLst>
+              <a:ext uri="{FF2B5EF4-FFF2-40B4-BE49-F238E27FC236}">
+                <a16:creationId xmlns:a16="http://schemas.microsoft.com/office/drawing/2014/main" id="{DEEFECD2-0AEA-6043-8E5A-38FB8743BF18}"/>
+              </a:ext>
+            </a:extLst>
+          </p:cNvPr>
+          <p:cNvSpPr>
+            <a:spLocks noGrp="1"/>
+          </p:cNvSpPr>
+          <p:nvPr>
+            <p:ph idx="1"/>
           </p:nvPr>
         </p:nvSpPr>
         <p:spPr/>
@@ -4245,79 +4730,39 @@
           <a:p>
             <a:r>
               <a:rPr lang="en-US" altLang="zh-CN" dirty="0"/>
-              <a:t>Performance</a:t>
-            </a:r>
-            <a:r>
-              <a:rPr lang="zh-CN" altLang="en-US" dirty="0"/>
-              <a:t> </a:t>
-            </a:r>
-            <a:r>
-              <a:rPr lang="en-US" altLang="zh-CN" dirty="0"/>
-              <a:t>on</a:t>
-            </a:r>
-            <a:r>
-              <a:rPr lang="zh-CN" altLang="en-US" dirty="0"/>
-              <a:t> </a:t>
-            </a:r>
-            <a:r>
-              <a:rPr lang="en-US" altLang="zh-CN" dirty="0"/>
-              <a:t>real</a:t>
-            </a:r>
-            <a:r>
-              <a:rPr lang="zh-CN" altLang="en-US" dirty="0"/>
-              <a:t> </a:t>
-            </a:r>
-            <a:r>
-              <a:rPr lang="en-US" altLang="zh-CN" dirty="0"/>
-              <a:t>dataset</a:t>
-            </a:r>
-            <a:endParaRPr lang="en-US" dirty="0"/>
-          </a:p>
-        </p:txBody>
-      </p:sp>
-      <p:sp>
-        <p:nvSpPr>
-          <p:cNvPr id="3" name="Content Placeholder 2">
-            <a:extLst>
-              <a:ext uri="{FF2B5EF4-FFF2-40B4-BE49-F238E27FC236}">
-                <a16:creationId xmlns:a16="http://schemas.microsoft.com/office/drawing/2014/main" id="{DE7D45EF-4283-464E-A8FE-967BA8183312}"/>
-              </a:ext>
-            </a:extLst>
-          </p:cNvPr>
-          <p:cNvSpPr>
-            <a:spLocks noGrp="1"/>
-          </p:cNvSpPr>
-          <p:nvPr>
-            <p:ph idx="1"/>
-          </p:nvPr>
-        </p:nvSpPr>
-        <p:spPr/>
-        <p:txBody>
-          <a:bodyPr/>
-          <a:lstStyle/>
-          <a:p>
-            <a:r>
-              <a:rPr lang="en-US" altLang="zh-CN" dirty="0"/>
-              <a:t>Smart-</a:t>
+              <a:t>How</a:t>
+            </a:r>
+            <a:r>
+              <a:rPr lang="zh-CN" altLang="en-US" dirty="0"/>
+              <a:t> </a:t>
+            </a:r>
+            <a:r>
+              <a:rPr lang="en-US" altLang="zh-CN" dirty="0"/>
+              <a:t>to</a:t>
+            </a:r>
+            <a:r>
+              <a:rPr lang="zh-CN" altLang="en-US" dirty="0"/>
+              <a:t> </a:t>
+            </a:r>
+            <a:r>
+              <a:rPr lang="en-US" altLang="zh-CN" dirty="0"/>
+              <a:t>simulate</a:t>
+            </a:r>
+            <a:r>
+              <a:rPr lang="zh-CN" altLang="en-US" dirty="0"/>
+              <a:t> </a:t>
             </a:r>
             <a:r>
               <a:rPr lang="en-US" altLang="zh-CN" dirty="0" err="1"/>
-              <a:t>seq</a:t>
-            </a:r>
-            <a:endParaRPr lang="en-US" altLang="zh-CN" dirty="0"/>
-          </a:p>
-          <a:p>
-            <a:r>
-              <a:rPr lang="en-US" altLang="zh-CN" dirty="0"/>
-              <a:t>10x</a:t>
-            </a:r>
-            <a:r>
-              <a:rPr lang="zh-CN" altLang="en-US" dirty="0"/>
-              <a:t> </a:t>
-            </a:r>
-            <a:r>
-              <a:rPr lang="en-US" altLang="zh-CN" dirty="0"/>
-              <a:t>genomics</a:t>
+              <a:t>scRNA-seq</a:t>
+            </a:r>
+            <a:r>
+              <a:rPr lang="zh-CN" altLang="en-US" dirty="0"/>
+              <a:t> </a:t>
+            </a:r>
+            <a:r>
+              <a:rPr lang="en-US" altLang="zh-CN" dirty="0"/>
+              <a:t>dataset?</a:t>
             </a:r>
             <a:endParaRPr lang="en-US" dirty="0"/>
           </a:p>
@@ -4326,7 +4771,7 @@
     </p:spTree>
     <p:extLst>
       <p:ext uri="{BB962C8B-B14F-4D97-AF65-F5344CB8AC3E}">
-        <p14:creationId xmlns:p14="http://schemas.microsoft.com/office/powerpoint/2010/main" val="3615182107"/>
+        <p14:creationId xmlns:p14="http://schemas.microsoft.com/office/powerpoint/2010/main" val="2737071918"/>
       </p:ext>
     </p:extLst>
   </p:cSld>
@@ -4358,7 +4803,7 @@
           <p:cNvPr id="2" name="Title 1">
             <a:extLst>
               <a:ext uri="{FF2B5EF4-FFF2-40B4-BE49-F238E27FC236}">
-                <a16:creationId xmlns:a16="http://schemas.microsoft.com/office/drawing/2014/main" id="{601CC656-EC8F-E241-964C-DAD2D8C16577}"/>
+                <a16:creationId xmlns:a16="http://schemas.microsoft.com/office/drawing/2014/main" id="{6C18EEA5-D29D-D246-AD1F-1B65E13E7C22}"/>
               </a:ext>
             </a:extLst>
           </p:cNvPr>
@@ -4376,27 +4821,31 @@
           <a:p>
             <a:r>
               <a:rPr lang="en-US" altLang="zh-CN" dirty="0"/>
-              <a:t>Co-</a:t>
-            </a:r>
-            <a:r>
-              <a:rPr lang="en-US" altLang="zh-CN" dirty="0" err="1"/>
-              <a:t>expresssion</a:t>
-            </a:r>
-            <a:r>
-              <a:rPr lang="zh-CN" altLang="en-US" dirty="0"/>
-              <a:t> </a:t>
-            </a:r>
-            <a:r>
-              <a:rPr lang="en-US" altLang="zh-CN" dirty="0"/>
-              <a:t>network</a:t>
-            </a:r>
-            <a:r>
-              <a:rPr lang="zh-CN" altLang="en-US" dirty="0"/>
-              <a:t> </a:t>
-            </a:r>
-            <a:r>
-              <a:rPr lang="en-US" altLang="zh-CN" dirty="0"/>
-              <a:t>analysis</a:t>
+              <a:t>Performance</a:t>
+            </a:r>
+            <a:r>
+              <a:rPr lang="zh-CN" altLang="en-US" dirty="0"/>
+              <a:t> </a:t>
+            </a:r>
+            <a:r>
+              <a:rPr lang="en-US" altLang="zh-CN" dirty="0"/>
+              <a:t>on</a:t>
+            </a:r>
+            <a:r>
+              <a:rPr lang="zh-CN" altLang="en-US" dirty="0"/>
+              <a:t> </a:t>
+            </a:r>
+            <a:r>
+              <a:rPr lang="en-US" altLang="zh-CN" dirty="0"/>
+              <a:t>real</a:t>
+            </a:r>
+            <a:r>
+              <a:rPr lang="zh-CN" altLang="en-US" dirty="0"/>
+              <a:t> </a:t>
+            </a:r>
+            <a:r>
+              <a:rPr lang="en-US" altLang="zh-CN" dirty="0"/>
+              <a:t>dataset</a:t>
             </a:r>
             <a:endParaRPr lang="en-US" dirty="0"/>
           </a:p>
@@ -4407,7 +4856,7 @@
           <p:cNvPr id="3" name="Content Placeholder 2">
             <a:extLst>
               <a:ext uri="{FF2B5EF4-FFF2-40B4-BE49-F238E27FC236}">
-                <a16:creationId xmlns:a16="http://schemas.microsoft.com/office/drawing/2014/main" id="{45F57073-8922-004F-A9A3-52B26123D218}"/>
+                <a16:creationId xmlns:a16="http://schemas.microsoft.com/office/drawing/2014/main" id="{DE7D45EF-4283-464E-A8FE-967BA8183312}"/>
               </a:ext>
             </a:extLst>
           </p:cNvPr>
@@ -4424,12 +4873,27 @@
           <a:lstStyle/>
           <a:p>
             <a:r>
-              <a:rPr lang="en-US" dirty="0"/>
-              <a:t>Improvements</a:t>
-            </a:r>
-            <a:r>
-              <a:rPr lang="zh-CN" altLang="en-US" dirty="0"/>
-              <a:t> </a:t>
+              <a:rPr lang="en-US" altLang="zh-CN" dirty="0"/>
+              <a:t>Smart-</a:t>
+            </a:r>
+            <a:r>
+              <a:rPr lang="en-US" altLang="zh-CN" dirty="0" err="1"/>
+              <a:t>seq</a:t>
+            </a:r>
+            <a:endParaRPr lang="en-US" altLang="zh-CN" dirty="0"/>
+          </a:p>
+          <a:p>
+            <a:r>
+              <a:rPr lang="en-US" altLang="zh-CN" dirty="0"/>
+              <a:t>10x</a:t>
+            </a:r>
+            <a:r>
+              <a:rPr lang="zh-CN" altLang="en-US" dirty="0"/>
+              <a:t> </a:t>
+            </a:r>
+            <a:r>
+              <a:rPr lang="en-US" altLang="zh-CN" dirty="0"/>
+              <a:t>genomics</a:t>
             </a:r>
             <a:endParaRPr lang="en-US" dirty="0"/>
           </a:p>
@@ -4438,7 +4902,7 @@
     </p:spTree>
     <p:extLst>
       <p:ext uri="{BB962C8B-B14F-4D97-AF65-F5344CB8AC3E}">
-        <p14:creationId xmlns:p14="http://schemas.microsoft.com/office/powerpoint/2010/main" val="531441440"/>
+        <p14:creationId xmlns:p14="http://schemas.microsoft.com/office/powerpoint/2010/main" val="3615182107"/>
       </p:ext>
     </p:extLst>
   </p:cSld>
@@ -4470,7 +4934,7 @@
           <p:cNvPr id="2" name="Title 1">
             <a:extLst>
               <a:ext uri="{FF2B5EF4-FFF2-40B4-BE49-F238E27FC236}">
-                <a16:creationId xmlns:a16="http://schemas.microsoft.com/office/drawing/2014/main" id="{4AA91CB4-253B-8948-9824-F6D9442F03A2}"/>
+                <a16:creationId xmlns:a16="http://schemas.microsoft.com/office/drawing/2014/main" id="{601CC656-EC8F-E241-964C-DAD2D8C16577}"/>
               </a:ext>
             </a:extLst>
           </p:cNvPr>
@@ -4479,45 +4943,6 @@
           </p:cNvSpPr>
           <p:nvPr>
             <p:ph type="title"/>
-          </p:nvPr>
-        </p:nvSpPr>
-        <p:spPr/>
-        <p:txBody>
-          <a:bodyPr>
-            <a:normAutofit/>
-          </a:bodyPr>
-          <a:lstStyle/>
-          <a:p>
-            <a:r>
-              <a:rPr lang="en-US" dirty="0"/>
-              <a:t>Key</a:t>
-            </a:r>
-            <a:r>
-              <a:rPr lang="zh-CN" altLang="en-US" dirty="0"/>
-              <a:t> </a:t>
-            </a:r>
-            <a:r>
-              <a:rPr lang="en-HK" altLang="zh-CN" dirty="0"/>
-              <a:t>advantages</a:t>
-            </a:r>
-            <a:endParaRPr lang="en-US" dirty="0"/>
-          </a:p>
-        </p:txBody>
-      </p:sp>
-      <p:sp>
-        <p:nvSpPr>
-          <p:cNvPr id="3" name="Content Placeholder 2">
-            <a:extLst>
-              <a:ext uri="{FF2B5EF4-FFF2-40B4-BE49-F238E27FC236}">
-                <a16:creationId xmlns:a16="http://schemas.microsoft.com/office/drawing/2014/main" id="{F9BE9C7F-03B4-4B4F-ACE8-B7BF8073EE12}"/>
-              </a:ext>
-            </a:extLst>
-          </p:cNvPr>
-          <p:cNvSpPr>
-            <a:spLocks noGrp="1"/>
-          </p:cNvSpPr>
-          <p:nvPr>
-            <p:ph idx="1"/>
           </p:nvPr>
         </p:nvSpPr>
         <p:spPr/>
@@ -4525,14 +4950,71 @@
           <a:bodyPr/>
           <a:lstStyle/>
           <a:p>
-            <a:endParaRPr lang="en-US"/>
+            <a:r>
+              <a:rPr lang="en-US" altLang="zh-CN" dirty="0"/>
+              <a:t>Co-</a:t>
+            </a:r>
+            <a:r>
+              <a:rPr lang="en-US" altLang="zh-CN" dirty="0" err="1"/>
+              <a:t>expresssion</a:t>
+            </a:r>
+            <a:r>
+              <a:rPr lang="zh-CN" altLang="en-US" dirty="0"/>
+              <a:t> </a:t>
+            </a:r>
+            <a:r>
+              <a:rPr lang="en-US" altLang="zh-CN" dirty="0"/>
+              <a:t>network</a:t>
+            </a:r>
+            <a:r>
+              <a:rPr lang="zh-CN" altLang="en-US" dirty="0"/>
+              <a:t> </a:t>
+            </a:r>
+            <a:r>
+              <a:rPr lang="en-US" altLang="zh-CN" dirty="0"/>
+              <a:t>analysis</a:t>
+            </a:r>
+            <a:endParaRPr lang="en-US" dirty="0"/>
+          </a:p>
+        </p:txBody>
+      </p:sp>
+      <p:sp>
+        <p:nvSpPr>
+          <p:cNvPr id="3" name="Content Placeholder 2">
+            <a:extLst>
+              <a:ext uri="{FF2B5EF4-FFF2-40B4-BE49-F238E27FC236}">
+                <a16:creationId xmlns:a16="http://schemas.microsoft.com/office/drawing/2014/main" id="{45F57073-8922-004F-A9A3-52B26123D218}"/>
+              </a:ext>
+            </a:extLst>
+          </p:cNvPr>
+          <p:cNvSpPr>
+            <a:spLocks noGrp="1"/>
+          </p:cNvSpPr>
+          <p:nvPr>
+            <p:ph idx="1"/>
+          </p:nvPr>
+        </p:nvSpPr>
+        <p:spPr/>
+        <p:txBody>
+          <a:bodyPr/>
+          <a:lstStyle/>
+          <a:p>
+            <a:r>
+              <a:rPr lang="en-US" dirty="0"/>
+              <a:t>Improvements</a:t>
+            </a:r>
+            <a:r>
+              <a:rPr lang="zh-CN" altLang="en-US" dirty="0"/>
+              <a:t> </a:t>
+            </a:r>
+            <a:endParaRPr lang="en-US" dirty="0"/>
           </a:p>
         </p:txBody>
       </p:sp>
     </p:spTree>
     <p:extLst>
       <p:ext uri="{BB962C8B-B14F-4D97-AF65-F5344CB8AC3E}">
-        <p14:creationId xmlns:p14="http://schemas.microsoft.com/office/powerpoint/2010/main" val="956914010"/>
+        <p14:creationId xmlns:p14="http://schemas.microsoft.com/office/powerpoint/2010/main" val="531441440"/>
       </p:ext>
     </p:extLst>
   </p:cSld>
@@ -4584,6 +5066,15 @@
               <a:rPr lang="en-US" dirty="0"/>
               <a:t>Time consumption</a:t>
             </a:r>
+            <a:r>
+              <a:rPr lang="zh-CN" altLang="en-US" dirty="0"/>
+              <a:t> </a:t>
+            </a:r>
+            <a:r>
+              <a:rPr lang="en-US" altLang="zh-CN" dirty="0"/>
+              <a:t>comparison</a:t>
+            </a:r>
+            <a:endParaRPr lang="en-US" dirty="0"/>
           </a:p>
         </p:txBody>
       </p:sp>
@@ -4732,7 +5223,22 @@
               <a:rPr lang="en-US" altLang="zh-CN" dirty="0" err="1"/>
               <a:t>scRNAseq</a:t>
             </a:r>
-            <a:endParaRPr lang="en-US" altLang="zh-CN" dirty="0"/>
+            <a:r>
+              <a:rPr lang="zh-CN" altLang="en-US" dirty="0"/>
+              <a:t> </a:t>
+            </a:r>
+            <a:r>
+              <a:rPr lang="en-US" altLang="zh-CN" dirty="0"/>
+              <a:t>and</a:t>
+            </a:r>
+            <a:r>
+              <a:rPr lang="zh-CN" altLang="en-US" dirty="0"/>
+              <a:t> </a:t>
+            </a:r>
+            <a:r>
+              <a:rPr lang="en-US" altLang="zh-CN" dirty="0"/>
+              <a:t>limitations</a:t>
+            </a:r>
           </a:p>
           <a:p>
             <a:r>
@@ -4845,8 +5351,12 @@
           </a:p>
           <a:p>
             <a:r>
-              <a:rPr lang="en-US" dirty="0"/>
-              <a:t>Summary</a:t>
+              <a:rPr lang="en-US" altLang="zh-CN" dirty="0"/>
+              <a:t>Conclusions</a:t>
+            </a:r>
+            <a:r>
+              <a:rPr lang="zh-CN" altLang="en-US" dirty="0"/>
+              <a:t> </a:t>
             </a:r>
             <a:endParaRPr lang="en-HK" dirty="0"/>
           </a:p>
@@ -4890,6 +5400,446 @@
           <p:cNvPr id="2" name="Title 1">
             <a:extLst>
               <a:ext uri="{FF2B5EF4-FFF2-40B4-BE49-F238E27FC236}">
+                <a16:creationId xmlns:a16="http://schemas.microsoft.com/office/drawing/2014/main" id="{4AA91CB4-253B-8948-9824-F6D9442F03A2}"/>
+              </a:ext>
+            </a:extLst>
+          </p:cNvPr>
+          <p:cNvSpPr>
+            <a:spLocks noGrp="1"/>
+          </p:cNvSpPr>
+          <p:nvPr>
+            <p:ph type="title"/>
+          </p:nvPr>
+        </p:nvSpPr>
+        <p:spPr/>
+        <p:txBody>
+          <a:bodyPr>
+            <a:normAutofit/>
+          </a:bodyPr>
+          <a:lstStyle/>
+          <a:p>
+            <a:r>
+              <a:rPr lang="en-US" dirty="0"/>
+              <a:t>Key</a:t>
+            </a:r>
+            <a:r>
+              <a:rPr lang="zh-CN" altLang="en-US" dirty="0"/>
+              <a:t> </a:t>
+            </a:r>
+            <a:r>
+              <a:rPr lang="en-HK" altLang="zh-CN" dirty="0"/>
+              <a:t>advantages</a:t>
+            </a:r>
+            <a:r>
+              <a:rPr lang="zh-CN" altLang="en-US" dirty="0"/>
+              <a:t> </a:t>
+            </a:r>
+            <a:r>
+              <a:rPr lang="en-US" altLang="zh-CN" dirty="0"/>
+              <a:t>-</a:t>
+            </a:r>
+            <a:r>
+              <a:rPr lang="zh-CN" altLang="en-US" dirty="0"/>
+              <a:t> </a:t>
+            </a:r>
+            <a:r>
+              <a:rPr lang="en-US" altLang="zh-CN" dirty="0"/>
+              <a:t>conclusion</a:t>
+            </a:r>
+            <a:endParaRPr lang="en-US" dirty="0"/>
+          </a:p>
+        </p:txBody>
+      </p:sp>
+      <p:sp>
+        <p:nvSpPr>
+          <p:cNvPr id="3" name="Content Placeholder 2">
+            <a:extLst>
+              <a:ext uri="{FF2B5EF4-FFF2-40B4-BE49-F238E27FC236}">
+                <a16:creationId xmlns:a16="http://schemas.microsoft.com/office/drawing/2014/main" id="{F9BE9C7F-03B4-4B4F-ACE8-B7BF8073EE12}"/>
+              </a:ext>
+            </a:extLst>
+          </p:cNvPr>
+          <p:cNvSpPr>
+            <a:spLocks noGrp="1"/>
+          </p:cNvSpPr>
+          <p:nvPr>
+            <p:ph idx="1"/>
+          </p:nvPr>
+        </p:nvSpPr>
+        <p:spPr/>
+        <p:txBody>
+          <a:bodyPr>
+            <a:normAutofit/>
+          </a:bodyPr>
+          <a:lstStyle/>
+          <a:p>
+            <a:r>
+              <a:rPr lang="en-US" altLang="zh-CN" dirty="0"/>
+              <a:t>No</a:t>
+            </a:r>
+            <a:r>
+              <a:rPr lang="zh-CN" altLang="en-US" dirty="0"/>
+              <a:t> </a:t>
+            </a:r>
+            <a:r>
+              <a:rPr lang="en-US" altLang="zh-CN" dirty="0"/>
+              <a:t>need</a:t>
+            </a:r>
+            <a:r>
+              <a:rPr lang="zh-CN" altLang="en-US" dirty="0"/>
+              <a:t> </a:t>
+            </a:r>
+            <a:r>
+              <a:rPr lang="en-US" altLang="zh-CN" dirty="0"/>
+              <a:t>to</a:t>
+            </a:r>
+            <a:r>
+              <a:rPr lang="zh-CN" altLang="en-US" dirty="0"/>
+              <a:t> </a:t>
+            </a:r>
+            <a:r>
+              <a:rPr lang="en-US" altLang="zh-CN" dirty="0"/>
+              <a:t>choose</a:t>
+            </a:r>
+            <a:r>
+              <a:rPr lang="zh-CN" altLang="en-US" dirty="0"/>
+              <a:t> </a:t>
+            </a:r>
+            <a:r>
+              <a:rPr lang="en-US" altLang="zh-CN" dirty="0"/>
+              <a:t>a</a:t>
+            </a:r>
+            <a:r>
+              <a:rPr lang="zh-CN" altLang="en-US" dirty="0"/>
+              <a:t> </a:t>
+            </a:r>
+            <a:r>
+              <a:rPr lang="en-US" altLang="zh-CN" dirty="0"/>
+              <a:t>k</a:t>
+            </a:r>
+            <a:r>
+              <a:rPr lang="zh-CN" altLang="en-US" dirty="0"/>
+              <a:t> </a:t>
+            </a:r>
+            <a:r>
+              <a:rPr lang="en-US" altLang="zh-CN" dirty="0"/>
+              <a:t>for</a:t>
+            </a:r>
+            <a:r>
+              <a:rPr lang="zh-CN" altLang="en-US" dirty="0"/>
+              <a:t> </a:t>
+            </a:r>
+            <a:r>
+              <a:rPr lang="en-US" altLang="zh-CN" dirty="0"/>
+              <a:t>clustering</a:t>
+            </a:r>
+          </a:p>
+          <a:p>
+            <a:r>
+              <a:rPr lang="en-US" altLang="zh-CN" dirty="0"/>
+              <a:t>No</a:t>
+            </a:r>
+            <a:r>
+              <a:rPr lang="zh-CN" altLang="en-US" dirty="0"/>
+              <a:t> </a:t>
+            </a:r>
+            <a:r>
+              <a:rPr lang="en-US" altLang="zh-CN" dirty="0"/>
+              <a:t>need</a:t>
+            </a:r>
+            <a:r>
+              <a:rPr lang="zh-CN" altLang="en-US" dirty="0"/>
+              <a:t> </a:t>
+            </a:r>
+            <a:r>
+              <a:rPr lang="en-US" altLang="zh-CN" dirty="0"/>
+              <a:t>to</a:t>
+            </a:r>
+            <a:r>
+              <a:rPr lang="zh-CN" altLang="en-US" dirty="0"/>
+              <a:t> </a:t>
+            </a:r>
+            <a:r>
+              <a:rPr lang="en-US" altLang="zh-CN" dirty="0"/>
+              <a:t>do</a:t>
+            </a:r>
+            <a:r>
+              <a:rPr lang="zh-CN" altLang="en-US" dirty="0"/>
+              <a:t> </a:t>
+            </a:r>
+            <a:r>
+              <a:rPr lang="en-US" altLang="zh-CN" dirty="0"/>
+              <a:t>feature</a:t>
+            </a:r>
+            <a:r>
+              <a:rPr lang="zh-CN" altLang="en-US" dirty="0"/>
+              <a:t> </a:t>
+            </a:r>
+            <a:r>
+              <a:rPr lang="en-US" altLang="zh-CN" dirty="0"/>
+              <a:t>selection</a:t>
+            </a:r>
+          </a:p>
+          <a:p>
+            <a:r>
+              <a:rPr lang="en-US" altLang="zh-CN" dirty="0"/>
+              <a:t>Can</a:t>
+            </a:r>
+            <a:r>
+              <a:rPr lang="zh-CN" altLang="en-US" dirty="0"/>
+              <a:t> </a:t>
+            </a:r>
+            <a:r>
+              <a:rPr lang="en-US" altLang="zh-CN" dirty="0"/>
+              <a:t>identify</a:t>
+            </a:r>
+            <a:r>
+              <a:rPr lang="zh-CN" altLang="en-US" dirty="0"/>
+              <a:t> </a:t>
+            </a:r>
+            <a:r>
+              <a:rPr lang="en-US" altLang="zh-CN" dirty="0"/>
+              <a:t>negative</a:t>
+            </a:r>
+            <a:r>
+              <a:rPr lang="zh-CN" altLang="en-US" dirty="0"/>
+              <a:t> </a:t>
+            </a:r>
+            <a:r>
+              <a:rPr lang="en-US" altLang="zh-CN" dirty="0"/>
+              <a:t>markers</a:t>
+            </a:r>
+          </a:p>
+          <a:p>
+            <a:r>
+              <a:rPr lang="en-US" altLang="zh-CN" dirty="0"/>
+              <a:t>Can</a:t>
+            </a:r>
+            <a:r>
+              <a:rPr lang="zh-CN" altLang="en-US" dirty="0"/>
+              <a:t> </a:t>
+            </a:r>
+            <a:r>
+              <a:rPr lang="en-US" altLang="zh-CN" dirty="0"/>
+              <a:t>identify</a:t>
+            </a:r>
+            <a:r>
+              <a:rPr lang="zh-CN" altLang="en-US" dirty="0"/>
+              <a:t> </a:t>
+            </a:r>
+            <a:r>
+              <a:rPr lang="en-US" altLang="zh-CN" dirty="0"/>
+              <a:t>the</a:t>
+            </a:r>
+            <a:r>
+              <a:rPr lang="zh-CN" altLang="en-US" dirty="0"/>
+              <a:t> </a:t>
+            </a:r>
+            <a:r>
+              <a:rPr lang="en-US" altLang="zh-CN" dirty="0"/>
+              <a:t>intermediate</a:t>
+            </a:r>
+            <a:r>
+              <a:rPr lang="zh-CN" altLang="en-US" dirty="0"/>
+              <a:t> </a:t>
+            </a:r>
+            <a:r>
+              <a:rPr lang="en-US" altLang="zh-CN" dirty="0"/>
+              <a:t>subgroup</a:t>
+            </a:r>
+          </a:p>
+          <a:p>
+            <a:r>
+              <a:rPr lang="en-US" altLang="zh-CN" dirty="0"/>
+              <a:t>Can</a:t>
+            </a:r>
+            <a:r>
+              <a:rPr lang="zh-CN" altLang="en-US" dirty="0"/>
+              <a:t> </a:t>
+            </a:r>
+            <a:r>
+              <a:rPr lang="en-US" altLang="zh-CN" dirty="0"/>
+              <a:t>identify</a:t>
+            </a:r>
+            <a:r>
+              <a:rPr lang="zh-CN" altLang="en-US" dirty="0"/>
+              <a:t> </a:t>
+            </a:r>
+            <a:r>
+              <a:rPr lang="en-US" altLang="zh-CN" dirty="0"/>
+              <a:t>rare</a:t>
+            </a:r>
+            <a:r>
+              <a:rPr lang="zh-CN" altLang="en-US" dirty="0"/>
+              <a:t> </a:t>
+            </a:r>
+            <a:r>
+              <a:rPr lang="en-US" altLang="zh-CN" dirty="0"/>
+              <a:t>subgroup</a:t>
+            </a:r>
+            <a:endParaRPr lang="en-US" dirty="0"/>
+          </a:p>
+          <a:p>
+            <a:r>
+              <a:rPr lang="en-US" dirty="0"/>
+              <a:t>Greatly</a:t>
+            </a:r>
+            <a:r>
+              <a:rPr lang="zh-CN" altLang="en-US" dirty="0"/>
+              <a:t> </a:t>
+            </a:r>
+            <a:r>
+              <a:rPr lang="en-US" altLang="zh-CN" dirty="0"/>
+              <a:t>reduce</a:t>
+            </a:r>
+            <a:r>
+              <a:rPr lang="zh-CN" altLang="en-US" dirty="0"/>
+              <a:t> </a:t>
+            </a:r>
+            <a:r>
+              <a:rPr lang="en-US" altLang="zh-CN" dirty="0"/>
+              <a:t>the</a:t>
+            </a:r>
+            <a:r>
+              <a:rPr lang="zh-CN" altLang="en-US" dirty="0"/>
+              <a:t> </a:t>
+            </a:r>
+            <a:r>
+              <a:rPr lang="en-HK" dirty="0"/>
+              <a:t>computing resource</a:t>
+            </a:r>
+            <a:r>
+              <a:rPr lang="zh-CN" altLang="en-US" dirty="0"/>
+              <a:t> </a:t>
+            </a:r>
+            <a:r>
+              <a:rPr lang="en-US" altLang="zh-CN" dirty="0"/>
+              <a:t>(at</a:t>
+            </a:r>
+            <a:r>
+              <a:rPr lang="zh-CN" altLang="en-US" dirty="0"/>
+              <a:t> </a:t>
+            </a:r>
+            <a:r>
+              <a:rPr lang="en-US" altLang="zh-CN" dirty="0"/>
+              <a:t>least</a:t>
+            </a:r>
+            <a:r>
+              <a:rPr lang="zh-CN" altLang="en-US" dirty="0"/>
+              <a:t> </a:t>
+            </a:r>
+            <a:r>
+              <a:rPr lang="en-US" altLang="zh-CN" dirty="0"/>
+              <a:t>10</a:t>
+            </a:r>
+            <a:r>
+              <a:rPr lang="zh-CN" altLang="en-US" dirty="0"/>
+              <a:t> </a:t>
+            </a:r>
+            <a:r>
+              <a:rPr lang="en-US" altLang="zh-CN" dirty="0"/>
+              <a:t>folds)</a:t>
+            </a:r>
+            <a:endParaRPr lang="en-US" dirty="0"/>
+          </a:p>
+          <a:p>
+            <a:r>
+              <a:rPr lang="en-US" altLang="zh-CN" dirty="0"/>
+              <a:t>More</a:t>
+            </a:r>
+            <a:r>
+              <a:rPr lang="zh-CN" altLang="en-US" dirty="0"/>
+              <a:t> </a:t>
+            </a:r>
+            <a:r>
+              <a:rPr lang="en-US" altLang="zh-CN" dirty="0"/>
+              <a:t>intuitive</a:t>
+            </a:r>
+            <a:r>
+              <a:rPr lang="zh-CN" altLang="en-US" dirty="0"/>
+              <a:t> </a:t>
+            </a:r>
+            <a:r>
+              <a:rPr lang="en-US" altLang="zh-CN" dirty="0"/>
+              <a:t>strategy</a:t>
+            </a:r>
+          </a:p>
+          <a:p>
+            <a:r>
+              <a:rPr lang="en-US" altLang="zh-CN" dirty="0"/>
+              <a:t>Great</a:t>
+            </a:r>
+            <a:r>
+              <a:rPr lang="zh-CN" altLang="en-US" dirty="0"/>
+              <a:t> </a:t>
+            </a:r>
+            <a:r>
+              <a:rPr lang="en-US" altLang="zh-CN" dirty="0"/>
+              <a:t>benefit</a:t>
+            </a:r>
+            <a:r>
+              <a:rPr lang="zh-CN" altLang="en-US" dirty="0"/>
+              <a:t> </a:t>
+            </a:r>
+            <a:r>
+              <a:rPr lang="en-US" altLang="zh-CN" dirty="0"/>
+              <a:t>for</a:t>
+            </a:r>
+            <a:r>
+              <a:rPr lang="zh-CN" altLang="en-US" dirty="0"/>
+              <a:t> </a:t>
+            </a:r>
+            <a:r>
+              <a:rPr lang="en-US" altLang="zh-CN" dirty="0"/>
+              <a:t>downstream</a:t>
+            </a:r>
+            <a:r>
+              <a:rPr lang="zh-CN" altLang="en-US" dirty="0"/>
+              <a:t> </a:t>
+            </a:r>
+            <a:r>
+              <a:rPr lang="en-US" altLang="zh-CN" dirty="0"/>
+              <a:t>analysis</a:t>
+            </a:r>
+            <a:endParaRPr lang="en-US" dirty="0"/>
+          </a:p>
+        </p:txBody>
+      </p:sp>
+    </p:spTree>
+    <p:extLst>
+      <p:ext uri="{BB962C8B-B14F-4D97-AF65-F5344CB8AC3E}">
+        <p14:creationId xmlns:p14="http://schemas.microsoft.com/office/powerpoint/2010/main" val="2299645299"/>
+      </p:ext>
+    </p:extLst>
+  </p:cSld>
+  <p:clrMapOvr>
+    <a:masterClrMapping/>
+  </p:clrMapOvr>
+</p:sld>
+</file>
+
+<file path=ppt/slides/slide21.xml><?xml version="1.0" encoding="utf-8"?>
+<p:sld xmlns:a="http://schemas.openxmlformats.org/drawingml/2006/main" xmlns:r="http://schemas.openxmlformats.org/officeDocument/2006/relationships" xmlns:p="http://schemas.openxmlformats.org/presentationml/2006/main">
+  <p:cSld>
+    <p:spTree>
+      <p:nvGrpSpPr>
+        <p:cNvPr id="1" name=""/>
+        <p:cNvGrpSpPr/>
+        <p:nvPr/>
+      </p:nvGrpSpPr>
+      <p:grpSpPr>
+        <a:xfrm>
+          <a:off x="0" y="0"/>
+          <a:ext cx="0" cy="0"/>
+          <a:chOff x="0" y="0"/>
+          <a:chExt cx="0" cy="0"/>
+        </a:xfrm>
+      </p:grpSpPr>
+      <p:sp>
+        <p:nvSpPr>
+          <p:cNvPr id="2" name="Title 1">
+            <a:extLst>
+              <a:ext uri="{FF2B5EF4-FFF2-40B4-BE49-F238E27FC236}">
                 <a16:creationId xmlns:a16="http://schemas.microsoft.com/office/drawing/2014/main" id="{453FDFED-FAD8-6F42-B4C6-6DEE3DEB1A22}"/>
               </a:ext>
             </a:extLst>
@@ -5118,34 +6068,6 @@
           <a:lstStyle/>
           <a:p>
             <a:r>
-              <a:rPr lang="en-US" dirty="0"/>
-              <a:t>Recent studies demonstrate that de novo cell type discovery of functionally distinct cell subpopulations is possible via the unbiased analysis of </a:t>
-            </a:r>
-            <a:r>
-              <a:rPr lang="en-US" dirty="0" err="1"/>
-              <a:t>scRNA-seq</a:t>
-            </a:r>
-            <a:r>
-              <a:rPr lang="en-US" dirty="0"/>
-              <a:t> data2–4.</a:t>
-            </a:r>
-          </a:p>
-          <a:p>
-            <a:r>
-              <a:rPr lang="en-US" dirty="0"/>
-              <a:t>A key advantage of single-cell RNA sequencing (</a:t>
-            </a:r>
-            <a:r>
-              <a:rPr lang="en-US" dirty="0" err="1"/>
-              <a:t>scRNA-seq</a:t>
-            </a:r>
-            <a:r>
-              <a:rPr lang="en-US" dirty="0"/>
-              <a:t>) is that it can be used to determine cell types in an unbiased way by submitting transcriptomes to unsupervised clustering1–3.</a:t>
-            </a:r>
-          </a:p>
-          <a:p>
-            <a:r>
               <a:rPr lang="en-US" altLang="zh-CN" dirty="0"/>
               <a:t>Why</a:t>
             </a:r>
@@ -5335,7 +6257,7 @@
         <p:spPr/>
         <p:txBody>
           <a:bodyPr>
-            <a:normAutofit/>
+            <a:normAutofit fontScale="70000" lnSpcReduction="20000"/>
           </a:bodyPr>
           <a:lstStyle/>
           <a:p>
@@ -5357,11 +6279,409 @@
               </a:rPr>
               <a:t>SIMLR</a:t>
             </a:r>
+          </a:p>
+          <a:p>
+            <a:r>
+              <a:rPr lang="en-US" altLang="zh-CN" sz="4400" dirty="0">
+                <a:latin typeface="+mj-lt"/>
+                <a:ea typeface="+mj-ea"/>
+                <a:cs typeface="+mj-cs"/>
+              </a:rPr>
+              <a:t>Seurat</a:t>
+            </a:r>
+          </a:p>
+          <a:p>
+            <a:r>
+              <a:rPr lang="en-US" altLang="zh-CN" sz="4400" dirty="0">
+                <a:latin typeface="+mj-lt"/>
+                <a:ea typeface="+mj-ea"/>
+                <a:cs typeface="+mj-cs"/>
+              </a:rPr>
+              <a:t>T-SNE</a:t>
+            </a:r>
+            <a:r>
+              <a:rPr lang="zh-CN" altLang="en-US" sz="4400" dirty="0">
+                <a:latin typeface="+mj-lt"/>
+                <a:ea typeface="+mj-ea"/>
+                <a:cs typeface="+mj-cs"/>
+              </a:rPr>
+              <a:t> </a:t>
+            </a:r>
+            <a:r>
+              <a:rPr lang="en-US" altLang="zh-CN" sz="4400" dirty="0">
+                <a:latin typeface="+mj-lt"/>
+                <a:ea typeface="+mj-ea"/>
+                <a:cs typeface="+mj-cs"/>
+              </a:rPr>
+              <a:t>&amp;</a:t>
+            </a:r>
+            <a:r>
+              <a:rPr lang="zh-CN" altLang="en-US" sz="4400" dirty="0">
+                <a:latin typeface="+mj-lt"/>
+                <a:ea typeface="+mj-ea"/>
+                <a:cs typeface="+mj-cs"/>
+              </a:rPr>
+              <a:t> </a:t>
+            </a:r>
+            <a:r>
+              <a:rPr lang="en-US" altLang="zh-CN" sz="4400" dirty="0">
+                <a:latin typeface="+mj-lt"/>
+                <a:ea typeface="+mj-ea"/>
+                <a:cs typeface="+mj-cs"/>
+              </a:rPr>
+              <a:t>k-means</a:t>
+            </a:r>
+          </a:p>
+          <a:p>
             <a:endParaRPr lang="en-US" sz="4400" dirty="0">
               <a:latin typeface="+mj-lt"/>
               <a:ea typeface="+mj-ea"/>
               <a:cs typeface="+mj-cs"/>
             </a:endParaRPr>
+          </a:p>
+          <a:p>
+            <a:r>
+              <a:rPr lang="en-US" altLang="zh-CN" sz="4400" dirty="0">
+                <a:latin typeface="+mj-lt"/>
+                <a:ea typeface="+mj-ea"/>
+                <a:cs typeface="+mj-cs"/>
+              </a:rPr>
+              <a:t>Need</a:t>
+            </a:r>
+            <a:r>
+              <a:rPr lang="zh-CN" altLang="en-US" sz="4400" dirty="0">
+                <a:latin typeface="+mj-lt"/>
+                <a:ea typeface="+mj-ea"/>
+                <a:cs typeface="+mj-cs"/>
+              </a:rPr>
+              <a:t> </a:t>
+            </a:r>
+            <a:r>
+              <a:rPr lang="en-US" altLang="zh-CN" sz="4400" dirty="0">
+                <a:latin typeface="+mj-lt"/>
+                <a:ea typeface="+mj-ea"/>
+                <a:cs typeface="+mj-cs"/>
+              </a:rPr>
+              <a:t>to</a:t>
+            </a:r>
+            <a:r>
+              <a:rPr lang="zh-CN" altLang="en-US" sz="4400" dirty="0">
+                <a:latin typeface="+mj-lt"/>
+                <a:ea typeface="+mj-ea"/>
+                <a:cs typeface="+mj-cs"/>
+              </a:rPr>
+              <a:t> </a:t>
+            </a:r>
+            <a:r>
+              <a:rPr lang="en-US" altLang="zh-CN" sz="4400" dirty="0">
+                <a:latin typeface="+mj-lt"/>
+                <a:ea typeface="+mj-ea"/>
+                <a:cs typeface="+mj-cs"/>
+              </a:rPr>
+              <a:t>choose</a:t>
+            </a:r>
+            <a:r>
+              <a:rPr lang="zh-CN" altLang="en-US" sz="4400" dirty="0">
+                <a:latin typeface="+mj-lt"/>
+                <a:ea typeface="+mj-ea"/>
+                <a:cs typeface="+mj-cs"/>
+              </a:rPr>
+              <a:t> </a:t>
+            </a:r>
+            <a:r>
+              <a:rPr lang="en-US" altLang="zh-CN" sz="4400" dirty="0">
+                <a:latin typeface="+mj-lt"/>
+                <a:ea typeface="+mj-ea"/>
+                <a:cs typeface="+mj-cs"/>
+              </a:rPr>
+              <a:t>a</a:t>
+            </a:r>
+            <a:r>
+              <a:rPr lang="zh-CN" altLang="en-US" sz="4400" dirty="0">
+                <a:latin typeface="+mj-lt"/>
+                <a:ea typeface="+mj-ea"/>
+                <a:cs typeface="+mj-cs"/>
+              </a:rPr>
+              <a:t> </a:t>
+            </a:r>
+            <a:r>
+              <a:rPr lang="en-US" altLang="zh-CN" sz="4400" dirty="0">
+                <a:latin typeface="+mj-lt"/>
+                <a:ea typeface="+mj-ea"/>
+                <a:cs typeface="+mj-cs"/>
+              </a:rPr>
+              <a:t>k</a:t>
+            </a:r>
+            <a:r>
+              <a:rPr lang="zh-CN" altLang="en-US" sz="4400" dirty="0">
+                <a:latin typeface="+mj-lt"/>
+                <a:ea typeface="+mj-ea"/>
+                <a:cs typeface="+mj-cs"/>
+              </a:rPr>
+              <a:t> </a:t>
+            </a:r>
+            <a:r>
+              <a:rPr lang="en-US" altLang="zh-CN" sz="4400" dirty="0">
+                <a:latin typeface="+mj-lt"/>
+                <a:ea typeface="+mj-ea"/>
+                <a:cs typeface="+mj-cs"/>
+              </a:rPr>
+              <a:t>for</a:t>
+            </a:r>
+            <a:r>
+              <a:rPr lang="zh-CN" altLang="en-US" sz="4400" dirty="0">
+                <a:latin typeface="+mj-lt"/>
+                <a:ea typeface="+mj-ea"/>
+                <a:cs typeface="+mj-cs"/>
+              </a:rPr>
+              <a:t> </a:t>
+            </a:r>
+            <a:r>
+              <a:rPr lang="en-US" altLang="zh-CN" sz="4400" dirty="0">
+                <a:latin typeface="+mj-lt"/>
+                <a:ea typeface="+mj-ea"/>
+                <a:cs typeface="+mj-cs"/>
+              </a:rPr>
+              <a:t>clustering</a:t>
+            </a:r>
+          </a:p>
+          <a:p>
+            <a:r>
+              <a:rPr lang="en-US" altLang="zh-CN" sz="4400" dirty="0">
+                <a:latin typeface="+mj-lt"/>
+                <a:ea typeface="+mj-ea"/>
+                <a:cs typeface="+mj-cs"/>
+              </a:rPr>
+              <a:t>Need</a:t>
+            </a:r>
+            <a:r>
+              <a:rPr lang="zh-CN" altLang="en-US" sz="4400" dirty="0">
+                <a:latin typeface="+mj-lt"/>
+                <a:ea typeface="+mj-ea"/>
+                <a:cs typeface="+mj-cs"/>
+              </a:rPr>
+              <a:t> </a:t>
+            </a:r>
+            <a:r>
+              <a:rPr lang="en-US" altLang="zh-CN" sz="4400" dirty="0">
+                <a:latin typeface="+mj-lt"/>
+                <a:ea typeface="+mj-ea"/>
+                <a:cs typeface="+mj-cs"/>
+              </a:rPr>
+              <a:t>to</a:t>
+            </a:r>
+            <a:r>
+              <a:rPr lang="zh-CN" altLang="en-US" sz="4400" dirty="0">
+                <a:latin typeface="+mj-lt"/>
+                <a:ea typeface="+mj-ea"/>
+                <a:cs typeface="+mj-cs"/>
+              </a:rPr>
+              <a:t> </a:t>
+            </a:r>
+            <a:r>
+              <a:rPr lang="en-US" altLang="zh-CN" sz="4400" dirty="0">
+                <a:latin typeface="+mj-lt"/>
+                <a:ea typeface="+mj-ea"/>
+                <a:cs typeface="+mj-cs"/>
+              </a:rPr>
+              <a:t>do</a:t>
+            </a:r>
+            <a:r>
+              <a:rPr lang="zh-CN" altLang="en-US" sz="4400" dirty="0">
+                <a:latin typeface="+mj-lt"/>
+                <a:ea typeface="+mj-ea"/>
+                <a:cs typeface="+mj-cs"/>
+              </a:rPr>
+              <a:t> </a:t>
+            </a:r>
+            <a:r>
+              <a:rPr lang="en-US" altLang="zh-CN" sz="4400" dirty="0">
+                <a:latin typeface="+mj-lt"/>
+                <a:ea typeface="+mj-ea"/>
+                <a:cs typeface="+mj-cs"/>
+              </a:rPr>
+              <a:t>feature</a:t>
+            </a:r>
+            <a:r>
+              <a:rPr lang="zh-CN" altLang="en-US" sz="4400" dirty="0">
+                <a:latin typeface="+mj-lt"/>
+                <a:ea typeface="+mj-ea"/>
+                <a:cs typeface="+mj-cs"/>
+              </a:rPr>
+              <a:t> </a:t>
+            </a:r>
+            <a:r>
+              <a:rPr lang="en-US" altLang="zh-CN" sz="4400" dirty="0">
+                <a:latin typeface="+mj-lt"/>
+                <a:ea typeface="+mj-ea"/>
+                <a:cs typeface="+mj-cs"/>
+              </a:rPr>
+              <a:t>selection</a:t>
+            </a:r>
+            <a:r>
+              <a:rPr lang="zh-CN" altLang="en-US" sz="4400" dirty="0">
+                <a:latin typeface="+mj-lt"/>
+                <a:ea typeface="+mj-ea"/>
+                <a:cs typeface="+mj-cs"/>
+              </a:rPr>
+              <a:t> </a:t>
+            </a:r>
+            <a:r>
+              <a:rPr lang="en-US" altLang="zh-CN" sz="4400" dirty="0">
+                <a:latin typeface="+mj-lt"/>
+                <a:ea typeface="+mj-ea"/>
+                <a:cs typeface="+mj-cs"/>
+              </a:rPr>
+              <a:t>before</a:t>
+            </a:r>
+            <a:r>
+              <a:rPr lang="zh-CN" altLang="en-US" sz="4400" dirty="0">
+                <a:latin typeface="+mj-lt"/>
+                <a:ea typeface="+mj-ea"/>
+                <a:cs typeface="+mj-cs"/>
+              </a:rPr>
+              <a:t> </a:t>
+            </a:r>
+            <a:r>
+              <a:rPr lang="en-US" altLang="zh-CN" sz="4400" dirty="0">
+                <a:latin typeface="+mj-lt"/>
+                <a:ea typeface="+mj-ea"/>
+                <a:cs typeface="+mj-cs"/>
+              </a:rPr>
+              <a:t>clustering</a:t>
+            </a:r>
+          </a:p>
+          <a:p>
+            <a:r>
+              <a:rPr lang="en-US" altLang="zh-CN" sz="4400" dirty="0">
+                <a:latin typeface="+mj-lt"/>
+                <a:ea typeface="+mj-ea"/>
+                <a:cs typeface="+mj-cs"/>
+              </a:rPr>
+              <a:t>Can</a:t>
+            </a:r>
+            <a:r>
+              <a:rPr lang="zh-CN" altLang="en-US" sz="4400" dirty="0">
+                <a:latin typeface="+mj-lt"/>
+                <a:ea typeface="+mj-ea"/>
+                <a:cs typeface="+mj-cs"/>
+              </a:rPr>
+              <a:t> </a:t>
+            </a:r>
+            <a:r>
+              <a:rPr lang="en-US" altLang="zh-CN" sz="4400" dirty="0">
+                <a:latin typeface="+mj-lt"/>
+                <a:ea typeface="+mj-ea"/>
+                <a:cs typeface="+mj-cs"/>
+              </a:rPr>
+              <a:t>avoid</a:t>
+            </a:r>
+            <a:r>
+              <a:rPr lang="zh-CN" altLang="en-US" sz="4400" dirty="0">
+                <a:latin typeface="+mj-lt"/>
+                <a:ea typeface="+mj-ea"/>
+                <a:cs typeface="+mj-cs"/>
+              </a:rPr>
+              <a:t> </a:t>
+            </a:r>
+            <a:r>
+              <a:rPr lang="en-US" altLang="zh-CN" sz="4400" dirty="0">
+                <a:latin typeface="+mj-lt"/>
+                <a:ea typeface="+mj-ea"/>
+                <a:cs typeface="+mj-cs"/>
+              </a:rPr>
+              <a:t>some</a:t>
+            </a:r>
+            <a:r>
+              <a:rPr lang="zh-CN" altLang="en-US" sz="4400" dirty="0">
+                <a:latin typeface="+mj-lt"/>
+                <a:ea typeface="+mj-ea"/>
+                <a:cs typeface="+mj-cs"/>
+              </a:rPr>
+              <a:t> </a:t>
+            </a:r>
+            <a:r>
+              <a:rPr lang="en-US" altLang="zh-CN" sz="4400" dirty="0">
+                <a:latin typeface="+mj-lt"/>
+                <a:ea typeface="+mj-ea"/>
+                <a:cs typeface="+mj-cs"/>
+              </a:rPr>
+              <a:t>confounding</a:t>
+            </a:r>
+            <a:r>
+              <a:rPr lang="zh-CN" altLang="en-US" sz="4400" dirty="0">
+                <a:latin typeface="+mj-lt"/>
+                <a:ea typeface="+mj-ea"/>
+                <a:cs typeface="+mj-cs"/>
+              </a:rPr>
+              <a:t> </a:t>
+            </a:r>
+            <a:r>
+              <a:rPr lang="en-US" altLang="zh-CN" sz="4400" dirty="0">
+                <a:latin typeface="+mj-lt"/>
+                <a:ea typeface="+mj-ea"/>
+                <a:cs typeface="+mj-cs"/>
+              </a:rPr>
+              <a:t>genes</a:t>
+            </a:r>
+            <a:r>
+              <a:rPr lang="zh-CN" altLang="en-US" sz="4400" dirty="0">
+                <a:latin typeface="+mj-lt"/>
+                <a:ea typeface="+mj-ea"/>
+                <a:cs typeface="+mj-cs"/>
+              </a:rPr>
+              <a:t> </a:t>
+            </a:r>
+            <a:r>
+              <a:rPr lang="en-US" altLang="zh-CN" sz="4400" dirty="0">
+                <a:latin typeface="+mj-lt"/>
+                <a:ea typeface="+mj-ea"/>
+                <a:cs typeface="+mj-cs"/>
+              </a:rPr>
+              <a:t>(cell</a:t>
+            </a:r>
+            <a:r>
+              <a:rPr lang="zh-CN" altLang="en-US" sz="4400" dirty="0">
+                <a:latin typeface="+mj-lt"/>
+                <a:ea typeface="+mj-ea"/>
+                <a:cs typeface="+mj-cs"/>
+              </a:rPr>
+              <a:t> </a:t>
+            </a:r>
+            <a:r>
+              <a:rPr lang="en-US" altLang="zh-CN" sz="4400" dirty="0">
+                <a:latin typeface="+mj-lt"/>
+                <a:ea typeface="+mj-ea"/>
+                <a:cs typeface="+mj-cs"/>
+              </a:rPr>
+              <a:t>cycle,</a:t>
+            </a:r>
+            <a:r>
+              <a:rPr lang="zh-CN" altLang="en-US" sz="4400" dirty="0">
+                <a:latin typeface="+mj-lt"/>
+                <a:ea typeface="+mj-ea"/>
+                <a:cs typeface="+mj-cs"/>
+              </a:rPr>
+              <a:t> </a:t>
+            </a:r>
+            <a:r>
+              <a:rPr lang="en-US" altLang="zh-CN" sz="4400" dirty="0">
+                <a:latin typeface="+mj-lt"/>
+                <a:ea typeface="+mj-ea"/>
+                <a:cs typeface="+mj-cs"/>
+              </a:rPr>
+              <a:t>apoptosis)</a:t>
+            </a:r>
+          </a:p>
+          <a:p>
+            <a:r>
+              <a:rPr lang="en-US" sz="4400" dirty="0">
+                <a:latin typeface="+mj-lt"/>
+                <a:ea typeface="+mj-ea"/>
+                <a:cs typeface="+mj-cs"/>
+              </a:rPr>
+              <a:t>Consume a lot of computing resources</a:t>
+            </a:r>
           </a:p>
         </p:txBody>
       </p:sp>
@@ -5549,7 +6869,7 @@
           <a:p>
             <a:r>
               <a:rPr lang="en-US" altLang="zh-CN" dirty="0"/>
-              <a:t>MT1’</a:t>
+              <a:t>MT1-neg</a:t>
             </a:r>
             <a:r>
               <a:rPr lang="zh-CN" altLang="en-US" dirty="0"/>
@@ -5596,7 +6916,7 @@
           <a:p>
             <a:r>
               <a:rPr lang="en-US" altLang="zh-CN" dirty="0"/>
-              <a:t>MT1’’ –</a:t>
+              <a:t>MT1’ –</a:t>
             </a:r>
             <a:r>
               <a:rPr lang="zh-CN" altLang="en-US" dirty="0"/>
@@ -5658,7 +6978,7 @@
           <a:p>
             <a:r>
               <a:rPr lang="en-US" altLang="zh-CN" dirty="0"/>
-              <a:t>MT1’’’</a:t>
+              <a:t>MT1’’</a:t>
             </a:r>
             <a:r>
               <a:rPr lang="zh-CN" altLang="en-US" dirty="0"/>
@@ -5720,7 +7040,7 @@
           <a:p>
             <a:r>
               <a:rPr lang="en-US" altLang="zh-CN" dirty="0"/>
-              <a:t>MT2</a:t>
+              <a:t>MT2- intermediate</a:t>
             </a:r>
             <a:r>
               <a:rPr lang="zh-CN" altLang="en-US" dirty="0"/>
@@ -5875,10 +7195,10 @@
               <a:t>/falling</a:t>
             </a:r>
             <a:r>
-              <a:rPr lang="en-HK" altLang="zh-CN" dirty="0"/>
+              <a:rPr lang="en-HK" altLang="zh-CN"/>
               <a:t> expression</a:t>
             </a:r>
-            <a:endParaRPr lang="en-US" dirty="0"/>
+            <a:endParaRPr lang="en-HK" altLang="zh-CN" dirty="0"/>
           </a:p>
         </p:txBody>
       </p:sp>
@@ -7297,24 +8617,48 @@
               <a:t> </a:t>
             </a:r>
             <a:r>
-              <a:rPr lang="en-US" altLang="zh-CN" dirty="0"/>
+              <a:rPr lang="en-US" altLang="zh-CN" dirty="0">
+                <a:solidFill>
+                  <a:srgbClr val="FF0000"/>
+                </a:solidFill>
+              </a:rPr>
               <a:t>local</a:t>
             </a:r>
             <a:r>
-              <a:rPr lang="zh-CN" altLang="en-US" dirty="0"/>
-              <a:t> </a:t>
-            </a:r>
-            <a:r>
-              <a:rPr lang="en-US" altLang="zh-CN" dirty="0"/>
+              <a:rPr lang="zh-CN" altLang="en-US" dirty="0">
+                <a:solidFill>
+                  <a:srgbClr val="FF0000"/>
+                </a:solidFill>
+              </a:rPr>
+              <a:t> </a:t>
+            </a:r>
+            <a:r>
+              <a:rPr lang="en-US" altLang="zh-CN" dirty="0">
+                <a:solidFill>
+                  <a:srgbClr val="FF0000"/>
+                </a:solidFill>
+              </a:rPr>
               <a:t>center</a:t>
             </a:r>
             <a:r>
-              <a:rPr lang="zh-CN" altLang="en-US" dirty="0"/>
-              <a:t> </a:t>
-            </a:r>
-            <a:r>
-              <a:rPr lang="en-US" altLang="zh-CN" dirty="0"/>
-              <a:t>identification.</a:t>
+              <a:rPr lang="zh-CN" altLang="en-US" dirty="0">
+                <a:solidFill>
+                  <a:srgbClr val="FF0000"/>
+                </a:solidFill>
+              </a:rPr>
+              <a:t> </a:t>
+            </a:r>
+            <a:r>
+              <a:rPr lang="en-US" altLang="zh-CN" dirty="0">
+                <a:solidFill>
+                  <a:srgbClr val="FF0000"/>
+                </a:solidFill>
+              </a:rPr>
+              <a:t>identification</a:t>
+            </a:r>
+            <a:r>
+              <a:rPr lang="en-US" altLang="zh-CN" dirty="0"/>
+              <a:t>.</a:t>
             </a:r>
           </a:p>
           <a:p>
@@ -8064,4 +9408,299 @@
     </a:ext>
   </a:extLst>
 </a:theme>
+</file>
+
+<file path=ppt/theme/theme2.xml><?xml version="1.0" encoding="utf-8"?>
+<a:theme xmlns:a="http://schemas.openxmlformats.org/drawingml/2006/main" name="Office Theme">
+  <a:themeElements>
+    <a:clrScheme name="Office">
+      <a:dk1>
+        <a:sysClr val="windowText" lastClr="000000"/>
+      </a:dk1>
+      <a:lt1>
+        <a:sysClr val="window" lastClr="FFFFFF"/>
+      </a:lt1>
+      <a:dk2>
+        <a:srgbClr val="44546A"/>
+      </a:dk2>
+      <a:lt2>
+        <a:srgbClr val="E7E6E6"/>
+      </a:lt2>
+      <a:accent1>
+        <a:srgbClr val="4472C4"/>
+      </a:accent1>
+      <a:accent2>
+        <a:srgbClr val="ED7D31"/>
+      </a:accent2>
+      <a:accent3>
+        <a:srgbClr val="A5A5A5"/>
+      </a:accent3>
+      <a:accent4>
+        <a:srgbClr val="FFC000"/>
+      </a:accent4>
+      <a:accent5>
+        <a:srgbClr val="5B9BD5"/>
+      </a:accent5>
+      <a:accent6>
+        <a:srgbClr val="70AD47"/>
+      </a:accent6>
+      <a:hlink>
+        <a:srgbClr val="0563C1"/>
+      </a:hlink>
+      <a:folHlink>
+        <a:srgbClr val="954F72"/>
+      </a:folHlink>
+    </a:clrScheme>
+    <a:fontScheme name="Office">
+      <a:majorFont>
+        <a:latin typeface="Calibri Light" panose="020F0302020204030204"/>
+        <a:ea typeface=""/>
+        <a:cs typeface=""/>
+        <a:font script="Jpan" typeface="游ゴシック Light"/>
+        <a:font script="Hang" typeface="맑은 고딕"/>
+        <a:font script="Hans" typeface="等线 Light"/>
+        <a:font script="Hant" typeface="新細明體"/>
+        <a:font script="Arab" typeface="Times New Roman"/>
+        <a:font script="Hebr" typeface="Times New Roman"/>
+        <a:font script="Thai" typeface="Angsana New"/>
+        <a:font script="Ethi" typeface="Nyala"/>
+        <a:font script="Beng" typeface="Vrinda"/>
+        <a:font script="Gujr" typeface="Shruti"/>
+        <a:font script="Khmr" typeface="MoolBoran"/>
+        <a:font script="Knda" typeface="Tunga"/>
+        <a:font script="Guru" typeface="Raavi"/>
+        <a:font script="Cans" typeface="Euphemia"/>
+        <a:font script="Cher" typeface="Plantagenet Cherokee"/>
+        <a:font script="Yiii" typeface="Microsoft Yi Baiti"/>
+        <a:font script="Tibt" typeface="Microsoft Himalaya"/>
+        <a:font script="Thaa" typeface="MV Boli"/>
+        <a:font script="Deva" typeface="Mangal"/>
+        <a:font script="Telu" typeface="Gautami"/>
+        <a:font script="Taml" typeface="Latha"/>
+        <a:font script="Syrc" typeface="Estrangelo Edessa"/>
+        <a:font script="Orya" typeface="Kalinga"/>
+        <a:font script="Mlym" typeface="Kartika"/>
+        <a:font script="Laoo" typeface="DokChampa"/>
+        <a:font script="Sinh" typeface="Iskoola Pota"/>
+        <a:font script="Mong" typeface="Mongolian Baiti"/>
+        <a:font script="Viet" typeface="Times New Roman"/>
+        <a:font script="Uigh" typeface="Microsoft Uighur"/>
+        <a:font script="Geor" typeface="Sylfaen"/>
+        <a:font script="Armn" typeface="Arial"/>
+        <a:font script="Bugi" typeface="Leelawadee UI"/>
+        <a:font script="Bopo" typeface="Microsoft JhengHei"/>
+        <a:font script="Java" typeface="Javanese Text"/>
+        <a:font script="Lisu" typeface="Segoe UI"/>
+        <a:font script="Mymr" typeface="Myanmar Text"/>
+        <a:font script="Nkoo" typeface="Ebrima"/>
+        <a:font script="Olck" typeface="Nirmala UI"/>
+        <a:font script="Osma" typeface="Ebrima"/>
+        <a:font script="Phag" typeface="Phagspa"/>
+        <a:font script="Syrn" typeface="Estrangelo Edessa"/>
+        <a:font script="Syrj" typeface="Estrangelo Edessa"/>
+        <a:font script="Syre" typeface="Estrangelo Edessa"/>
+        <a:font script="Sora" typeface="Nirmala UI"/>
+        <a:font script="Tale" typeface="Microsoft Tai Le"/>
+        <a:font script="Talu" typeface="Microsoft New Tai Lue"/>
+        <a:font script="Tfng" typeface="Ebrima"/>
+      </a:majorFont>
+      <a:minorFont>
+        <a:latin typeface="Calibri" panose="020F0502020204030204"/>
+        <a:ea typeface=""/>
+        <a:cs typeface=""/>
+        <a:font script="Jpan" typeface="游ゴシック"/>
+        <a:font script="Hang" typeface="맑은 고딕"/>
+        <a:font script="Hans" typeface="等线"/>
+        <a:font script="Hant" typeface="新細明體"/>
+        <a:font script="Arab" typeface="Arial"/>
+        <a:font script="Hebr" typeface="Arial"/>
+        <a:font script="Thai" typeface="Cordia New"/>
+        <a:font script="Ethi" typeface="Nyala"/>
+        <a:font script="Beng" typeface="Vrinda"/>
+        <a:font script="Gujr" typeface="Shruti"/>
+        <a:font script="Khmr" typeface="DaunPenh"/>
+        <a:font script="Knda" typeface="Tunga"/>
+        <a:font script="Guru" typeface="Raavi"/>
+        <a:font script="Cans" typeface="Euphemia"/>
+        <a:font script="Cher" typeface="Plantagenet Cherokee"/>
+        <a:font script="Yiii" typeface="Microsoft Yi Baiti"/>
+        <a:font script="Tibt" typeface="Microsoft Himalaya"/>
+        <a:font script="Thaa" typeface="MV Boli"/>
+        <a:font script="Deva" typeface="Mangal"/>
+        <a:font script="Telu" typeface="Gautami"/>
+        <a:font script="Taml" typeface="Latha"/>
+        <a:font script="Syrc" typeface="Estrangelo Edessa"/>
+        <a:font script="Orya" typeface="Kalinga"/>
+        <a:font script="Mlym" typeface="Kartika"/>
+        <a:font script="Laoo" typeface="DokChampa"/>
+        <a:font script="Sinh" typeface="Iskoola Pota"/>
+        <a:font script="Mong" typeface="Mongolian Baiti"/>
+        <a:font script="Viet" typeface="Arial"/>
+        <a:font script="Uigh" typeface="Microsoft Uighur"/>
+        <a:font script="Geor" typeface="Sylfaen"/>
+        <a:font script="Armn" typeface="Arial"/>
+        <a:font script="Bugi" typeface="Leelawadee UI"/>
+        <a:font script="Bopo" typeface="Microsoft JhengHei"/>
+        <a:font script="Java" typeface="Javanese Text"/>
+        <a:font script="Lisu" typeface="Segoe UI"/>
+        <a:font script="Mymr" typeface="Myanmar Text"/>
+        <a:font script="Nkoo" typeface="Ebrima"/>
+        <a:font script="Olck" typeface="Nirmala UI"/>
+        <a:font script="Osma" typeface="Ebrima"/>
+        <a:font script="Phag" typeface="Phagspa"/>
+        <a:font script="Syrn" typeface="Estrangelo Edessa"/>
+        <a:font script="Syrj" typeface="Estrangelo Edessa"/>
+        <a:font script="Syre" typeface="Estrangelo Edessa"/>
+        <a:font script="Sora" typeface="Nirmala UI"/>
+        <a:font script="Tale" typeface="Microsoft Tai Le"/>
+        <a:font script="Talu" typeface="Microsoft New Tai Lue"/>
+        <a:font script="Tfng" typeface="Ebrima"/>
+      </a:minorFont>
+    </a:fontScheme>
+    <a:fmtScheme name="Office">
+      <a:fillStyleLst>
+        <a:solidFill>
+          <a:schemeClr val="phClr"/>
+        </a:solidFill>
+        <a:gradFill rotWithShape="1">
+          <a:gsLst>
+            <a:gs pos="0">
+              <a:schemeClr val="phClr">
+                <a:lumMod val="110000"/>
+                <a:satMod val="105000"/>
+                <a:tint val="67000"/>
+              </a:schemeClr>
+            </a:gs>
+            <a:gs pos="50000">
+              <a:schemeClr val="phClr">
+                <a:lumMod val="105000"/>
+                <a:satMod val="103000"/>
+                <a:tint val="73000"/>
+              </a:schemeClr>
+            </a:gs>
+            <a:gs pos="100000">
+              <a:schemeClr val="phClr">
+                <a:lumMod val="105000"/>
+                <a:satMod val="109000"/>
+                <a:tint val="81000"/>
+              </a:schemeClr>
+            </a:gs>
+          </a:gsLst>
+          <a:lin ang="5400000" scaled="0"/>
+        </a:gradFill>
+        <a:gradFill rotWithShape="1">
+          <a:gsLst>
+            <a:gs pos="0">
+              <a:schemeClr val="phClr">
+                <a:satMod val="103000"/>
+                <a:lumMod val="102000"/>
+                <a:tint val="94000"/>
+              </a:schemeClr>
+            </a:gs>
+            <a:gs pos="50000">
+              <a:schemeClr val="phClr">
+                <a:satMod val="110000"/>
+                <a:lumMod val="100000"/>
+                <a:shade val="100000"/>
+              </a:schemeClr>
+            </a:gs>
+            <a:gs pos="100000">
+              <a:schemeClr val="phClr">
+                <a:lumMod val="99000"/>
+                <a:satMod val="120000"/>
+                <a:shade val="78000"/>
+              </a:schemeClr>
+            </a:gs>
+          </a:gsLst>
+          <a:lin ang="5400000" scaled="0"/>
+        </a:gradFill>
+      </a:fillStyleLst>
+      <a:lnStyleLst>
+        <a:ln w="6350" cap="flat" cmpd="sng" algn="ctr">
+          <a:solidFill>
+            <a:schemeClr val="phClr"/>
+          </a:solidFill>
+          <a:prstDash val="solid"/>
+          <a:miter lim="800000"/>
+        </a:ln>
+        <a:ln w="12700" cap="flat" cmpd="sng" algn="ctr">
+          <a:solidFill>
+            <a:schemeClr val="phClr"/>
+          </a:solidFill>
+          <a:prstDash val="solid"/>
+          <a:miter lim="800000"/>
+        </a:ln>
+        <a:ln w="19050" cap="flat" cmpd="sng" algn="ctr">
+          <a:solidFill>
+            <a:schemeClr val="phClr"/>
+          </a:solidFill>
+          <a:prstDash val="solid"/>
+          <a:miter lim="800000"/>
+        </a:ln>
+      </a:lnStyleLst>
+      <a:effectStyleLst>
+        <a:effectStyle>
+          <a:effectLst/>
+        </a:effectStyle>
+        <a:effectStyle>
+          <a:effectLst/>
+        </a:effectStyle>
+        <a:effectStyle>
+          <a:effectLst>
+            <a:outerShdw blurRad="57150" dist="19050" dir="5400000" algn="ctr" rotWithShape="0">
+              <a:srgbClr val="000000">
+                <a:alpha val="63000"/>
+              </a:srgbClr>
+            </a:outerShdw>
+          </a:effectLst>
+        </a:effectStyle>
+      </a:effectStyleLst>
+      <a:bgFillStyleLst>
+        <a:solidFill>
+          <a:schemeClr val="phClr"/>
+        </a:solidFill>
+        <a:solidFill>
+          <a:schemeClr val="phClr">
+            <a:tint val="95000"/>
+            <a:satMod val="170000"/>
+          </a:schemeClr>
+        </a:solidFill>
+        <a:gradFill rotWithShape="1">
+          <a:gsLst>
+            <a:gs pos="0">
+              <a:schemeClr val="phClr">
+                <a:tint val="93000"/>
+                <a:satMod val="150000"/>
+                <a:shade val="98000"/>
+                <a:lumMod val="102000"/>
+              </a:schemeClr>
+            </a:gs>
+            <a:gs pos="50000">
+              <a:schemeClr val="phClr">
+                <a:tint val="98000"/>
+                <a:satMod val="130000"/>
+                <a:shade val="90000"/>
+                <a:lumMod val="103000"/>
+              </a:schemeClr>
+            </a:gs>
+            <a:gs pos="100000">
+              <a:schemeClr val="phClr">
+                <a:shade val="63000"/>
+                <a:satMod val="120000"/>
+              </a:schemeClr>
+            </a:gs>
+          </a:gsLst>
+          <a:lin ang="5400000" scaled="0"/>
+        </a:gradFill>
+      </a:bgFillStyleLst>
+    </a:fmtScheme>
+  </a:themeElements>
+  <a:objectDefaults/>
+  <a:extraClrSchemeLst/>
+  <a:extLst>
+    <a:ext uri="{05A4C25C-085E-4340-85A3-A5531E510DB2}">
+      <thm15:themeFamily xmlns:thm15="http://schemas.microsoft.com/office/thememl/2012/main" name="Office Theme" id="{62F939B6-93AF-4DB8-9C6B-D6C7DFDC589F}" vid="{4A3C46E8-61CC-4603-A589-7422A47A8E4A}"/>
+    </a:ext>
+  </a:extLst>
+</a:theme>
 </file>